--- a/Day1_Demo_DMPTools.pptx
+++ b/Day1_Demo_DMPTools.pptx
@@ -5,38 +5,56 @@
     <p:sldMasterId id="2147483648" r:id="rId1"/>
   </p:sldMasterIdLst>
   <p:notesMasterIdLst>
-    <p:notesMasterId r:id="rId31"/>
+    <p:notesMasterId r:id="rId49"/>
   </p:notesMasterIdLst>
   <p:sldIdLst>
     <p:sldId id="269" r:id="rId2"/>
-    <p:sldId id="283" r:id="rId3"/>
-    <p:sldId id="285" r:id="rId4"/>
-    <p:sldId id="284" r:id="rId5"/>
-    <p:sldId id="256" r:id="rId6"/>
-    <p:sldId id="257" r:id="rId7"/>
-    <p:sldId id="258" r:id="rId8"/>
-    <p:sldId id="259" r:id="rId9"/>
-    <p:sldId id="260" r:id="rId10"/>
-    <p:sldId id="270" r:id="rId11"/>
-    <p:sldId id="261" r:id="rId12"/>
-    <p:sldId id="262" r:id="rId13"/>
-    <p:sldId id="263" r:id="rId14"/>
-    <p:sldId id="264" r:id="rId15"/>
-    <p:sldId id="265" r:id="rId16"/>
-    <p:sldId id="266" r:id="rId17"/>
-    <p:sldId id="267" r:id="rId18"/>
-    <p:sldId id="268" r:id="rId19"/>
-    <p:sldId id="271" r:id="rId20"/>
-    <p:sldId id="273" r:id="rId21"/>
-    <p:sldId id="282" r:id="rId22"/>
-    <p:sldId id="281" r:id="rId23"/>
-    <p:sldId id="274" r:id="rId24"/>
-    <p:sldId id="275" r:id="rId25"/>
-    <p:sldId id="276" r:id="rId26"/>
-    <p:sldId id="277" r:id="rId27"/>
-    <p:sldId id="278" r:id="rId28"/>
-    <p:sldId id="279" r:id="rId29"/>
-    <p:sldId id="280" r:id="rId30"/>
+    <p:sldId id="298" r:id="rId3"/>
+    <p:sldId id="286" r:id="rId4"/>
+    <p:sldId id="287" r:id="rId5"/>
+    <p:sldId id="288" r:id="rId6"/>
+    <p:sldId id="289" r:id="rId7"/>
+    <p:sldId id="290" r:id="rId8"/>
+    <p:sldId id="291" r:id="rId9"/>
+    <p:sldId id="292" r:id="rId10"/>
+    <p:sldId id="293" r:id="rId11"/>
+    <p:sldId id="294" r:id="rId12"/>
+    <p:sldId id="274" r:id="rId13"/>
+    <p:sldId id="295" r:id="rId14"/>
+    <p:sldId id="275" r:id="rId15"/>
+    <p:sldId id="276" r:id="rId16"/>
+    <p:sldId id="277" r:id="rId17"/>
+    <p:sldId id="278" r:id="rId18"/>
+    <p:sldId id="279" r:id="rId19"/>
+    <p:sldId id="296" r:id="rId20"/>
+    <p:sldId id="299" r:id="rId21"/>
+    <p:sldId id="304" r:id="rId22"/>
+    <p:sldId id="305" r:id="rId23"/>
+    <p:sldId id="307" r:id="rId24"/>
+    <p:sldId id="308" r:id="rId25"/>
+    <p:sldId id="309" r:id="rId26"/>
+    <p:sldId id="310" r:id="rId27"/>
+    <p:sldId id="311" r:id="rId28"/>
+    <p:sldId id="300" r:id="rId29"/>
+    <p:sldId id="301" r:id="rId30"/>
+    <p:sldId id="256" r:id="rId31"/>
+    <p:sldId id="257" r:id="rId32"/>
+    <p:sldId id="258" r:id="rId33"/>
+    <p:sldId id="259" r:id="rId34"/>
+    <p:sldId id="260" r:id="rId35"/>
+    <p:sldId id="270" r:id="rId36"/>
+    <p:sldId id="302" r:id="rId37"/>
+    <p:sldId id="261" r:id="rId38"/>
+    <p:sldId id="262" r:id="rId39"/>
+    <p:sldId id="263" r:id="rId40"/>
+    <p:sldId id="264" r:id="rId41"/>
+    <p:sldId id="303" r:id="rId42"/>
+    <p:sldId id="265" r:id="rId43"/>
+    <p:sldId id="266" r:id="rId44"/>
+    <p:sldId id="267" r:id="rId45"/>
+    <p:sldId id="268" r:id="rId46"/>
+    <p:sldId id="280" r:id="rId47"/>
+    <p:sldId id="297" r:id="rId48"/>
   </p:sldIdLst>
   <p:sldSz cx="9144000" cy="6858000" type="screen4x3"/>
   <p:notesSz cx="6858000" cy="9144000"/>
@@ -532,76 +550,7 @@
           <a:bodyPr/>
           <a:lstStyle/>
           <a:p>
-            <a:r>
-              <a:rPr lang="en-US" dirty="0" smtClean="0"/>
-              <a:t>Developed here at UIUC</a:t>
-            </a:r>
-            <a:r>
-              <a:rPr lang="en-US" baseline="0" dirty="0" smtClean="0"/>
-              <a:t> and Purdue – </a:t>
-            </a:r>
-          </a:p>
-          <a:p>
-            <a:endParaRPr lang="en-US" baseline="0" dirty="0" smtClean="0"/>
-          </a:p>
-          <a:p>
-            <a:r>
-              <a:rPr lang="en-US" baseline="0" dirty="0" smtClean="0"/>
-              <a:t>Idea was to create generalizable worksheets and interview techniques for libraries, cultural heritage </a:t>
-            </a:r>
-            <a:r>
-              <a:rPr lang="en-US" baseline="0" dirty="0" err="1" smtClean="0"/>
-              <a:t>instituions</a:t>
-            </a:r>
-            <a:r>
-              <a:rPr lang="en-US" baseline="0" dirty="0" smtClean="0"/>
-              <a:t> and non-profits to go out to data producers and better understand preserving their data in a repository environment. </a:t>
-            </a:r>
-          </a:p>
-          <a:p>
-            <a:endParaRPr lang="en-US" baseline="0" dirty="0" smtClean="0"/>
-          </a:p>
-          <a:p>
-            <a:r>
-              <a:rPr lang="en-US" baseline="0" dirty="0" smtClean="0"/>
-              <a:t>And the vision, really was to that whomever conducted one of these interviews would then be able to take the answers from their subject, and create a profile for that discipline, or laboratory….and then submit that report to a centralized location where other curators can access and read the findings of the interview. </a:t>
-            </a:r>
-          </a:p>
-          <a:p>
-            <a:endParaRPr lang="en-US" baseline="0" dirty="0" smtClean="0"/>
-          </a:p>
-          <a:p>
-            <a:r>
-              <a:rPr lang="en-US" baseline="0" dirty="0" smtClean="0"/>
-              <a:t>It is still somewhat young, but very very </a:t>
-            </a:r>
-            <a:r>
-              <a:rPr lang="en-US" baseline="0" dirty="0" err="1" smtClean="0"/>
-              <a:t>promissing</a:t>
-            </a:r>
-            <a:r>
-              <a:rPr lang="en-US" baseline="0" dirty="0" smtClean="0"/>
-              <a:t>. And it’s such low hanging fruit for curators – I think we’ll see in the next few years the repository where these are submitted really take off. </a:t>
-            </a:r>
-          </a:p>
-          <a:p>
-            <a:endParaRPr lang="en-US" baseline="0" dirty="0" smtClean="0"/>
-          </a:p>
-          <a:p>
-            <a:r>
-              <a:rPr lang="en-US" baseline="0" dirty="0" smtClean="0"/>
-              <a:t>So the toolkit itself provides …. </a:t>
-            </a:r>
-          </a:p>
-          <a:p>
-            <a:endParaRPr lang="en-US" baseline="0" dirty="0" smtClean="0"/>
-          </a:p>
-          <a:p>
-            <a:r>
-              <a:rPr lang="en-US" baseline="0" dirty="0" smtClean="0"/>
-              <a:t>	READ</a:t>
-            </a:r>
-            <a:endParaRPr lang="en-US" dirty="0"/>
+            <a:endParaRPr lang="en-US" dirty="0" smtClean="0"/>
           </a:p>
         </p:txBody>
       </p:sp>
@@ -620,9 +569,9 @@
           <a:bodyPr/>
           <a:lstStyle/>
           <a:p>
-            <a:fld id="{15AA36A6-B08E-1F47-A0F5-47F3D2D5A7E2}" type="slidenum">
+            <a:fld id="{036A4C59-9997-D64D-B418-4F4AB05D75FD}" type="slidenum">
               <a:rPr lang="en-US" smtClean="0"/>
-              <a:t>6</a:t>
+              <a:t>5</a:t>
             </a:fld>
             <a:endParaRPr lang="en-US"/>
           </a:p>
@@ -631,7 +580,7 @@
     </p:spTree>
     <p:extLst>
       <p:ext uri="{BB962C8B-B14F-4D97-AF65-F5344CB8AC3E}">
-        <p14:creationId xmlns:p14="http://schemas.microsoft.com/office/powerpoint/2010/main" val="1236096011"/>
+        <p14:creationId xmlns:p14="http://schemas.microsoft.com/office/powerpoint/2010/main" val="4285290425"/>
       </p:ext>
     </p:extLst>
   </p:cSld>
@@ -685,50 +634,8 @@
           <a:bodyPr/>
           <a:lstStyle/>
           <a:p>
-            <a:r>
-              <a:rPr lang="en-US" sz="1200" kern="1200" dirty="0" smtClean="0">
-                <a:solidFill>
-                  <a:schemeClr val="tx1"/>
-                </a:solidFill>
-                <a:effectLst/>
-                <a:latin typeface="+mn-lt"/>
-                <a:ea typeface="+mn-ea"/>
-                <a:cs typeface="+mn-cs"/>
-              </a:rPr>
-              <a:t>Before I have you begin Module 1 of the worksheet, </a:t>
-            </a:r>
-          </a:p>
-          <a:p>
-            <a:endParaRPr lang="en-US" sz="1200" kern="1200" dirty="0" smtClean="0">
-              <a:solidFill>
-                <a:schemeClr val="tx1"/>
-              </a:solidFill>
-              <a:effectLst/>
-              <a:latin typeface="+mn-lt"/>
-              <a:ea typeface="+mn-ea"/>
-              <a:cs typeface="+mn-cs"/>
-            </a:endParaRPr>
-          </a:p>
-          <a:p>
-            <a:r>
-              <a:rPr lang="en-US" sz="1200" kern="1200" dirty="0" smtClean="0">
-                <a:solidFill>
-                  <a:schemeClr val="tx1"/>
-                </a:solidFill>
-                <a:effectLst/>
-                <a:latin typeface="+mn-lt"/>
-                <a:ea typeface="+mn-ea"/>
-                <a:cs typeface="+mn-cs"/>
-              </a:rPr>
-              <a:t>Could you please provide me with a brief overview of the research project associated with the data that we will be discussing in this interview?  </a:t>
-            </a:r>
-          </a:p>
-          <a:p>
             <a:endParaRPr lang="en-US" dirty="0" smtClean="0"/>
           </a:p>
-          <a:p>
-            <a:endParaRPr lang="en-US" dirty="0"/>
-          </a:p>
         </p:txBody>
       </p:sp>
       <p:sp>
@@ -746,9 +653,9 @@
           <a:bodyPr/>
           <a:lstStyle/>
           <a:p>
-            <a:fld id="{DFBEBCD9-8B85-9F48-8957-AA05FC222366}" type="slidenum">
+            <a:fld id="{036A4C59-9997-D64D-B418-4F4AB05D75FD}" type="slidenum">
               <a:rPr lang="en-US" smtClean="0"/>
-              <a:t>13</a:t>
+              <a:t>6</a:t>
             </a:fld>
             <a:endParaRPr lang="en-US"/>
           </a:p>
@@ -757,7 +664,7 @@
     </p:spTree>
     <p:extLst>
       <p:ext uri="{BB962C8B-B14F-4D97-AF65-F5344CB8AC3E}">
-        <p14:creationId xmlns:p14="http://schemas.microsoft.com/office/powerpoint/2010/main" val="2488736448"/>
+        <p14:creationId xmlns:p14="http://schemas.microsoft.com/office/powerpoint/2010/main" val="4285290425"/>
       </p:ext>
     </p:extLst>
   </p:cSld>
@@ -808,40 +715,33 @@
         </p:nvSpPr>
         <p:spPr/>
         <p:txBody>
-          <a:bodyPr>
-            <a:normAutofit/>
-          </a:bodyPr>
-          <a:lstStyle/>
-          <a:p>
-            <a:r>
-              <a:rPr lang="en-US" dirty="0" smtClean="0"/>
-              <a:t>So the curation profile</a:t>
+          <a:bodyPr/>
+          <a:lstStyle/>
+          <a:p>
+            <a:r>
+              <a:rPr lang="en-US" dirty="0" smtClean="0"/>
+              <a:t>Developed here at UIUC</a:t>
             </a:r>
             <a:r>
               <a:rPr lang="en-US" baseline="0" dirty="0" smtClean="0"/>
-              <a:t> – the end product </a:t>
-            </a:r>
-            <a:endParaRPr lang="en-US" dirty="0" smtClean="0"/>
-          </a:p>
-          <a:p>
-            <a:endParaRPr lang="en-US" dirty="0" smtClean="0"/>
-          </a:p>
-          <a:p>
-            <a:r>
-              <a:rPr lang="en-US" dirty="0" smtClean="0"/>
-              <a:t>Summary is usually about a dataset, or a laboratory with a number of datasets that an IR manager or campus</a:t>
-            </a:r>
+              <a:t> and Purdue – </a:t>
+            </a:r>
+          </a:p>
+          <a:p>
+            <a:endParaRPr lang="en-US" baseline="0" dirty="0" smtClean="0"/>
+          </a:p>
+          <a:p>
             <a:r>
               <a:rPr lang="en-US" baseline="0" dirty="0" smtClean="0"/>
-              <a:t> library, or </a:t>
+              <a:t>Idea was to create generalizable worksheets and interview techniques for libraries, cultural heritage </a:t>
             </a:r>
             <a:r>
               <a:rPr lang="en-US" baseline="0" dirty="0" err="1" smtClean="0"/>
-              <a:t>instistion</a:t>
+              <a:t>instituions</a:t>
             </a:r>
             <a:r>
               <a:rPr lang="en-US" baseline="0" dirty="0" smtClean="0"/>
-              <a:t> might want to preserve in some way. </a:t>
+              <a:t> and non-profits to go out to data producers and better understand preserving their data in a repository environment. </a:t>
             </a:r>
           </a:p>
           <a:p>
@@ -850,7 +750,7 @@
           <a:p>
             <a:r>
               <a:rPr lang="en-US" baseline="0" dirty="0" smtClean="0"/>
-              <a:t>Overview of the search is about </a:t>
+              <a:t>And the vision, really was to that whomever conducted one of these interviews would then be able to take the answers from their subject, and create a profile for that discipline, or laboratory….and then submit that report to a centralized location where other curators can access and read the findings of the interview. </a:t>
             </a:r>
           </a:p>
           <a:p>
@@ -859,7 +759,15 @@
           <a:p>
             <a:r>
               <a:rPr lang="en-US" baseline="0" dirty="0" smtClean="0"/>
-              <a:t>Data kinds and stages is laid out, I think, quite nicely in the user manual – it specifies a generic vocabulary to use. </a:t>
+              <a:t>It is still somewhat young, but very very </a:t>
+            </a:r>
+            <a:r>
+              <a:rPr lang="en-US" baseline="0" dirty="0" err="1" smtClean="0"/>
+              <a:t>promissing</a:t>
+            </a:r>
+            <a:r>
+              <a:rPr lang="en-US" baseline="0" dirty="0" smtClean="0"/>
+              <a:t>. And it’s such low hanging fruit for curators – I think we’ll see in the next few years the repository where these are submitted really take off. </a:t>
             </a:r>
           </a:p>
           <a:p>
@@ -868,13 +776,17 @@
           <a:p>
             <a:r>
               <a:rPr lang="en-US" baseline="0" dirty="0" smtClean="0"/>
-              <a:t>The intellectual property issues are interesting, because they’re so rarely used. </a:t>
+              <a:t>So the toolkit itself provides …. </a:t>
             </a:r>
           </a:p>
           <a:p>
             <a:endParaRPr lang="en-US" baseline="0" dirty="0" smtClean="0"/>
           </a:p>
           <a:p>
+            <a:r>
+              <a:rPr lang="en-US" baseline="0" dirty="0" smtClean="0"/>
+              <a:t>	READ</a:t>
+            </a:r>
             <a:endParaRPr lang="en-US" dirty="0"/>
           </a:p>
         </p:txBody>
@@ -894,16 +806,20 @@
           <a:bodyPr/>
           <a:lstStyle/>
           <a:p>
-            <a:fld id="{62152EDD-C9BC-45FC-ABA2-5FADB0F7555B}" type="slidenum">
+            <a:fld id="{15AA36A6-B08E-1F47-A0F5-47F3D2D5A7E2}" type="slidenum">
               <a:rPr lang="en-US" smtClean="0"/>
-              <a:pPr/>
-              <a:t>15</a:t>
+              <a:t>31</a:t>
             </a:fld>
             <a:endParaRPr lang="en-US"/>
           </a:p>
         </p:txBody>
       </p:sp>
     </p:spTree>
+    <p:extLst>
+      <p:ext uri="{BB962C8B-B14F-4D97-AF65-F5344CB8AC3E}">
+        <p14:creationId xmlns:p14="http://schemas.microsoft.com/office/powerpoint/2010/main" val="1236096011"/>
+      </p:ext>
+    </p:extLst>
   </p:cSld>
   <p:clrMapOvr>
     <a:masterClrMapping/>
@@ -955,6 +871,48 @@
           <a:bodyPr/>
           <a:lstStyle/>
           <a:p>
+            <a:r>
+              <a:rPr lang="en-US" sz="1200" kern="1200" dirty="0" smtClean="0">
+                <a:solidFill>
+                  <a:schemeClr val="tx1"/>
+                </a:solidFill>
+                <a:effectLst/>
+                <a:latin typeface="+mn-lt"/>
+                <a:ea typeface="+mn-ea"/>
+                <a:cs typeface="+mn-cs"/>
+              </a:rPr>
+              <a:t>Before I have you begin Module 1 of the worksheet, </a:t>
+            </a:r>
+          </a:p>
+          <a:p>
+            <a:endParaRPr lang="en-US" sz="1200" kern="1200" dirty="0" smtClean="0">
+              <a:solidFill>
+                <a:schemeClr val="tx1"/>
+              </a:solidFill>
+              <a:effectLst/>
+              <a:latin typeface="+mn-lt"/>
+              <a:ea typeface="+mn-ea"/>
+              <a:cs typeface="+mn-cs"/>
+            </a:endParaRPr>
+          </a:p>
+          <a:p>
+            <a:r>
+              <a:rPr lang="en-US" sz="1200" kern="1200" dirty="0" smtClean="0">
+                <a:solidFill>
+                  <a:schemeClr val="tx1"/>
+                </a:solidFill>
+                <a:effectLst/>
+                <a:latin typeface="+mn-lt"/>
+                <a:ea typeface="+mn-ea"/>
+                <a:cs typeface="+mn-cs"/>
+              </a:rPr>
+              <a:t>Could you please provide me with a brief overview of the research project associated with the data that we will be discussing in this interview?  </a:t>
+            </a:r>
+          </a:p>
+          <a:p>
+            <a:endParaRPr lang="en-US" dirty="0" smtClean="0"/>
+          </a:p>
+          <a:p>
             <a:endParaRPr lang="en-US" dirty="0"/>
           </a:p>
         </p:txBody>
@@ -974,9 +932,9 @@
           <a:bodyPr/>
           <a:lstStyle/>
           <a:p>
-            <a:fld id="{9CCC3976-A15B-0A43-971F-C1ADE5221AC9}" type="slidenum">
+            <a:fld id="{DFBEBCD9-8B85-9F48-8957-AA05FC222366}" type="slidenum">
               <a:rPr lang="en-US" smtClean="0"/>
-              <a:t>20</a:t>
+              <a:t>39</a:t>
             </a:fld>
             <a:endParaRPr lang="en-US"/>
           </a:p>
@@ -985,9 +943,153 @@
     </p:spTree>
     <p:extLst>
       <p:ext uri="{BB962C8B-B14F-4D97-AF65-F5344CB8AC3E}">
-        <p14:creationId xmlns:p14="http://schemas.microsoft.com/office/powerpoint/2010/main" val="315182896"/>
+        <p14:creationId xmlns:p14="http://schemas.microsoft.com/office/powerpoint/2010/main" val="2488736448"/>
       </p:ext>
     </p:extLst>
+  </p:cSld>
+  <p:clrMapOvr>
+    <a:masterClrMapping/>
+  </p:clrMapOvr>
+</p:notes>
+</file>
+
+<file path=ppt/notesSlides/notesSlide5.xml><?xml version="1.0" encoding="utf-8"?>
+<p:notes xmlns:a="http://schemas.openxmlformats.org/drawingml/2006/main" xmlns:r="http://schemas.openxmlformats.org/officeDocument/2006/relationships" xmlns:p="http://schemas.openxmlformats.org/presentationml/2006/main">
+  <p:cSld>
+    <p:spTree>
+      <p:nvGrpSpPr>
+        <p:cNvPr id="1" name=""/>
+        <p:cNvGrpSpPr/>
+        <p:nvPr/>
+      </p:nvGrpSpPr>
+      <p:grpSpPr>
+        <a:xfrm>
+          <a:off x="0" y="0"/>
+          <a:ext cx="0" cy="0"/>
+          <a:chOff x="0" y="0"/>
+          <a:chExt cx="0" cy="0"/>
+        </a:xfrm>
+      </p:grpSpPr>
+      <p:sp>
+        <p:nvSpPr>
+          <p:cNvPr id="2" name="Slide Image Placeholder 1"/>
+          <p:cNvSpPr>
+            <a:spLocks noGrp="1" noRot="1" noChangeAspect="1"/>
+          </p:cNvSpPr>
+          <p:nvPr>
+            <p:ph type="sldImg"/>
+          </p:nvPr>
+        </p:nvSpPr>
+        <p:spPr/>
+      </p:sp>
+      <p:sp>
+        <p:nvSpPr>
+          <p:cNvPr id="3" name="Notes Placeholder 2"/>
+          <p:cNvSpPr>
+            <a:spLocks noGrp="1"/>
+          </p:cNvSpPr>
+          <p:nvPr>
+            <p:ph type="body" idx="1"/>
+          </p:nvPr>
+        </p:nvSpPr>
+        <p:spPr/>
+        <p:txBody>
+          <a:bodyPr>
+            <a:normAutofit/>
+          </a:bodyPr>
+          <a:lstStyle/>
+          <a:p>
+            <a:r>
+              <a:rPr lang="en-US" dirty="0" smtClean="0"/>
+              <a:t>So the curation profile</a:t>
+            </a:r>
+            <a:r>
+              <a:rPr lang="en-US" baseline="0" dirty="0" smtClean="0"/>
+              <a:t> – the end product </a:t>
+            </a:r>
+            <a:endParaRPr lang="en-US" dirty="0" smtClean="0"/>
+          </a:p>
+          <a:p>
+            <a:endParaRPr lang="en-US" dirty="0" smtClean="0"/>
+          </a:p>
+          <a:p>
+            <a:r>
+              <a:rPr lang="en-US" dirty="0" smtClean="0"/>
+              <a:t>Summary is usually about a dataset, or a laboratory with a number of datasets that an IR manager or campus</a:t>
+            </a:r>
+            <a:r>
+              <a:rPr lang="en-US" baseline="0" dirty="0" smtClean="0"/>
+              <a:t> library, or </a:t>
+            </a:r>
+            <a:r>
+              <a:rPr lang="en-US" baseline="0" dirty="0" err="1" smtClean="0"/>
+              <a:t>instistion</a:t>
+            </a:r>
+            <a:r>
+              <a:rPr lang="en-US" baseline="0" dirty="0" smtClean="0"/>
+              <a:t> might want to preserve in some way. </a:t>
+            </a:r>
+          </a:p>
+          <a:p>
+            <a:endParaRPr lang="en-US" baseline="0" dirty="0" smtClean="0"/>
+          </a:p>
+          <a:p>
+            <a:r>
+              <a:rPr lang="en-US" baseline="0" dirty="0" smtClean="0"/>
+              <a:t>Overview of the search is about </a:t>
+            </a:r>
+          </a:p>
+          <a:p>
+            <a:endParaRPr lang="en-US" baseline="0" dirty="0" smtClean="0"/>
+          </a:p>
+          <a:p>
+            <a:r>
+              <a:rPr lang="en-US" baseline="0" dirty="0" smtClean="0"/>
+              <a:t>Data kinds and stages is laid out, I think, quite nicely in the user manual – it specifies a generic vocabulary to use. </a:t>
+            </a:r>
+          </a:p>
+          <a:p>
+            <a:endParaRPr lang="en-US" baseline="0" dirty="0" smtClean="0"/>
+          </a:p>
+          <a:p>
+            <a:r>
+              <a:rPr lang="en-US" baseline="0" dirty="0" smtClean="0"/>
+              <a:t>The intellectual property issues are interesting, because they’re so rarely used. </a:t>
+            </a:r>
+          </a:p>
+          <a:p>
+            <a:endParaRPr lang="en-US" baseline="0" dirty="0" smtClean="0"/>
+          </a:p>
+          <a:p>
+            <a:endParaRPr lang="en-US" dirty="0"/>
+          </a:p>
+        </p:txBody>
+      </p:sp>
+      <p:sp>
+        <p:nvSpPr>
+          <p:cNvPr id="4" name="Slide Number Placeholder 3"/>
+          <p:cNvSpPr>
+            <a:spLocks noGrp="1"/>
+          </p:cNvSpPr>
+          <p:nvPr>
+            <p:ph type="sldNum" sz="quarter" idx="10"/>
+          </p:nvPr>
+        </p:nvSpPr>
+        <p:spPr/>
+        <p:txBody>
+          <a:bodyPr/>
+          <a:lstStyle/>
+          <a:p>
+            <a:fld id="{62152EDD-C9BC-45FC-ABA2-5FADB0F7555B}" type="slidenum">
+              <a:rPr lang="en-US" smtClean="0"/>
+              <a:pPr/>
+              <a:t>42</a:t>
+            </a:fld>
+            <a:endParaRPr lang="en-US"/>
+          </a:p>
+        </p:txBody>
+      </p:sp>
+    </p:spTree>
   </p:cSld>
   <p:clrMapOvr>
     <a:masterClrMapping/>
@@ -4040,15 +4142,7 @@
             </a:r>
             <a:r>
               <a:rPr lang="en-US" dirty="0" smtClean="0"/>
-              <a:t>: Data </a:t>
-            </a:r>
-            <a:r>
-              <a:rPr lang="en-US" dirty="0" smtClean="0"/>
-              <a:t>management planning </a:t>
-            </a:r>
-            <a:r>
-              <a:rPr lang="en-US" dirty="0" smtClean="0"/>
-              <a:t>tools and the Curation Profiles Toolkit</a:t>
+              <a:t>: Data management planning tools and the Curation Profiles Toolkit</a:t>
             </a:r>
             <a:endParaRPr lang="en-US" dirty="0"/>
           </a:p>
@@ -4105,6 +4199,31 @@
       </p:grpSpPr>
       <p:sp>
         <p:nvSpPr>
+          <p:cNvPr id="2" name="Title 1"/>
+          <p:cNvSpPr>
+            <a:spLocks noGrp="1"/>
+          </p:cNvSpPr>
+          <p:nvPr>
+            <p:ph type="title"/>
+          </p:nvPr>
+        </p:nvSpPr>
+        <p:spPr/>
+        <p:txBody>
+          <a:bodyPr>
+            <a:normAutofit fontScale="90000"/>
+          </a:bodyPr>
+          <a:lstStyle/>
+          <a:p>
+            <a:r>
+              <a:rPr lang="en-US" dirty="0" smtClean="0"/>
+              <a:t>Libraries and Repositories can offer important guidance for any of these</a:t>
+            </a:r>
+            <a:endParaRPr lang="en-US" dirty="0"/>
+          </a:p>
+        </p:txBody>
+      </p:sp>
+      <p:sp>
+        <p:nvSpPr>
           <p:cNvPr id="3" name="Content Placeholder 2"/>
           <p:cNvSpPr>
             <a:spLocks noGrp="1"/>
@@ -4118,44 +4237,22 @@
           <a:bodyPr/>
           <a:lstStyle/>
           <a:p>
-            <a:pPr marL="0" indent="0" algn="ctr">
-              <a:buNone/>
-            </a:pPr>
-            <a:r>
-              <a:rPr lang="en-US" dirty="0"/>
-              <a:t>Profiles are snapshots, and should be viewed </a:t>
-            </a:r>
-            <a:r>
-              <a:rPr lang="en-US" dirty="0" smtClean="0"/>
-              <a:t>through narrow </a:t>
-            </a:r>
-            <a:r>
-              <a:rPr lang="en-US" dirty="0"/>
-              <a:t>time windows of relevance. </a:t>
-            </a:r>
-            <a:endParaRPr lang="en-US" dirty="0" smtClean="0"/>
-          </a:p>
-          <a:p>
-            <a:pPr marL="0" indent="0" algn="ctr">
-              <a:buNone/>
-            </a:pPr>
-            <a:endParaRPr lang="en-US" dirty="0"/>
-          </a:p>
-          <a:p>
-            <a:pPr marL="0" indent="0" algn="ctr">
-              <a:buNone/>
-            </a:pPr>
-            <a:r>
-              <a:rPr lang="en-US" dirty="0" smtClean="0"/>
-              <a:t>But </a:t>
-            </a:r>
-            <a:r>
-              <a:rPr lang="en-US" dirty="0"/>
-              <a:t>longitudinally they are very helpful guides.  </a:t>
-            </a:r>
-          </a:p>
-          <a:p>
-            <a:pPr algn="ctr"/>
+            <a:r>
+              <a:rPr lang="en-US" dirty="0" smtClean="0"/>
+              <a:t>Individual: can educate researchers about digital preservation best practices, importance of sharing data</a:t>
+            </a:r>
+          </a:p>
+          <a:p>
+            <a:r>
+              <a:rPr lang="en-US" dirty="0" smtClean="0"/>
+              <a:t>Institutional: can help ensure data is well curated before it enters the repository</a:t>
+            </a:r>
+          </a:p>
+          <a:p>
+            <a:r>
+              <a:rPr lang="en-US" dirty="0" smtClean="0"/>
+              <a:t>Funding agency: can help ensure researchers aren’t just fulfilling requirements, but following through</a:t>
+            </a:r>
             <a:endParaRPr lang="en-US" dirty="0"/>
           </a:p>
         </p:txBody>
@@ -4163,7 +4260,7 @@
     </p:spTree>
     <p:extLst>
       <p:ext uri="{BB962C8B-B14F-4D97-AF65-F5344CB8AC3E}">
-        <p14:creationId xmlns:p14="http://schemas.microsoft.com/office/powerpoint/2010/main" val="1503557534"/>
+        <p14:creationId xmlns:p14="http://schemas.microsoft.com/office/powerpoint/2010/main" val="1089991910"/>
       </p:ext>
     </p:extLst>
   </p:cSld>
@@ -4207,7 +4304,7 @@
           <a:p>
             <a:r>
               <a:rPr lang="en-US" dirty="0" smtClean="0"/>
-              <a:t>What makes a good profile?</a:t>
+              <a:t>How to Help?</a:t>
             </a:r>
             <a:endParaRPr lang="en-US" dirty="0"/>
           </a:p>
@@ -4230,42 +4327,23 @@
           <a:p>
             <a:r>
               <a:rPr lang="en-US" dirty="0" smtClean="0"/>
-              <a:t>Selecting </a:t>
-            </a:r>
-            <a:r>
-              <a:rPr lang="en-US" dirty="0"/>
-              <a:t>data that are "typical" and well understood by </a:t>
-            </a:r>
-            <a:r>
-              <a:rPr lang="en-US" dirty="0" smtClean="0"/>
-              <a:t>participant.</a:t>
-            </a:r>
-          </a:p>
-          <a:p>
-            <a:endParaRPr lang="en-US" dirty="0"/>
-          </a:p>
-          <a:p>
-            <a:r>
-              <a:rPr lang="en-US" dirty="0" smtClean="0"/>
-              <a:t>Extensive background work. </a:t>
-            </a:r>
-          </a:p>
-          <a:p>
-            <a:pPr marL="0" indent="0">
-              <a:buNone/>
-            </a:pPr>
-            <a:endParaRPr lang="en-US" dirty="0"/>
-          </a:p>
-          <a:p>
-            <a:r>
-              <a:rPr lang="en-US" dirty="0"/>
-              <a:t>One person operation. </a:t>
-            </a:r>
-          </a:p>
-          <a:p>
-            <a:pPr marL="0" indent="0">
-              <a:buNone/>
-            </a:pPr>
+              <a:t>Two tools:</a:t>
+            </a:r>
+          </a:p>
+          <a:p>
+            <a:pPr lvl="1"/>
+            <a:r>
+              <a:rPr lang="en-US" dirty="0" err="1" smtClean="0"/>
+              <a:t>DMPTool</a:t>
+            </a:r>
+            <a:endParaRPr lang="en-US" dirty="0" smtClean="0"/>
+          </a:p>
+          <a:p>
+            <a:pPr lvl="1"/>
+            <a:r>
+              <a:rPr lang="en-US" dirty="0" err="1" smtClean="0"/>
+              <a:t>DMPOnline</a:t>
+            </a:r>
             <a:endParaRPr lang="en-US" dirty="0"/>
           </a:p>
         </p:txBody>
@@ -4273,7 +4351,7 @@
     </p:spTree>
     <p:extLst>
       <p:ext uri="{BB962C8B-B14F-4D97-AF65-F5344CB8AC3E}">
-        <p14:creationId xmlns:p14="http://schemas.microsoft.com/office/powerpoint/2010/main" val="1394430622"/>
+        <p14:creationId xmlns:p14="http://schemas.microsoft.com/office/powerpoint/2010/main" val="1375304629"/>
       </p:ext>
     </p:extLst>
   </p:cSld>
@@ -4315,53 +4393,85 @@
           <a:bodyPr/>
           <a:lstStyle/>
           <a:p>
-            <a:r>
-              <a:rPr lang="en-US" dirty="0" smtClean="0"/>
-              <a:t>Interviewer’s Manual</a:t>
-            </a:r>
+            <a:endParaRPr lang="en-US"/>
+          </a:p>
+        </p:txBody>
+      </p:sp>
+      <p:sp>
+        <p:nvSpPr>
+          <p:cNvPr id="3" name="Content Placeholder 2"/>
+          <p:cNvSpPr>
+            <a:spLocks noGrp="1"/>
+          </p:cNvSpPr>
+          <p:nvPr>
+            <p:ph idx="1"/>
+          </p:nvPr>
+        </p:nvSpPr>
+        <p:spPr/>
+        <p:txBody>
+          <a:bodyPr/>
+          <a:lstStyle/>
+          <a:p>
             <a:endParaRPr lang="en-US" dirty="0"/>
           </a:p>
-        </p:txBody>
-      </p:sp>
-      <p:sp>
-        <p:nvSpPr>
-          <p:cNvPr id="3" name="Content Placeholder 2"/>
-          <p:cNvSpPr>
-            <a:spLocks noGrp="1"/>
-          </p:cNvSpPr>
-          <p:nvPr>
-            <p:ph idx="1"/>
-          </p:nvPr>
-        </p:nvSpPr>
-        <p:spPr/>
-        <p:txBody>
-          <a:bodyPr/>
-          <a:lstStyle/>
-          <a:p>
-            <a:r>
-              <a:rPr lang="en-US" dirty="0" smtClean="0"/>
-              <a:t>Basic instructions on on how to conduct a data interview, including a very thorough questionnaire (“Ask this…”)</a:t>
-            </a:r>
-          </a:p>
-          <a:p>
-            <a:r>
-              <a:rPr lang="en-US" dirty="0" smtClean="0"/>
-              <a:t>Maps responses to final report template</a:t>
-            </a:r>
-          </a:p>
-          <a:p>
-            <a:r>
-              <a:rPr lang="en-US" dirty="0" smtClean="0"/>
-              <a:t>Provides context for data worksheet</a:t>
-            </a:r>
+          <a:p>
+            <a:r>
+              <a:rPr lang="en-US" dirty="0" smtClean="0"/>
+              <a:t>Developed by California Digital Libraries</a:t>
+            </a:r>
+          </a:p>
+          <a:p>
+            <a:r>
+              <a:rPr lang="en-US" dirty="0" err="1" smtClean="0"/>
+              <a:t>Templating</a:t>
+            </a:r>
+            <a:r>
+              <a:rPr lang="en-US" dirty="0" smtClean="0"/>
+              <a:t> tool to help librarians and researchers create data management plans</a:t>
+            </a:r>
+          </a:p>
+          <a:p>
+            <a:pPr marL="0" indent="0">
+              <a:buNone/>
+            </a:pPr>
             <a:endParaRPr lang="en-US" dirty="0"/>
           </a:p>
         </p:txBody>
       </p:sp>
+      <p:pic>
+        <p:nvPicPr>
+          <p:cNvPr id="4" name="Picture 3" descr="images.jpg"/>
+          <p:cNvPicPr>
+            <a:picLocks noChangeAspect="1"/>
+          </p:cNvPicPr>
+          <p:nvPr/>
+        </p:nvPicPr>
+        <p:blipFill>
+          <a:blip r:embed="rId2">
+            <a:extLst>
+              <a:ext uri="{28A0092B-C50C-407E-A947-70E740481C1C}">
+                <a14:useLocalDpi xmlns:a14="http://schemas.microsoft.com/office/drawing/2010/main" val="0"/>
+              </a:ext>
+            </a:extLst>
+          </a:blip>
+          <a:stretch>
+            <a:fillRect/>
+          </a:stretch>
+        </p:blipFill>
+        <p:spPr>
+          <a:xfrm>
+            <a:off x="1839255" y="262716"/>
+            <a:ext cx="5473700" cy="1485900"/>
+          </a:xfrm>
+          <a:prstGeom prst="rect">
+            <a:avLst/>
+          </a:prstGeom>
+        </p:spPr>
+      </p:pic>
     </p:spTree>
     <p:extLst>
       <p:ext uri="{BB962C8B-B14F-4D97-AF65-F5344CB8AC3E}">
-        <p14:creationId xmlns:p14="http://schemas.microsoft.com/office/powerpoint/2010/main" val="1936156590"/>
+        <p14:creationId xmlns:p14="http://schemas.microsoft.com/office/powerpoint/2010/main" val="2323156724"/>
       </p:ext>
     </p:extLst>
   </p:cSld>
@@ -4395,81 +4505,49 @@
             <a:spLocks noGrp="1"/>
           </p:cNvSpPr>
           <p:nvPr>
-            <p:ph type="title"/>
-          </p:nvPr>
-        </p:nvSpPr>
-        <p:spPr/>
-        <p:txBody>
-          <a:bodyPr/>
-          <a:lstStyle/>
-          <a:p>
-            <a:r>
-              <a:rPr lang="en-US" dirty="0" smtClean="0"/>
-              <a:t>Interview Worksheet	</a:t>
-            </a:r>
-            <a:endParaRPr lang="en-US" dirty="0"/>
-          </a:p>
-        </p:txBody>
-      </p:sp>
-      <p:sp>
-        <p:nvSpPr>
-          <p:cNvPr id="3" name="Content Placeholder 2"/>
-          <p:cNvSpPr>
-            <a:spLocks noGrp="1"/>
-          </p:cNvSpPr>
-          <p:nvPr>
-            <p:ph idx="1"/>
-          </p:nvPr>
-        </p:nvSpPr>
-        <p:spPr/>
-        <p:txBody>
-          <a:bodyPr/>
-          <a:lstStyle/>
-          <a:p>
-            <a:r>
-              <a:rPr lang="en-US" dirty="0" smtClean="0"/>
-              <a:t>Introduced at beginning of the interview process</a:t>
-            </a:r>
-          </a:p>
-          <a:p>
-            <a:r>
-              <a:rPr lang="en-US" dirty="0" smtClean="0"/>
-              <a:t>Filled out by participant </a:t>
-            </a:r>
-          </a:p>
-          <a:p>
-            <a:r>
-              <a:rPr lang="en-US" dirty="0" smtClean="0"/>
-              <a:t>Acts as prompt for further inquiry</a:t>
-            </a:r>
-          </a:p>
-          <a:p>
-            <a:pPr lvl="1"/>
-            <a:r>
-              <a:rPr lang="en-US" dirty="0" smtClean="0"/>
-              <a:t>Very difficult to do quickly, but very effective</a:t>
-            </a:r>
-          </a:p>
-          <a:p>
-            <a:pPr lvl="1"/>
-            <a:r>
-              <a:rPr lang="en-US" dirty="0" smtClean="0"/>
-              <a:t>Why not beforehand or after?</a:t>
-            </a:r>
-          </a:p>
-          <a:p>
-            <a:pPr lvl="2"/>
-            <a:r>
-              <a:rPr lang="en-US" dirty="0" smtClean="0"/>
-              <a:t>critical incident technique </a:t>
-            </a:r>
+            <p:ph type="ctrTitle"/>
+          </p:nvPr>
+        </p:nvSpPr>
+        <p:spPr/>
+        <p:txBody>
+          <a:bodyPr/>
+          <a:lstStyle/>
+          <a:p>
+            <a:r>
+              <a:rPr lang="en-US" b="1" dirty="0" err="1" smtClean="0"/>
+              <a:t>DMPTool</a:t>
+            </a:r>
+            <a:r>
+              <a:rPr lang="en-US" b="1" dirty="0" smtClean="0"/>
+              <a:t> Demo</a:t>
+            </a:r>
+            <a:endParaRPr lang="en-US" b="1" dirty="0"/>
+          </a:p>
+        </p:txBody>
+      </p:sp>
+      <p:sp>
+        <p:nvSpPr>
+          <p:cNvPr id="3" name="Subtitle 2"/>
+          <p:cNvSpPr>
+            <a:spLocks noGrp="1"/>
+          </p:cNvSpPr>
+          <p:nvPr>
+            <p:ph type="subTitle" idx="1"/>
+          </p:nvPr>
+        </p:nvSpPr>
+        <p:spPr/>
+        <p:txBody>
+          <a:bodyPr/>
+          <a:lstStyle/>
+          <a:p>
+            <a:endParaRPr lang="en-US"/>
           </a:p>
         </p:txBody>
       </p:sp>
     </p:spTree>
     <p:extLst>
       <p:ext uri="{BB962C8B-B14F-4D97-AF65-F5344CB8AC3E}">
-        <p14:creationId xmlns:p14="http://schemas.microsoft.com/office/powerpoint/2010/main" val="1797572344"/>
+        <p14:creationId xmlns:p14="http://schemas.microsoft.com/office/powerpoint/2010/main" val="2135488143"/>
       </p:ext>
     </p:extLst>
   </p:cSld>
@@ -4513,7 +4591,15 @@
           <a:p>
             <a:r>
               <a:rPr lang="en-US" dirty="0" smtClean="0"/>
-              <a:t>Interview</a:t>
+              <a:t>Go to </a:t>
+            </a:r>
+            <a:r>
+              <a:rPr lang="en-US" dirty="0" err="1" smtClean="0"/>
+              <a:t>dmptool.org</a:t>
+            </a:r>
+            <a:r>
+              <a:rPr lang="en-US" dirty="0" smtClean="0"/>
+              <a:t>, click “log in”</a:t>
             </a:r>
             <a:endParaRPr lang="en-US" dirty="0"/>
           </a:p>
@@ -4534,43 +4620,44 @@
           <a:bodyPr/>
           <a:lstStyle/>
           <a:p>
-            <a:r>
-              <a:rPr lang="en-US" dirty="0" smtClean="0"/>
-              <a:t>Should take place on 2 separate dates</a:t>
-            </a:r>
-          </a:p>
-          <a:p>
-            <a:pPr lvl="1"/>
-            <a:r>
-              <a:rPr lang="en-US" dirty="0" smtClean="0"/>
-              <a:t>Interview one – complete worksheet, and first four modules of interview</a:t>
-            </a:r>
-          </a:p>
-          <a:p>
-            <a:pPr lvl="1"/>
-            <a:r>
-              <a:rPr lang="en-US" dirty="0" smtClean="0"/>
-              <a:t>Interview two – develop follow-up questions to worksheet and finish modules. </a:t>
-            </a:r>
-          </a:p>
-          <a:p>
-            <a:pPr marL="457200" lvl="1" indent="0">
-              <a:buNone/>
-            </a:pPr>
-            <a:endParaRPr lang="en-US" dirty="0"/>
-          </a:p>
-          <a:p>
-            <a:r>
-              <a:rPr lang="en-US" dirty="0" smtClean="0"/>
-              <a:t>Modules will map to Profile template</a:t>
-            </a:r>
-          </a:p>
-        </p:txBody>
-      </p:sp>
+            <a:endParaRPr lang="en-US"/>
+          </a:p>
+        </p:txBody>
+      </p:sp>
+      <p:pic>
+        <p:nvPicPr>
+          <p:cNvPr id="4" name="Picture 3" descr="dmptool1.tiff"/>
+          <p:cNvPicPr>
+            <a:picLocks noChangeAspect="1"/>
+          </p:cNvPicPr>
+          <p:nvPr/>
+        </p:nvPicPr>
+        <p:blipFill>
+          <a:blip r:embed="rId2">
+            <a:extLst>
+              <a:ext uri="{28A0092B-C50C-407E-A947-70E740481C1C}">
+                <a14:useLocalDpi xmlns:a14="http://schemas.microsoft.com/office/drawing/2010/main" val="0"/>
+              </a:ext>
+            </a:extLst>
+          </a:blip>
+          <a:stretch>
+            <a:fillRect/>
+          </a:stretch>
+        </p:blipFill>
+        <p:spPr>
+          <a:xfrm>
+            <a:off x="0" y="1600200"/>
+            <a:ext cx="9144000" cy="4033332"/>
+          </a:xfrm>
+          <a:prstGeom prst="rect">
+            <a:avLst/>
+          </a:prstGeom>
+        </p:spPr>
+      </p:pic>
     </p:spTree>
     <p:extLst>
       <p:ext uri="{BB962C8B-B14F-4D97-AF65-F5344CB8AC3E}">
-        <p14:creationId xmlns:p14="http://schemas.microsoft.com/office/powerpoint/2010/main" val="1533727848"/>
+        <p14:creationId xmlns:p14="http://schemas.microsoft.com/office/powerpoint/2010/main" val="1514681900"/>
       </p:ext>
     </p:extLst>
   </p:cSld>
@@ -4599,6 +4686,3067 @@
       </p:grpSpPr>
       <p:sp>
         <p:nvSpPr>
+          <p:cNvPr id="2" name="Title 1"/>
+          <p:cNvSpPr>
+            <a:spLocks noGrp="1"/>
+          </p:cNvSpPr>
+          <p:nvPr>
+            <p:ph type="title"/>
+          </p:nvPr>
+        </p:nvSpPr>
+        <p:spPr/>
+        <p:txBody>
+          <a:bodyPr>
+            <a:normAutofit fontScale="90000"/>
+          </a:bodyPr>
+          <a:lstStyle/>
+          <a:p>
+            <a:r>
+              <a:rPr lang="en-US" dirty="0" smtClean="0"/>
+              <a:t>Select “not in list”, create an account</a:t>
+            </a:r>
+            <a:endParaRPr lang="en-US" dirty="0"/>
+          </a:p>
+        </p:txBody>
+      </p:sp>
+      <p:sp>
+        <p:nvSpPr>
+          <p:cNvPr id="3" name="Content Placeholder 2"/>
+          <p:cNvSpPr>
+            <a:spLocks noGrp="1"/>
+          </p:cNvSpPr>
+          <p:nvPr>
+            <p:ph idx="1"/>
+          </p:nvPr>
+        </p:nvSpPr>
+        <p:spPr/>
+        <p:txBody>
+          <a:bodyPr/>
+          <a:lstStyle/>
+          <a:p>
+            <a:endParaRPr lang="en-US"/>
+          </a:p>
+        </p:txBody>
+      </p:sp>
+      <p:pic>
+        <p:nvPicPr>
+          <p:cNvPr id="4" name="Picture 3" descr="dmptool2.tiff"/>
+          <p:cNvPicPr>
+            <a:picLocks noChangeAspect="1"/>
+          </p:cNvPicPr>
+          <p:nvPr/>
+        </p:nvPicPr>
+        <p:blipFill>
+          <a:blip r:embed="rId2">
+            <a:extLst>
+              <a:ext uri="{28A0092B-C50C-407E-A947-70E740481C1C}">
+                <a14:useLocalDpi xmlns:a14="http://schemas.microsoft.com/office/drawing/2010/main" val="0"/>
+              </a:ext>
+            </a:extLst>
+          </a:blip>
+          <a:stretch>
+            <a:fillRect/>
+          </a:stretch>
+        </p:blipFill>
+        <p:spPr>
+          <a:xfrm>
+            <a:off x="0" y="1576781"/>
+            <a:ext cx="9144000" cy="3764652"/>
+          </a:xfrm>
+          <a:prstGeom prst="rect">
+            <a:avLst/>
+          </a:prstGeom>
+        </p:spPr>
+      </p:pic>
+    </p:spTree>
+    <p:extLst>
+      <p:ext uri="{BB962C8B-B14F-4D97-AF65-F5344CB8AC3E}">
+        <p14:creationId xmlns:p14="http://schemas.microsoft.com/office/powerpoint/2010/main" val="2656340633"/>
+      </p:ext>
+    </p:extLst>
+  </p:cSld>
+  <p:clrMapOvr>
+    <a:masterClrMapping/>
+  </p:clrMapOvr>
+</p:sld>
+</file>
+
+<file path=ppt/slides/slide16.xml><?xml version="1.0" encoding="utf-8"?>
+<p:sld xmlns:a="http://schemas.openxmlformats.org/drawingml/2006/main" xmlns:r="http://schemas.openxmlformats.org/officeDocument/2006/relationships" xmlns:p="http://schemas.openxmlformats.org/presentationml/2006/main">
+  <p:cSld>
+    <p:spTree>
+      <p:nvGrpSpPr>
+        <p:cNvPr id="1" name=""/>
+        <p:cNvGrpSpPr/>
+        <p:nvPr/>
+      </p:nvGrpSpPr>
+      <p:grpSpPr>
+        <a:xfrm>
+          <a:off x="0" y="0"/>
+          <a:ext cx="0" cy="0"/>
+          <a:chOff x="0" y="0"/>
+          <a:chExt cx="0" cy="0"/>
+        </a:xfrm>
+      </p:grpSpPr>
+      <p:sp>
+        <p:nvSpPr>
+          <p:cNvPr id="2" name="Title 1"/>
+          <p:cNvSpPr>
+            <a:spLocks noGrp="1"/>
+          </p:cNvSpPr>
+          <p:nvPr>
+            <p:ph type="title"/>
+          </p:nvPr>
+        </p:nvSpPr>
+        <p:spPr/>
+        <p:txBody>
+          <a:bodyPr/>
+          <a:lstStyle/>
+          <a:p>
+            <a:r>
+              <a:rPr lang="en-US" dirty="0" smtClean="0"/>
+              <a:t>Select “Create a New DMP”</a:t>
+            </a:r>
+            <a:endParaRPr lang="en-US" dirty="0"/>
+          </a:p>
+        </p:txBody>
+      </p:sp>
+      <p:sp>
+        <p:nvSpPr>
+          <p:cNvPr id="3" name="Content Placeholder 2"/>
+          <p:cNvSpPr>
+            <a:spLocks noGrp="1"/>
+          </p:cNvSpPr>
+          <p:nvPr>
+            <p:ph idx="1"/>
+          </p:nvPr>
+        </p:nvSpPr>
+        <p:spPr/>
+        <p:txBody>
+          <a:bodyPr/>
+          <a:lstStyle/>
+          <a:p>
+            <a:endParaRPr lang="en-US" dirty="0"/>
+          </a:p>
+        </p:txBody>
+      </p:sp>
+      <p:pic>
+        <p:nvPicPr>
+          <p:cNvPr id="4" name="Picture 3" descr="dmptool3.tiff"/>
+          <p:cNvPicPr>
+            <a:picLocks noChangeAspect="1"/>
+          </p:cNvPicPr>
+          <p:nvPr/>
+        </p:nvPicPr>
+        <p:blipFill>
+          <a:blip r:embed="rId2">
+            <a:extLst>
+              <a:ext uri="{28A0092B-C50C-407E-A947-70E740481C1C}">
+                <a14:useLocalDpi xmlns:a14="http://schemas.microsoft.com/office/drawing/2010/main" val="0"/>
+              </a:ext>
+            </a:extLst>
+          </a:blip>
+          <a:stretch>
+            <a:fillRect/>
+          </a:stretch>
+        </p:blipFill>
+        <p:spPr>
+          <a:xfrm>
+            <a:off x="0" y="1570889"/>
+            <a:ext cx="9144000" cy="4282068"/>
+          </a:xfrm>
+          <a:prstGeom prst="rect">
+            <a:avLst/>
+          </a:prstGeom>
+        </p:spPr>
+      </p:pic>
+    </p:spTree>
+    <p:extLst>
+      <p:ext uri="{BB962C8B-B14F-4D97-AF65-F5344CB8AC3E}">
+        <p14:creationId xmlns:p14="http://schemas.microsoft.com/office/powerpoint/2010/main" val="4024535176"/>
+      </p:ext>
+    </p:extLst>
+  </p:cSld>
+  <p:clrMapOvr>
+    <a:masterClrMapping/>
+  </p:clrMapOvr>
+</p:sld>
+</file>
+
+<file path=ppt/slides/slide17.xml><?xml version="1.0" encoding="utf-8"?>
+<p:sld xmlns:a="http://schemas.openxmlformats.org/drawingml/2006/main" xmlns:r="http://schemas.openxmlformats.org/officeDocument/2006/relationships" xmlns:p="http://schemas.openxmlformats.org/presentationml/2006/main">
+  <p:cSld>
+    <p:spTree>
+      <p:nvGrpSpPr>
+        <p:cNvPr id="1" name=""/>
+        <p:cNvGrpSpPr/>
+        <p:nvPr/>
+      </p:nvGrpSpPr>
+      <p:grpSpPr>
+        <a:xfrm>
+          <a:off x="0" y="0"/>
+          <a:ext cx="0" cy="0"/>
+          <a:chOff x="0" y="0"/>
+          <a:chExt cx="0" cy="0"/>
+        </a:xfrm>
+      </p:grpSpPr>
+      <p:sp>
+        <p:nvSpPr>
+          <p:cNvPr id="2" name="Title 1"/>
+          <p:cNvSpPr>
+            <a:spLocks noGrp="1"/>
+          </p:cNvSpPr>
+          <p:nvPr>
+            <p:ph type="title"/>
+          </p:nvPr>
+        </p:nvSpPr>
+        <p:spPr/>
+        <p:txBody>
+          <a:bodyPr/>
+          <a:lstStyle/>
+          <a:p>
+            <a:r>
+              <a:rPr lang="en-US" dirty="0" smtClean="0"/>
+              <a:t>Exploring the DMP Tool</a:t>
+            </a:r>
+            <a:endParaRPr lang="en-US" dirty="0"/>
+          </a:p>
+        </p:txBody>
+      </p:sp>
+      <p:sp>
+        <p:nvSpPr>
+          <p:cNvPr id="3" name="Content Placeholder 2"/>
+          <p:cNvSpPr>
+            <a:spLocks noGrp="1"/>
+          </p:cNvSpPr>
+          <p:nvPr>
+            <p:ph idx="1"/>
+          </p:nvPr>
+        </p:nvSpPr>
+        <p:spPr/>
+        <p:txBody>
+          <a:bodyPr/>
+          <a:lstStyle/>
+          <a:p>
+            <a:r>
+              <a:rPr lang="en-US" dirty="0" smtClean="0"/>
+              <a:t>Try selecting different templates – what are the differences?  What could be used in your work?</a:t>
+            </a:r>
+          </a:p>
+          <a:p>
+            <a:r>
+              <a:rPr lang="en-US" dirty="0" smtClean="0"/>
+              <a:t>Try copying existing templates – when would these be helpful?</a:t>
+            </a:r>
+            <a:endParaRPr lang="en-US" dirty="0"/>
+          </a:p>
+        </p:txBody>
+      </p:sp>
+    </p:spTree>
+    <p:extLst>
+      <p:ext uri="{BB962C8B-B14F-4D97-AF65-F5344CB8AC3E}">
+        <p14:creationId xmlns:p14="http://schemas.microsoft.com/office/powerpoint/2010/main" val="2160140463"/>
+      </p:ext>
+    </p:extLst>
+  </p:cSld>
+  <p:clrMapOvr>
+    <a:masterClrMapping/>
+  </p:clrMapOvr>
+</p:sld>
+</file>
+
+<file path=ppt/slides/slide18.xml><?xml version="1.0" encoding="utf-8"?>
+<p:sld xmlns:a="http://schemas.openxmlformats.org/drawingml/2006/main" xmlns:r="http://schemas.openxmlformats.org/officeDocument/2006/relationships" xmlns:p="http://schemas.openxmlformats.org/presentationml/2006/main">
+  <p:cSld>
+    <p:spTree>
+      <p:nvGrpSpPr>
+        <p:cNvPr id="1" name=""/>
+        <p:cNvGrpSpPr/>
+        <p:nvPr/>
+      </p:nvGrpSpPr>
+      <p:grpSpPr>
+        <a:xfrm>
+          <a:off x="0" y="0"/>
+          <a:ext cx="0" cy="0"/>
+          <a:chOff x="0" y="0"/>
+          <a:chExt cx="0" cy="0"/>
+        </a:xfrm>
+      </p:grpSpPr>
+      <p:sp>
+        <p:nvSpPr>
+          <p:cNvPr id="2" name="Title 1"/>
+          <p:cNvSpPr>
+            <a:spLocks noGrp="1"/>
+          </p:cNvSpPr>
+          <p:nvPr>
+            <p:ph type="title"/>
+          </p:nvPr>
+        </p:nvSpPr>
+        <p:spPr/>
+        <p:txBody>
+          <a:bodyPr>
+            <a:normAutofit/>
+          </a:bodyPr>
+          <a:lstStyle/>
+          <a:p>
+            <a:r>
+              <a:rPr lang="en-US" dirty="0" smtClean="0"/>
+              <a:t>Activity: Make a DMP</a:t>
+            </a:r>
+            <a:endParaRPr lang="en-US" dirty="0"/>
+          </a:p>
+        </p:txBody>
+      </p:sp>
+      <p:sp>
+        <p:nvSpPr>
+          <p:cNvPr id="3" name="Content Placeholder 2"/>
+          <p:cNvSpPr>
+            <a:spLocks noGrp="1"/>
+          </p:cNvSpPr>
+          <p:nvPr>
+            <p:ph idx="1"/>
+          </p:nvPr>
+        </p:nvSpPr>
+        <p:spPr/>
+        <p:txBody>
+          <a:bodyPr/>
+          <a:lstStyle/>
+          <a:p>
+            <a:r>
+              <a:rPr lang="en-US" dirty="0" smtClean="0"/>
+              <a:t>Using the worksheet from the last activity, make a Data Management Plan using the DMP Tool.</a:t>
+            </a:r>
+          </a:p>
+          <a:p>
+            <a:endParaRPr lang="en-US" dirty="0"/>
+          </a:p>
+        </p:txBody>
+      </p:sp>
+    </p:spTree>
+    <p:extLst>
+      <p:ext uri="{BB962C8B-B14F-4D97-AF65-F5344CB8AC3E}">
+        <p14:creationId xmlns:p14="http://schemas.microsoft.com/office/powerpoint/2010/main" val="2286992972"/>
+      </p:ext>
+    </p:extLst>
+  </p:cSld>
+  <p:clrMapOvr>
+    <a:masterClrMapping/>
+  </p:clrMapOvr>
+</p:sld>
+</file>
+
+<file path=ppt/slides/slide19.xml><?xml version="1.0" encoding="utf-8"?>
+<p:sld xmlns:a="http://schemas.openxmlformats.org/drawingml/2006/main" xmlns:r="http://schemas.openxmlformats.org/officeDocument/2006/relationships" xmlns:p="http://schemas.openxmlformats.org/presentationml/2006/main">
+  <p:cSld>
+    <p:spTree>
+      <p:nvGrpSpPr>
+        <p:cNvPr id="1" name=""/>
+        <p:cNvGrpSpPr/>
+        <p:nvPr/>
+      </p:nvGrpSpPr>
+      <p:grpSpPr>
+        <a:xfrm>
+          <a:off x="0" y="0"/>
+          <a:ext cx="0" cy="0"/>
+          <a:chOff x="0" y="0"/>
+          <a:chExt cx="0" cy="0"/>
+        </a:xfrm>
+      </p:grpSpPr>
+      <p:sp>
+        <p:nvSpPr>
+          <p:cNvPr id="3" name="Content Placeholder 2"/>
+          <p:cNvSpPr>
+            <a:spLocks noGrp="1"/>
+          </p:cNvSpPr>
+          <p:nvPr>
+            <p:ph idx="1"/>
+          </p:nvPr>
+        </p:nvSpPr>
+        <p:spPr/>
+        <p:txBody>
+          <a:bodyPr/>
+          <a:lstStyle/>
+          <a:p>
+            <a:endParaRPr lang="en-US" dirty="0" smtClean="0"/>
+          </a:p>
+          <a:p>
+            <a:r>
+              <a:rPr lang="en-US" dirty="0" smtClean="0"/>
+              <a:t>Developed by the Digital Curation Centre (</a:t>
+            </a:r>
+            <a:r>
+              <a:rPr lang="en-US" dirty="0" err="1" smtClean="0"/>
+              <a:t>Edingburgh</a:t>
+            </a:r>
+            <a:r>
+              <a:rPr lang="en-US" dirty="0" smtClean="0"/>
+              <a:t>)</a:t>
+            </a:r>
+            <a:endParaRPr lang="en-US" dirty="0"/>
+          </a:p>
+        </p:txBody>
+      </p:sp>
+      <p:pic>
+        <p:nvPicPr>
+          <p:cNvPr id="4" name="Picture 3" descr="logo-7e4e61557fac9aa622a1c191eb4814bd.jpg"/>
+          <p:cNvPicPr>
+            <a:picLocks noChangeAspect="1"/>
+          </p:cNvPicPr>
+          <p:nvPr/>
+        </p:nvPicPr>
+        <p:blipFill>
+          <a:blip r:embed="rId2">
+            <a:extLst>
+              <a:ext uri="{28A0092B-C50C-407E-A947-70E740481C1C}">
+                <a14:useLocalDpi xmlns:a14="http://schemas.microsoft.com/office/drawing/2010/main" val="0"/>
+              </a:ext>
+            </a:extLst>
+          </a:blip>
+          <a:stretch>
+            <a:fillRect/>
+          </a:stretch>
+        </p:blipFill>
+        <p:spPr>
+          <a:xfrm>
+            <a:off x="3517562" y="17918"/>
+            <a:ext cx="2044700" cy="2044700"/>
+          </a:xfrm>
+          <a:prstGeom prst="rect">
+            <a:avLst/>
+          </a:prstGeom>
+        </p:spPr>
+      </p:pic>
+    </p:spTree>
+    <p:extLst>
+      <p:ext uri="{BB962C8B-B14F-4D97-AF65-F5344CB8AC3E}">
+        <p14:creationId xmlns:p14="http://schemas.microsoft.com/office/powerpoint/2010/main" val="3993702699"/>
+      </p:ext>
+    </p:extLst>
+  </p:cSld>
+  <p:clrMapOvr>
+    <a:masterClrMapping/>
+  </p:clrMapOvr>
+</p:sld>
+</file>
+
+<file path=ppt/slides/slide2.xml><?xml version="1.0" encoding="utf-8"?>
+<p:sld xmlns:a="http://schemas.openxmlformats.org/drawingml/2006/main" xmlns:r="http://schemas.openxmlformats.org/officeDocument/2006/relationships" xmlns:p="http://schemas.openxmlformats.org/presentationml/2006/main">
+  <p:cSld>
+    <p:spTree>
+      <p:nvGrpSpPr>
+        <p:cNvPr id="1" name=""/>
+        <p:cNvGrpSpPr/>
+        <p:nvPr/>
+      </p:nvGrpSpPr>
+      <p:grpSpPr>
+        <a:xfrm>
+          <a:off x="0" y="0"/>
+          <a:ext cx="0" cy="0"/>
+          <a:chOff x="0" y="0"/>
+          <a:chExt cx="0" cy="0"/>
+        </a:xfrm>
+      </p:grpSpPr>
+      <p:sp>
+        <p:nvSpPr>
+          <p:cNvPr id="2" name="Title 1"/>
+          <p:cNvSpPr>
+            <a:spLocks noGrp="1"/>
+          </p:cNvSpPr>
+          <p:nvPr>
+            <p:ph type="title"/>
+          </p:nvPr>
+        </p:nvSpPr>
+        <p:spPr/>
+        <p:txBody>
+          <a:bodyPr/>
+          <a:lstStyle/>
+          <a:p>
+            <a:r>
+              <a:rPr lang="en-US" dirty="0" smtClean="0"/>
+              <a:t>Agenda</a:t>
+            </a:r>
+            <a:endParaRPr lang="en-US" dirty="0"/>
+          </a:p>
+        </p:txBody>
+      </p:sp>
+      <p:sp>
+        <p:nvSpPr>
+          <p:cNvPr id="3" name="Content Placeholder 2"/>
+          <p:cNvSpPr>
+            <a:spLocks noGrp="1"/>
+          </p:cNvSpPr>
+          <p:nvPr>
+            <p:ph idx="1"/>
+          </p:nvPr>
+        </p:nvSpPr>
+        <p:spPr/>
+        <p:txBody>
+          <a:bodyPr/>
+          <a:lstStyle/>
+          <a:p>
+            <a:r>
+              <a:rPr lang="en-US" dirty="0" smtClean="0"/>
+              <a:t>Data management planning tools</a:t>
+            </a:r>
+          </a:p>
+          <a:p>
+            <a:pPr lvl="1"/>
+            <a:r>
+              <a:rPr lang="en-US" dirty="0" smtClean="0"/>
+              <a:t>Demo of </a:t>
+            </a:r>
+            <a:r>
+              <a:rPr lang="en-US" dirty="0" err="1" smtClean="0"/>
+              <a:t>DMPTool</a:t>
+            </a:r>
+            <a:r>
+              <a:rPr lang="en-US" dirty="0" smtClean="0"/>
+              <a:t> and </a:t>
+            </a:r>
+            <a:r>
+              <a:rPr lang="en-US" dirty="0" err="1" smtClean="0"/>
+              <a:t>DMPOnline</a:t>
+            </a:r>
+            <a:endParaRPr lang="en-US" dirty="0" smtClean="0"/>
+          </a:p>
+          <a:p>
+            <a:r>
+              <a:rPr lang="en-US" dirty="0" smtClean="0"/>
+              <a:t>Curation profiles toolkit</a:t>
+            </a:r>
+          </a:p>
+          <a:p>
+            <a:pPr lvl="1"/>
+            <a:r>
+              <a:rPr lang="en-US" dirty="0" smtClean="0"/>
+              <a:t>Review and discuss application to data management planning</a:t>
+            </a:r>
+            <a:endParaRPr lang="en-US" dirty="0"/>
+          </a:p>
+          <a:p>
+            <a:pPr lvl="1"/>
+            <a:r>
+              <a:rPr lang="en-US" dirty="0" smtClean="0"/>
+              <a:t>Explore toolkit</a:t>
+            </a:r>
+            <a:endParaRPr lang="en-US" dirty="0"/>
+          </a:p>
+          <a:p>
+            <a:pPr lvl="1"/>
+            <a:endParaRPr lang="en-US" dirty="0" smtClean="0"/>
+          </a:p>
+        </p:txBody>
+      </p:sp>
+    </p:spTree>
+    <p:extLst>
+      <p:ext uri="{BB962C8B-B14F-4D97-AF65-F5344CB8AC3E}">
+        <p14:creationId xmlns:p14="http://schemas.microsoft.com/office/powerpoint/2010/main" val="1327606407"/>
+      </p:ext>
+    </p:extLst>
+  </p:cSld>
+  <p:clrMapOvr>
+    <a:masterClrMapping/>
+  </p:clrMapOvr>
+</p:sld>
+</file>
+
+<file path=ppt/slides/slide20.xml><?xml version="1.0" encoding="utf-8"?>
+<p:sld xmlns:a="http://schemas.openxmlformats.org/drawingml/2006/main" xmlns:r="http://schemas.openxmlformats.org/officeDocument/2006/relationships" xmlns:p="http://schemas.openxmlformats.org/presentationml/2006/main">
+  <p:cSld>
+    <p:spTree>
+      <p:nvGrpSpPr>
+        <p:cNvPr id="1" name=""/>
+        <p:cNvGrpSpPr/>
+        <p:nvPr/>
+      </p:nvGrpSpPr>
+      <p:grpSpPr>
+        <a:xfrm>
+          <a:off x="0" y="0"/>
+          <a:ext cx="0" cy="0"/>
+          <a:chOff x="0" y="0"/>
+          <a:chExt cx="0" cy="0"/>
+        </a:xfrm>
+      </p:grpSpPr>
+      <p:sp>
+        <p:nvSpPr>
+          <p:cNvPr id="2" name="Title 1"/>
+          <p:cNvSpPr>
+            <a:spLocks noGrp="1"/>
+          </p:cNvSpPr>
+          <p:nvPr>
+            <p:ph type="ctrTitle"/>
+          </p:nvPr>
+        </p:nvSpPr>
+        <p:spPr/>
+        <p:txBody>
+          <a:bodyPr/>
+          <a:lstStyle/>
+          <a:p>
+            <a:r>
+              <a:rPr lang="en-US" b="1" dirty="0" err="1" smtClean="0"/>
+              <a:t>DMPOnline</a:t>
+            </a:r>
+            <a:r>
+              <a:rPr lang="en-US" b="1" dirty="0" smtClean="0"/>
+              <a:t> Demo</a:t>
+            </a:r>
+            <a:endParaRPr lang="en-US" b="1" dirty="0"/>
+          </a:p>
+        </p:txBody>
+      </p:sp>
+      <p:sp>
+        <p:nvSpPr>
+          <p:cNvPr id="3" name="Subtitle 2"/>
+          <p:cNvSpPr>
+            <a:spLocks noGrp="1"/>
+          </p:cNvSpPr>
+          <p:nvPr>
+            <p:ph type="subTitle" idx="1"/>
+          </p:nvPr>
+        </p:nvSpPr>
+        <p:spPr/>
+        <p:txBody>
+          <a:bodyPr/>
+          <a:lstStyle/>
+          <a:p>
+            <a:endParaRPr lang="en-US"/>
+          </a:p>
+        </p:txBody>
+      </p:sp>
+    </p:spTree>
+    <p:extLst>
+      <p:ext uri="{BB962C8B-B14F-4D97-AF65-F5344CB8AC3E}">
+        <p14:creationId xmlns:p14="http://schemas.microsoft.com/office/powerpoint/2010/main" val="3668785812"/>
+      </p:ext>
+    </p:extLst>
+  </p:cSld>
+  <p:clrMapOvr>
+    <a:masterClrMapping/>
+  </p:clrMapOvr>
+</p:sld>
+</file>
+
+<file path=ppt/slides/slide21.xml><?xml version="1.0" encoding="utf-8"?>
+<p:sld xmlns:a="http://schemas.openxmlformats.org/drawingml/2006/main" xmlns:r="http://schemas.openxmlformats.org/officeDocument/2006/relationships" xmlns:p="http://schemas.openxmlformats.org/presentationml/2006/main">
+  <p:cSld>
+    <p:spTree>
+      <p:nvGrpSpPr>
+        <p:cNvPr id="1" name=""/>
+        <p:cNvGrpSpPr/>
+        <p:nvPr/>
+      </p:nvGrpSpPr>
+      <p:grpSpPr>
+        <a:xfrm>
+          <a:off x="0" y="0"/>
+          <a:ext cx="0" cy="0"/>
+          <a:chOff x="0" y="0"/>
+          <a:chExt cx="0" cy="0"/>
+        </a:xfrm>
+      </p:grpSpPr>
+      <p:sp>
+        <p:nvSpPr>
+          <p:cNvPr id="2" name="Title 1"/>
+          <p:cNvSpPr>
+            <a:spLocks noGrp="1"/>
+          </p:cNvSpPr>
+          <p:nvPr>
+            <p:ph type="title"/>
+          </p:nvPr>
+        </p:nvSpPr>
+        <p:spPr/>
+        <p:txBody>
+          <a:bodyPr/>
+          <a:lstStyle/>
+          <a:p>
+            <a:r>
+              <a:rPr lang="en-US" dirty="0" smtClean="0"/>
+              <a:t>Create an account</a:t>
+            </a:r>
+            <a:endParaRPr lang="en-US" dirty="0"/>
+          </a:p>
+        </p:txBody>
+      </p:sp>
+      <p:pic>
+        <p:nvPicPr>
+          <p:cNvPr id="4" name="Content Placeholder 3" descr="DmpOnline1.tiff"/>
+          <p:cNvPicPr>
+            <a:picLocks noGrp="1" noChangeAspect="1"/>
+          </p:cNvPicPr>
+          <p:nvPr>
+            <p:ph idx="1"/>
+          </p:nvPr>
+        </p:nvPicPr>
+        <p:blipFill>
+          <a:blip r:embed="rId2">
+            <a:extLst>
+              <a:ext uri="{28A0092B-C50C-407E-A947-70E740481C1C}">
+                <a14:useLocalDpi xmlns:a14="http://schemas.microsoft.com/office/drawing/2010/main" val="0"/>
+              </a:ext>
+            </a:extLst>
+          </a:blip>
+          <a:srcRect l="-3409" r="-3409"/>
+          <a:stretch>
+            <a:fillRect/>
+          </a:stretch>
+        </p:blipFill>
+        <p:spPr/>
+      </p:pic>
+    </p:spTree>
+    <p:extLst>
+      <p:ext uri="{BB962C8B-B14F-4D97-AF65-F5344CB8AC3E}">
+        <p14:creationId xmlns:p14="http://schemas.microsoft.com/office/powerpoint/2010/main" val="896846658"/>
+      </p:ext>
+    </p:extLst>
+  </p:cSld>
+  <p:clrMapOvr>
+    <a:masterClrMapping/>
+  </p:clrMapOvr>
+</p:sld>
+</file>
+
+<file path=ppt/slides/slide22.xml><?xml version="1.0" encoding="utf-8"?>
+<p:sld xmlns:a="http://schemas.openxmlformats.org/drawingml/2006/main" xmlns:r="http://schemas.openxmlformats.org/officeDocument/2006/relationships" xmlns:p="http://schemas.openxmlformats.org/presentationml/2006/main">
+  <p:cSld>
+    <p:spTree>
+      <p:nvGrpSpPr>
+        <p:cNvPr id="1" name=""/>
+        <p:cNvGrpSpPr/>
+        <p:nvPr/>
+      </p:nvGrpSpPr>
+      <p:grpSpPr>
+        <a:xfrm>
+          <a:off x="0" y="0"/>
+          <a:ext cx="0" cy="0"/>
+          <a:chOff x="0" y="0"/>
+          <a:chExt cx="0" cy="0"/>
+        </a:xfrm>
+      </p:grpSpPr>
+      <p:sp>
+        <p:nvSpPr>
+          <p:cNvPr id="2" name="Title 1"/>
+          <p:cNvSpPr>
+            <a:spLocks noGrp="1"/>
+          </p:cNvSpPr>
+          <p:nvPr>
+            <p:ph type="title"/>
+          </p:nvPr>
+        </p:nvSpPr>
+        <p:spPr/>
+        <p:txBody>
+          <a:bodyPr/>
+          <a:lstStyle/>
+          <a:p>
+            <a:r>
+              <a:rPr lang="en-US" dirty="0" smtClean="0"/>
+              <a:t>Create a new plan</a:t>
+            </a:r>
+            <a:endParaRPr lang="en-US" dirty="0"/>
+          </a:p>
+        </p:txBody>
+      </p:sp>
+      <p:pic>
+        <p:nvPicPr>
+          <p:cNvPr id="4" name="Content Placeholder 3" descr="DmpOnline2.tiff"/>
+          <p:cNvPicPr>
+            <a:picLocks noGrp="1" noChangeAspect="1"/>
+          </p:cNvPicPr>
+          <p:nvPr>
+            <p:ph idx="1"/>
+          </p:nvPr>
+        </p:nvPicPr>
+        <p:blipFill>
+          <a:blip r:embed="rId2">
+            <a:extLst>
+              <a:ext uri="{28A0092B-C50C-407E-A947-70E740481C1C}">
+                <a14:useLocalDpi xmlns:a14="http://schemas.microsoft.com/office/drawing/2010/main" val="0"/>
+              </a:ext>
+            </a:extLst>
+          </a:blip>
+          <a:srcRect t="-537" b="-537"/>
+          <a:stretch>
+            <a:fillRect/>
+          </a:stretch>
+        </p:blipFill>
+        <p:spPr/>
+      </p:pic>
+      <p:cxnSp>
+        <p:nvCxnSpPr>
+          <p:cNvPr id="6" name="Straight Arrow Connector 5"/>
+          <p:cNvCxnSpPr/>
+          <p:nvPr/>
+        </p:nvCxnSpPr>
+        <p:spPr>
+          <a:xfrm flipH="1">
+            <a:off x="1364675" y="5674189"/>
+            <a:ext cx="1040396" cy="0"/>
+          </a:xfrm>
+          <a:prstGeom prst="straightConnector1">
+            <a:avLst/>
+          </a:prstGeom>
+          <a:ln>
+            <a:tailEnd type="arrow"/>
+          </a:ln>
+        </p:spPr>
+        <p:style>
+          <a:lnRef idx="2">
+            <a:schemeClr val="accent1"/>
+          </a:lnRef>
+          <a:fillRef idx="0">
+            <a:schemeClr val="accent1"/>
+          </a:fillRef>
+          <a:effectRef idx="1">
+            <a:schemeClr val="accent1"/>
+          </a:effectRef>
+          <a:fontRef idx="minor">
+            <a:schemeClr val="tx1"/>
+          </a:fontRef>
+        </p:style>
+      </p:cxnSp>
+    </p:spTree>
+    <p:extLst>
+      <p:ext uri="{BB962C8B-B14F-4D97-AF65-F5344CB8AC3E}">
+        <p14:creationId xmlns:p14="http://schemas.microsoft.com/office/powerpoint/2010/main" val="3673429323"/>
+      </p:ext>
+    </p:extLst>
+  </p:cSld>
+  <p:clrMapOvr>
+    <a:masterClrMapping/>
+  </p:clrMapOvr>
+</p:sld>
+</file>
+
+<file path=ppt/slides/slide23.xml><?xml version="1.0" encoding="utf-8"?>
+<p:sld xmlns:a="http://schemas.openxmlformats.org/drawingml/2006/main" xmlns:r="http://schemas.openxmlformats.org/officeDocument/2006/relationships" xmlns:p="http://schemas.openxmlformats.org/presentationml/2006/main">
+  <p:cSld>
+    <p:spTree>
+      <p:nvGrpSpPr>
+        <p:cNvPr id="1" name=""/>
+        <p:cNvGrpSpPr/>
+        <p:nvPr/>
+      </p:nvGrpSpPr>
+      <p:grpSpPr>
+        <a:xfrm>
+          <a:off x="0" y="0"/>
+          <a:ext cx="0" cy="0"/>
+          <a:chOff x="0" y="0"/>
+          <a:chExt cx="0" cy="0"/>
+        </a:xfrm>
+      </p:grpSpPr>
+      <p:sp>
+        <p:nvSpPr>
+          <p:cNvPr id="2" name="Title 1"/>
+          <p:cNvSpPr>
+            <a:spLocks noGrp="1"/>
+          </p:cNvSpPr>
+          <p:nvPr>
+            <p:ph type="title"/>
+          </p:nvPr>
+        </p:nvSpPr>
+        <p:spPr/>
+        <p:txBody>
+          <a:bodyPr>
+            <a:normAutofit fontScale="90000"/>
+          </a:bodyPr>
+          <a:lstStyle/>
+          <a:p>
+            <a:r>
+              <a:rPr lang="en-US" dirty="0"/>
+              <a:t>Select funding agency &amp; organization</a:t>
+            </a:r>
+          </a:p>
+        </p:txBody>
+      </p:sp>
+      <p:pic>
+        <p:nvPicPr>
+          <p:cNvPr id="4" name="Content Placeholder 3" descr="DmpOnline4.tiff"/>
+          <p:cNvPicPr>
+            <a:picLocks noGrp="1" noChangeAspect="1"/>
+          </p:cNvPicPr>
+          <p:nvPr>
+            <p:ph idx="1"/>
+          </p:nvPr>
+        </p:nvPicPr>
+        <p:blipFill>
+          <a:blip r:embed="rId2">
+            <a:extLst>
+              <a:ext uri="{28A0092B-C50C-407E-A947-70E740481C1C}">
+                <a14:useLocalDpi xmlns:a14="http://schemas.microsoft.com/office/drawing/2010/main" val="0"/>
+              </a:ext>
+            </a:extLst>
+          </a:blip>
+          <a:srcRect l="-10845" r="-10845"/>
+          <a:stretch>
+            <a:fillRect/>
+          </a:stretch>
+        </p:blipFill>
+        <p:spPr/>
+      </p:pic>
+      <p:cxnSp>
+        <p:nvCxnSpPr>
+          <p:cNvPr id="6" name="Straight Arrow Connector 5"/>
+          <p:cNvCxnSpPr/>
+          <p:nvPr/>
+        </p:nvCxnSpPr>
+        <p:spPr>
+          <a:xfrm flipV="1">
+            <a:off x="4012956" y="3134314"/>
+            <a:ext cx="553977" cy="243179"/>
+          </a:xfrm>
+          <a:prstGeom prst="straightConnector1">
+            <a:avLst/>
+          </a:prstGeom>
+          <a:ln>
+            <a:tailEnd type="arrow"/>
+          </a:ln>
+        </p:spPr>
+        <p:style>
+          <a:lnRef idx="2">
+            <a:schemeClr val="accent1"/>
+          </a:lnRef>
+          <a:fillRef idx="0">
+            <a:schemeClr val="accent1"/>
+          </a:fillRef>
+          <a:effectRef idx="1">
+            <a:schemeClr val="accent1"/>
+          </a:effectRef>
+          <a:fontRef idx="minor">
+            <a:schemeClr val="tx1"/>
+          </a:fontRef>
+        </p:style>
+      </p:cxnSp>
+      <p:cxnSp>
+        <p:nvCxnSpPr>
+          <p:cNvPr id="7" name="Straight Arrow Connector 6"/>
+          <p:cNvCxnSpPr/>
+          <p:nvPr/>
+        </p:nvCxnSpPr>
+        <p:spPr>
+          <a:xfrm flipV="1">
+            <a:off x="4012956" y="4151352"/>
+            <a:ext cx="553977" cy="243179"/>
+          </a:xfrm>
+          <a:prstGeom prst="straightConnector1">
+            <a:avLst/>
+          </a:prstGeom>
+          <a:ln>
+            <a:tailEnd type="arrow"/>
+          </a:ln>
+        </p:spPr>
+        <p:style>
+          <a:lnRef idx="2">
+            <a:schemeClr val="accent1"/>
+          </a:lnRef>
+          <a:fillRef idx="0">
+            <a:schemeClr val="accent1"/>
+          </a:fillRef>
+          <a:effectRef idx="1">
+            <a:schemeClr val="accent1"/>
+          </a:effectRef>
+          <a:fontRef idx="minor">
+            <a:schemeClr val="tx1"/>
+          </a:fontRef>
+        </p:style>
+      </p:cxnSp>
+    </p:spTree>
+    <p:extLst>
+      <p:ext uri="{BB962C8B-B14F-4D97-AF65-F5344CB8AC3E}">
+        <p14:creationId xmlns:p14="http://schemas.microsoft.com/office/powerpoint/2010/main" val="136932541"/>
+      </p:ext>
+    </p:extLst>
+  </p:cSld>
+  <p:clrMapOvr>
+    <a:masterClrMapping/>
+  </p:clrMapOvr>
+</p:sld>
+</file>
+
+<file path=ppt/slides/slide24.xml><?xml version="1.0" encoding="utf-8"?>
+<p:sld xmlns:a="http://schemas.openxmlformats.org/drawingml/2006/main" xmlns:r="http://schemas.openxmlformats.org/officeDocument/2006/relationships" xmlns:p="http://schemas.openxmlformats.org/presentationml/2006/main">
+  <p:cSld>
+    <p:spTree>
+      <p:nvGrpSpPr>
+        <p:cNvPr id="1" name=""/>
+        <p:cNvGrpSpPr/>
+        <p:nvPr/>
+      </p:nvGrpSpPr>
+      <p:grpSpPr>
+        <a:xfrm>
+          <a:off x="0" y="0"/>
+          <a:ext cx="0" cy="0"/>
+          <a:chOff x="0" y="0"/>
+          <a:chExt cx="0" cy="0"/>
+        </a:xfrm>
+      </p:grpSpPr>
+      <p:sp>
+        <p:nvSpPr>
+          <p:cNvPr id="2" name="Title 1"/>
+          <p:cNvSpPr>
+            <a:spLocks noGrp="1"/>
+          </p:cNvSpPr>
+          <p:nvPr>
+            <p:ph type="title"/>
+          </p:nvPr>
+        </p:nvSpPr>
+        <p:spPr/>
+        <p:txBody>
+          <a:bodyPr/>
+          <a:lstStyle/>
+          <a:p>
+            <a:r>
+              <a:rPr lang="en-US" dirty="0" smtClean="0"/>
+              <a:t>Fill in basic project information</a:t>
+            </a:r>
+            <a:endParaRPr lang="en-US" dirty="0"/>
+          </a:p>
+        </p:txBody>
+      </p:sp>
+      <p:pic>
+        <p:nvPicPr>
+          <p:cNvPr id="4" name="Content Placeholder 3" descr="DmpOnline5.tiff"/>
+          <p:cNvPicPr>
+            <a:picLocks noGrp="1" noChangeAspect="1"/>
+          </p:cNvPicPr>
+          <p:nvPr>
+            <p:ph idx="1"/>
+          </p:nvPr>
+        </p:nvPicPr>
+        <p:blipFill>
+          <a:blip r:embed="rId2">
+            <a:extLst>
+              <a:ext uri="{28A0092B-C50C-407E-A947-70E740481C1C}">
+                <a14:useLocalDpi xmlns:a14="http://schemas.microsoft.com/office/drawing/2010/main" val="0"/>
+              </a:ext>
+            </a:extLst>
+          </a:blip>
+          <a:srcRect l="-16685" r="-16685"/>
+          <a:stretch>
+            <a:fillRect/>
+          </a:stretch>
+        </p:blipFill>
+        <p:spPr/>
+      </p:pic>
+    </p:spTree>
+    <p:extLst>
+      <p:ext uri="{BB962C8B-B14F-4D97-AF65-F5344CB8AC3E}">
+        <p14:creationId xmlns:p14="http://schemas.microsoft.com/office/powerpoint/2010/main" val="62793901"/>
+      </p:ext>
+    </p:extLst>
+  </p:cSld>
+  <p:clrMapOvr>
+    <a:masterClrMapping/>
+  </p:clrMapOvr>
+</p:sld>
+</file>
+
+<file path=ppt/slides/slide25.xml><?xml version="1.0" encoding="utf-8"?>
+<p:sld xmlns:a="http://schemas.openxmlformats.org/drawingml/2006/main" xmlns:r="http://schemas.openxmlformats.org/officeDocument/2006/relationships" xmlns:p="http://schemas.openxmlformats.org/presentationml/2006/main">
+  <p:cSld>
+    <p:spTree>
+      <p:nvGrpSpPr>
+        <p:cNvPr id="1" name=""/>
+        <p:cNvGrpSpPr/>
+        <p:nvPr/>
+      </p:nvGrpSpPr>
+      <p:grpSpPr>
+        <a:xfrm>
+          <a:off x="0" y="0"/>
+          <a:ext cx="0" cy="0"/>
+          <a:chOff x="0" y="0"/>
+          <a:chExt cx="0" cy="0"/>
+        </a:xfrm>
+      </p:grpSpPr>
+      <p:sp>
+        <p:nvSpPr>
+          <p:cNvPr id="2" name="Title 1"/>
+          <p:cNvSpPr>
+            <a:spLocks noGrp="1"/>
+          </p:cNvSpPr>
+          <p:nvPr>
+            <p:ph type="title"/>
+          </p:nvPr>
+        </p:nvSpPr>
+        <p:spPr/>
+        <p:txBody>
+          <a:bodyPr/>
+          <a:lstStyle/>
+          <a:p>
+            <a:r>
+              <a:rPr lang="en-US" dirty="0" smtClean="0"/>
+              <a:t>Answer Questions</a:t>
+            </a:r>
+            <a:endParaRPr lang="en-US" dirty="0"/>
+          </a:p>
+        </p:txBody>
+      </p:sp>
+      <p:pic>
+        <p:nvPicPr>
+          <p:cNvPr id="4" name="Content Placeholder 3" descr="DmpOnline6.tiff"/>
+          <p:cNvPicPr>
+            <a:picLocks noGrp="1" noChangeAspect="1"/>
+          </p:cNvPicPr>
+          <p:nvPr>
+            <p:ph idx="1"/>
+          </p:nvPr>
+        </p:nvPicPr>
+        <p:blipFill>
+          <a:blip r:embed="rId2">
+            <a:extLst>
+              <a:ext uri="{28A0092B-C50C-407E-A947-70E740481C1C}">
+                <a14:useLocalDpi xmlns:a14="http://schemas.microsoft.com/office/drawing/2010/main" val="0"/>
+              </a:ext>
+            </a:extLst>
+          </a:blip>
+          <a:srcRect l="-19204" r="-19204"/>
+          <a:stretch>
+            <a:fillRect/>
+          </a:stretch>
+        </p:blipFill>
+        <p:spPr/>
+      </p:pic>
+      <p:cxnSp>
+        <p:nvCxnSpPr>
+          <p:cNvPr id="6" name="Straight Arrow Connector 5"/>
+          <p:cNvCxnSpPr/>
+          <p:nvPr/>
+        </p:nvCxnSpPr>
+        <p:spPr>
+          <a:xfrm flipV="1">
+            <a:off x="5134422" y="2053516"/>
+            <a:ext cx="783675" cy="310729"/>
+          </a:xfrm>
+          <a:prstGeom prst="straightConnector1">
+            <a:avLst/>
+          </a:prstGeom>
+          <a:ln>
+            <a:tailEnd type="arrow"/>
+          </a:ln>
+        </p:spPr>
+        <p:style>
+          <a:lnRef idx="2">
+            <a:schemeClr val="accent1"/>
+          </a:lnRef>
+          <a:fillRef idx="0">
+            <a:schemeClr val="accent1"/>
+          </a:fillRef>
+          <a:effectRef idx="1">
+            <a:schemeClr val="accent1"/>
+          </a:effectRef>
+          <a:fontRef idx="minor">
+            <a:schemeClr val="tx1"/>
+          </a:fontRef>
+        </p:style>
+      </p:cxnSp>
+    </p:spTree>
+    <p:extLst>
+      <p:ext uri="{BB962C8B-B14F-4D97-AF65-F5344CB8AC3E}">
+        <p14:creationId xmlns:p14="http://schemas.microsoft.com/office/powerpoint/2010/main" val="3952499014"/>
+      </p:ext>
+    </p:extLst>
+  </p:cSld>
+  <p:clrMapOvr>
+    <a:masterClrMapping/>
+  </p:clrMapOvr>
+</p:sld>
+</file>
+
+<file path=ppt/slides/slide26.xml><?xml version="1.0" encoding="utf-8"?>
+<p:sld xmlns:a="http://schemas.openxmlformats.org/drawingml/2006/main" xmlns:r="http://schemas.openxmlformats.org/officeDocument/2006/relationships" xmlns:p="http://schemas.openxmlformats.org/presentationml/2006/main">
+  <p:cSld>
+    <p:spTree>
+      <p:nvGrpSpPr>
+        <p:cNvPr id="1" name=""/>
+        <p:cNvGrpSpPr/>
+        <p:nvPr/>
+      </p:nvGrpSpPr>
+      <p:grpSpPr>
+        <a:xfrm>
+          <a:off x="0" y="0"/>
+          <a:ext cx="0" cy="0"/>
+          <a:chOff x="0" y="0"/>
+          <a:chExt cx="0" cy="0"/>
+        </a:xfrm>
+      </p:grpSpPr>
+      <p:sp>
+        <p:nvSpPr>
+          <p:cNvPr id="2" name="Title 1"/>
+          <p:cNvSpPr>
+            <a:spLocks noGrp="1"/>
+          </p:cNvSpPr>
+          <p:nvPr>
+            <p:ph type="title"/>
+          </p:nvPr>
+        </p:nvSpPr>
+        <p:spPr/>
+        <p:txBody>
+          <a:bodyPr>
+            <a:normAutofit fontScale="90000"/>
+          </a:bodyPr>
+          <a:lstStyle/>
+          <a:p>
+            <a:r>
+              <a:rPr lang="en-US" dirty="0" smtClean="0"/>
+              <a:t>Answer questions, and read through guidance</a:t>
+            </a:r>
+            <a:endParaRPr lang="en-US" dirty="0"/>
+          </a:p>
+        </p:txBody>
+      </p:sp>
+      <p:pic>
+        <p:nvPicPr>
+          <p:cNvPr id="4" name="Content Placeholder 3" descr="DmpOnline7.tiff"/>
+          <p:cNvPicPr>
+            <a:picLocks noGrp="1" noChangeAspect="1"/>
+          </p:cNvPicPr>
+          <p:nvPr>
+            <p:ph idx="1"/>
+          </p:nvPr>
+        </p:nvPicPr>
+        <p:blipFill>
+          <a:blip r:embed="rId2">
+            <a:extLst>
+              <a:ext uri="{28A0092B-C50C-407E-A947-70E740481C1C}">
+                <a14:useLocalDpi xmlns:a14="http://schemas.microsoft.com/office/drawing/2010/main" val="0"/>
+              </a:ext>
+            </a:extLst>
+          </a:blip>
+          <a:srcRect l="-22484" r="-22484"/>
+          <a:stretch>
+            <a:fillRect/>
+          </a:stretch>
+        </p:blipFill>
+        <p:spPr/>
+      </p:pic>
+    </p:spTree>
+    <p:extLst>
+      <p:ext uri="{BB962C8B-B14F-4D97-AF65-F5344CB8AC3E}">
+        <p14:creationId xmlns:p14="http://schemas.microsoft.com/office/powerpoint/2010/main" val="1335899850"/>
+      </p:ext>
+    </p:extLst>
+  </p:cSld>
+  <p:clrMapOvr>
+    <a:masterClrMapping/>
+  </p:clrMapOvr>
+</p:sld>
+</file>
+
+<file path=ppt/slides/slide27.xml><?xml version="1.0" encoding="utf-8"?>
+<p:sld xmlns:a="http://schemas.openxmlformats.org/drawingml/2006/main" xmlns:r="http://schemas.openxmlformats.org/officeDocument/2006/relationships" xmlns:p="http://schemas.openxmlformats.org/presentationml/2006/main">
+  <p:cSld>
+    <p:spTree>
+      <p:nvGrpSpPr>
+        <p:cNvPr id="1" name=""/>
+        <p:cNvGrpSpPr/>
+        <p:nvPr/>
+      </p:nvGrpSpPr>
+      <p:grpSpPr>
+        <a:xfrm>
+          <a:off x="0" y="0"/>
+          <a:ext cx="0" cy="0"/>
+          <a:chOff x="0" y="0"/>
+          <a:chExt cx="0" cy="0"/>
+        </a:xfrm>
+      </p:grpSpPr>
+      <p:sp>
+        <p:nvSpPr>
+          <p:cNvPr id="2" name="Title 1"/>
+          <p:cNvSpPr>
+            <a:spLocks noGrp="1"/>
+          </p:cNvSpPr>
+          <p:nvPr>
+            <p:ph type="title"/>
+          </p:nvPr>
+        </p:nvSpPr>
+        <p:spPr/>
+        <p:txBody>
+          <a:bodyPr/>
+          <a:lstStyle/>
+          <a:p>
+            <a:r>
+              <a:rPr lang="en-US" dirty="0" smtClean="0"/>
+              <a:t>Export your plan!</a:t>
+            </a:r>
+            <a:endParaRPr lang="en-US" dirty="0"/>
+          </a:p>
+        </p:txBody>
+      </p:sp>
+      <p:pic>
+        <p:nvPicPr>
+          <p:cNvPr id="4" name="Content Placeholder 3" descr="DmpOnline8.tiff"/>
+          <p:cNvPicPr>
+            <a:picLocks noGrp="1" noChangeAspect="1"/>
+          </p:cNvPicPr>
+          <p:nvPr>
+            <p:ph idx="1"/>
+          </p:nvPr>
+        </p:nvPicPr>
+        <p:blipFill>
+          <a:blip r:embed="rId2">
+            <a:extLst>
+              <a:ext uri="{28A0092B-C50C-407E-A947-70E740481C1C}">
+                <a14:useLocalDpi xmlns:a14="http://schemas.microsoft.com/office/drawing/2010/main" val="0"/>
+              </a:ext>
+            </a:extLst>
+          </a:blip>
+          <a:srcRect l="-3552" r="-3552"/>
+          <a:stretch>
+            <a:fillRect/>
+          </a:stretch>
+        </p:blipFill>
+        <p:spPr/>
+      </p:pic>
+    </p:spTree>
+    <p:extLst>
+      <p:ext uri="{BB962C8B-B14F-4D97-AF65-F5344CB8AC3E}">
+        <p14:creationId xmlns:p14="http://schemas.microsoft.com/office/powerpoint/2010/main" val="4164996235"/>
+      </p:ext>
+    </p:extLst>
+  </p:cSld>
+  <p:clrMapOvr>
+    <a:masterClrMapping/>
+  </p:clrMapOvr>
+</p:sld>
+</file>
+
+<file path=ppt/slides/slide28.xml><?xml version="1.0" encoding="utf-8"?>
+<p:sld xmlns:a="http://schemas.openxmlformats.org/drawingml/2006/main" xmlns:r="http://schemas.openxmlformats.org/officeDocument/2006/relationships" xmlns:p="http://schemas.openxmlformats.org/presentationml/2006/main">
+  <p:cSld>
+    <p:spTree>
+      <p:nvGrpSpPr>
+        <p:cNvPr id="1" name=""/>
+        <p:cNvGrpSpPr/>
+        <p:nvPr/>
+      </p:nvGrpSpPr>
+      <p:grpSpPr>
+        <a:xfrm>
+          <a:off x="0" y="0"/>
+          <a:ext cx="0" cy="0"/>
+          <a:chOff x="0" y="0"/>
+          <a:chExt cx="0" cy="0"/>
+        </a:xfrm>
+      </p:grpSpPr>
+      <p:sp>
+        <p:nvSpPr>
+          <p:cNvPr id="2" name="Title 1"/>
+          <p:cNvSpPr>
+            <a:spLocks noGrp="1"/>
+          </p:cNvSpPr>
+          <p:nvPr>
+            <p:ph type="ctrTitle"/>
+          </p:nvPr>
+        </p:nvSpPr>
+        <p:spPr/>
+        <p:txBody>
+          <a:bodyPr/>
+          <a:lstStyle/>
+          <a:p>
+            <a:r>
+              <a:rPr lang="en-US" b="1" dirty="0" smtClean="0"/>
+              <a:t>Curation Profiles Toolkit</a:t>
+            </a:r>
+            <a:endParaRPr lang="en-US" b="1" dirty="0"/>
+          </a:p>
+        </p:txBody>
+      </p:sp>
+      <p:sp>
+        <p:nvSpPr>
+          <p:cNvPr id="3" name="Subtitle 2"/>
+          <p:cNvSpPr>
+            <a:spLocks noGrp="1"/>
+          </p:cNvSpPr>
+          <p:nvPr>
+            <p:ph type="subTitle" idx="1"/>
+          </p:nvPr>
+        </p:nvSpPr>
+        <p:spPr/>
+        <p:txBody>
+          <a:bodyPr/>
+          <a:lstStyle/>
+          <a:p>
+            <a:endParaRPr lang="en-US"/>
+          </a:p>
+        </p:txBody>
+      </p:sp>
+    </p:spTree>
+    <p:extLst>
+      <p:ext uri="{BB962C8B-B14F-4D97-AF65-F5344CB8AC3E}">
+        <p14:creationId xmlns:p14="http://schemas.microsoft.com/office/powerpoint/2010/main" val="3668785812"/>
+      </p:ext>
+    </p:extLst>
+  </p:cSld>
+  <p:clrMapOvr>
+    <a:masterClrMapping/>
+  </p:clrMapOvr>
+</p:sld>
+</file>
+
+<file path=ppt/slides/slide29.xml><?xml version="1.0" encoding="utf-8"?>
+<p:sld xmlns:a="http://schemas.openxmlformats.org/drawingml/2006/main" xmlns:r="http://schemas.openxmlformats.org/officeDocument/2006/relationships" xmlns:p="http://schemas.openxmlformats.org/presentationml/2006/main">
+  <p:cSld>
+    <p:spTree>
+      <p:nvGrpSpPr>
+        <p:cNvPr id="1" name=""/>
+        <p:cNvGrpSpPr/>
+        <p:nvPr/>
+      </p:nvGrpSpPr>
+      <p:grpSpPr>
+        <a:xfrm>
+          <a:off x="0" y="0"/>
+          <a:ext cx="0" cy="0"/>
+          <a:chOff x="0" y="0"/>
+          <a:chExt cx="0" cy="0"/>
+        </a:xfrm>
+      </p:grpSpPr>
+      <p:sp>
+        <p:nvSpPr>
+          <p:cNvPr id="2" name="Title 1"/>
+          <p:cNvSpPr>
+            <a:spLocks noGrp="1"/>
+          </p:cNvSpPr>
+          <p:nvPr>
+            <p:ph type="title"/>
+          </p:nvPr>
+        </p:nvSpPr>
+        <p:spPr/>
+        <p:txBody>
+          <a:bodyPr/>
+          <a:lstStyle/>
+          <a:p>
+            <a:r>
+              <a:rPr lang="en-US" dirty="0" smtClean="0"/>
+              <a:t>Curation Profiles Toolkit</a:t>
+            </a:r>
+            <a:endParaRPr lang="en-US" dirty="0"/>
+          </a:p>
+        </p:txBody>
+      </p:sp>
+      <p:sp>
+        <p:nvSpPr>
+          <p:cNvPr id="3" name="Content Placeholder 2"/>
+          <p:cNvSpPr>
+            <a:spLocks noGrp="1"/>
+          </p:cNvSpPr>
+          <p:nvPr>
+            <p:ph idx="1"/>
+          </p:nvPr>
+        </p:nvSpPr>
+        <p:spPr/>
+        <p:txBody>
+          <a:bodyPr/>
+          <a:lstStyle/>
+          <a:p>
+            <a:r>
+              <a:rPr lang="en-US" dirty="0"/>
+              <a:t>Developed through IMLS grant between U of Illinois and Purdue </a:t>
+            </a:r>
+            <a:r>
+              <a:rPr lang="en-US" dirty="0" smtClean="0"/>
+              <a:t>Universities</a:t>
+            </a:r>
+          </a:p>
+          <a:p>
+            <a:r>
+              <a:rPr lang="en-US" dirty="0" smtClean="0"/>
+              <a:t>Set of resources and methods intended to help librarians/data curators in understanding a researcher’s data</a:t>
+            </a:r>
+          </a:p>
+          <a:p>
+            <a:pPr lvl="1"/>
+            <a:r>
+              <a:rPr lang="en-US" dirty="0" smtClean="0"/>
+              <a:t>Can potentially be used to inform data management plans and policy</a:t>
+            </a:r>
+          </a:p>
+        </p:txBody>
+      </p:sp>
+    </p:spTree>
+    <p:extLst>
+      <p:ext uri="{BB962C8B-B14F-4D97-AF65-F5344CB8AC3E}">
+        <p14:creationId xmlns:p14="http://schemas.microsoft.com/office/powerpoint/2010/main" val="3571011329"/>
+      </p:ext>
+    </p:extLst>
+  </p:cSld>
+  <p:clrMapOvr>
+    <a:masterClrMapping/>
+  </p:clrMapOvr>
+</p:sld>
+</file>
+
+<file path=ppt/slides/slide3.xml><?xml version="1.0" encoding="utf-8"?>
+<p:sld xmlns:a="http://schemas.openxmlformats.org/drawingml/2006/main" xmlns:r="http://schemas.openxmlformats.org/officeDocument/2006/relationships" xmlns:p="http://schemas.openxmlformats.org/presentationml/2006/main">
+  <p:cSld>
+    <p:spTree>
+      <p:nvGrpSpPr>
+        <p:cNvPr id="1" name=""/>
+        <p:cNvGrpSpPr/>
+        <p:nvPr/>
+      </p:nvGrpSpPr>
+      <p:grpSpPr>
+        <a:xfrm>
+          <a:off x="0" y="0"/>
+          <a:ext cx="0" cy="0"/>
+          <a:chOff x="0" y="0"/>
+          <a:chExt cx="0" cy="0"/>
+        </a:xfrm>
+      </p:grpSpPr>
+      <p:sp>
+        <p:nvSpPr>
+          <p:cNvPr id="2" name="Title 1"/>
+          <p:cNvSpPr>
+            <a:spLocks noGrp="1"/>
+          </p:cNvSpPr>
+          <p:nvPr>
+            <p:ph type="title"/>
+          </p:nvPr>
+        </p:nvSpPr>
+        <p:spPr/>
+        <p:txBody>
+          <a:bodyPr/>
+          <a:lstStyle/>
+          <a:p>
+            <a:r>
+              <a:rPr lang="en-US" dirty="0" smtClean="0"/>
+              <a:t>Data Management Plans</a:t>
+            </a:r>
+            <a:endParaRPr lang="en-US" dirty="0"/>
+          </a:p>
+        </p:txBody>
+      </p:sp>
+      <p:sp>
+        <p:nvSpPr>
+          <p:cNvPr id="3" name="Content Placeholder 2"/>
+          <p:cNvSpPr>
+            <a:spLocks noGrp="1"/>
+          </p:cNvSpPr>
+          <p:nvPr>
+            <p:ph idx="1"/>
+          </p:nvPr>
+        </p:nvSpPr>
+        <p:spPr/>
+        <p:txBody>
+          <a:bodyPr/>
+          <a:lstStyle/>
+          <a:p>
+            <a:r>
+              <a:rPr lang="en-US" dirty="0" smtClean="0"/>
+              <a:t>A data management plan (DMP) is a formal document that outlines how data will </a:t>
+            </a:r>
+            <a:r>
+              <a:rPr lang="en-US" dirty="0" smtClean="0"/>
+              <a:t>be </a:t>
+            </a:r>
+            <a:r>
+              <a:rPr lang="en-US" dirty="0" smtClean="0"/>
+              <a:t>managed during and after a </a:t>
+            </a:r>
+            <a:r>
+              <a:rPr lang="en-US" dirty="0" smtClean="0"/>
+              <a:t>project</a:t>
+            </a:r>
+          </a:p>
+          <a:p>
+            <a:r>
+              <a:rPr lang="en-US" dirty="0"/>
+              <a:t>If you’re going to develop data management services, creating support for DMPs is one of the first things you should do</a:t>
+            </a:r>
+          </a:p>
+          <a:p>
+            <a:endParaRPr lang="en-US" dirty="0"/>
+          </a:p>
+        </p:txBody>
+      </p:sp>
+    </p:spTree>
+    <p:extLst>
+      <p:ext uri="{BB962C8B-B14F-4D97-AF65-F5344CB8AC3E}">
+        <p14:creationId xmlns:p14="http://schemas.microsoft.com/office/powerpoint/2010/main" val="3135926432"/>
+      </p:ext>
+    </p:extLst>
+  </p:cSld>
+  <p:clrMapOvr>
+    <a:masterClrMapping/>
+  </p:clrMapOvr>
+</p:sld>
+</file>
+
+<file path=ppt/slides/slide30.xml><?xml version="1.0" encoding="utf-8"?>
+<p:sld xmlns:a="http://schemas.openxmlformats.org/drawingml/2006/main" xmlns:r="http://schemas.openxmlformats.org/officeDocument/2006/relationships" xmlns:p="http://schemas.openxmlformats.org/presentationml/2006/main">
+  <p:cSld>
+    <p:spTree>
+      <p:nvGrpSpPr>
+        <p:cNvPr id="1" name=""/>
+        <p:cNvGrpSpPr/>
+        <p:nvPr/>
+      </p:nvGrpSpPr>
+      <p:grpSpPr>
+        <a:xfrm>
+          <a:off x="0" y="0"/>
+          <a:ext cx="0" cy="0"/>
+          <a:chOff x="0" y="0"/>
+          <a:chExt cx="0" cy="0"/>
+        </a:xfrm>
+      </p:grpSpPr>
+      <p:sp>
+        <p:nvSpPr>
+          <p:cNvPr id="2" name="Title 1"/>
+          <p:cNvSpPr>
+            <a:spLocks noGrp="1"/>
+          </p:cNvSpPr>
+          <p:nvPr>
+            <p:ph type="title"/>
+          </p:nvPr>
+        </p:nvSpPr>
+        <p:spPr/>
+        <p:txBody>
+          <a:bodyPr/>
+          <a:lstStyle/>
+          <a:p>
+            <a:r>
+              <a:rPr lang="en-US" dirty="0" smtClean="0"/>
+              <a:t>What is a profile?</a:t>
+            </a:r>
+            <a:endParaRPr lang="en-US" dirty="0"/>
+          </a:p>
+        </p:txBody>
+      </p:sp>
+      <p:sp>
+        <p:nvSpPr>
+          <p:cNvPr id="3" name="Content Placeholder 2"/>
+          <p:cNvSpPr>
+            <a:spLocks noGrp="1"/>
+          </p:cNvSpPr>
+          <p:nvPr>
+            <p:ph idx="1"/>
+          </p:nvPr>
+        </p:nvSpPr>
+        <p:spPr/>
+        <p:txBody>
+          <a:bodyPr/>
+          <a:lstStyle/>
+          <a:p>
+            <a:pPr marL="0" indent="0">
+              <a:buNone/>
+            </a:pPr>
+            <a:r>
+              <a:rPr lang="en-US" dirty="0" smtClean="0"/>
+              <a:t>“A Data Curation Profile is a tool that can be used to provide a foundational base of information about a particular set of data that may be curated by an academic library or other institution.”</a:t>
+            </a:r>
+          </a:p>
+          <a:p>
+            <a:pPr marL="0" indent="0">
+              <a:buNone/>
+            </a:pPr>
+            <a:r>
+              <a:rPr lang="en-US" dirty="0"/>
+              <a:t>	</a:t>
+            </a:r>
+            <a:r>
+              <a:rPr lang="en-US" dirty="0" smtClean="0"/>
+              <a:t>(Carlson and Witt, 2010) </a:t>
+            </a:r>
+            <a:endParaRPr lang="en-US" dirty="0"/>
+          </a:p>
+        </p:txBody>
+      </p:sp>
+    </p:spTree>
+    <p:extLst>
+      <p:ext uri="{BB962C8B-B14F-4D97-AF65-F5344CB8AC3E}">
+        <p14:creationId xmlns:p14="http://schemas.microsoft.com/office/powerpoint/2010/main" val="2444184472"/>
+      </p:ext>
+    </p:extLst>
+  </p:cSld>
+  <p:clrMapOvr>
+    <a:masterClrMapping/>
+  </p:clrMapOvr>
+</p:sld>
+</file>
+
+<file path=ppt/slides/slide31.xml><?xml version="1.0" encoding="utf-8"?>
+<p:sld xmlns:a="http://schemas.openxmlformats.org/drawingml/2006/main" xmlns:r="http://schemas.openxmlformats.org/officeDocument/2006/relationships" xmlns:p="http://schemas.openxmlformats.org/presentationml/2006/main">
+  <p:cSld>
+    <p:spTree>
+      <p:nvGrpSpPr>
+        <p:cNvPr id="1" name=""/>
+        <p:cNvGrpSpPr/>
+        <p:nvPr/>
+      </p:nvGrpSpPr>
+      <p:grpSpPr>
+        <a:xfrm>
+          <a:off x="0" y="0"/>
+          <a:ext cx="0" cy="0"/>
+          <a:chOff x="0" y="0"/>
+          <a:chExt cx="0" cy="0"/>
+        </a:xfrm>
+      </p:grpSpPr>
+      <p:sp>
+        <p:nvSpPr>
+          <p:cNvPr id="4" name="Content Placeholder 3"/>
+          <p:cNvSpPr>
+            <a:spLocks noGrp="1"/>
+          </p:cNvSpPr>
+          <p:nvPr>
+            <p:ph idx="1"/>
+          </p:nvPr>
+        </p:nvSpPr>
+        <p:spPr/>
+        <p:txBody>
+          <a:bodyPr>
+            <a:normAutofit fontScale="85000" lnSpcReduction="20000"/>
+          </a:bodyPr>
+          <a:lstStyle/>
+          <a:p>
+            <a:pPr marL="0" indent="0">
+              <a:buNone/>
+            </a:pPr>
+            <a:endParaRPr lang="en-US" dirty="0" smtClean="0"/>
+          </a:p>
+          <a:p>
+            <a:pPr marL="0" indent="0">
+              <a:buNone/>
+            </a:pPr>
+            <a:r>
+              <a:rPr lang="en-US" dirty="0" smtClean="0"/>
+              <a:t>Provides </a:t>
+            </a:r>
+          </a:p>
+          <a:p>
+            <a:pPr lvl="1"/>
+            <a:r>
+              <a:rPr lang="en-US" dirty="0" smtClean="0"/>
+              <a:t>User guide</a:t>
+            </a:r>
+          </a:p>
+          <a:p>
+            <a:pPr lvl="1"/>
+            <a:r>
+              <a:rPr lang="en-US" dirty="0" smtClean="0"/>
+              <a:t>Interviewers manual</a:t>
+            </a:r>
+          </a:p>
+          <a:p>
+            <a:pPr lvl="1"/>
+            <a:r>
+              <a:rPr lang="en-US" dirty="0" smtClean="0"/>
+              <a:t>Interview worksheet for “investigating what data researchers are willing to share, when and with whom, and researchers’ needs and requirements for sharing those data through an IR” (or other archive)</a:t>
+            </a:r>
+          </a:p>
+          <a:p>
+            <a:pPr lvl="1"/>
+            <a:r>
+              <a:rPr lang="en-US" dirty="0" smtClean="0"/>
+              <a:t>Template for generating final report (profile)</a:t>
+            </a:r>
+          </a:p>
+          <a:p>
+            <a:pPr lvl="2"/>
+            <a:r>
+              <a:rPr lang="en-US" dirty="0" smtClean="0"/>
+              <a:t>Offers definitions and general explanations about how to generalize from interview worksheets </a:t>
+            </a:r>
+          </a:p>
+          <a:p>
+            <a:pPr lvl="1"/>
+            <a:endParaRPr lang="en-US" dirty="0" smtClean="0"/>
+          </a:p>
+          <a:p>
+            <a:pPr marL="457200" lvl="1" indent="0">
+              <a:buNone/>
+            </a:pPr>
+            <a:r>
+              <a:rPr lang="en-US" dirty="0" smtClean="0"/>
+              <a:t> </a:t>
+            </a:r>
+            <a:endParaRPr lang="en-US" dirty="0"/>
+          </a:p>
+        </p:txBody>
+      </p:sp>
+      <p:pic>
+        <p:nvPicPr>
+          <p:cNvPr id="5" name="Picture 4" descr="Screen Shot 2013-02-03 at 5.03.35 PM.png"/>
+          <p:cNvPicPr>
+            <a:picLocks noChangeAspect="1"/>
+          </p:cNvPicPr>
+          <p:nvPr/>
+        </p:nvPicPr>
+        <p:blipFill>
+          <a:blip r:embed="rId3">
+            <a:extLst>
+              <a:ext uri="{28A0092B-C50C-407E-A947-70E740481C1C}">
+                <a14:useLocalDpi xmlns:a14="http://schemas.microsoft.com/office/drawing/2010/main" val="0"/>
+              </a:ext>
+            </a:extLst>
+          </a:blip>
+          <a:stretch>
+            <a:fillRect/>
+          </a:stretch>
+        </p:blipFill>
+        <p:spPr>
+          <a:xfrm>
+            <a:off x="457200" y="463777"/>
+            <a:ext cx="8333772" cy="1136423"/>
+          </a:xfrm>
+          <a:prstGeom prst="rect">
+            <a:avLst/>
+          </a:prstGeom>
+        </p:spPr>
+      </p:pic>
+    </p:spTree>
+    <p:extLst>
+      <p:ext uri="{BB962C8B-B14F-4D97-AF65-F5344CB8AC3E}">
+        <p14:creationId xmlns:p14="http://schemas.microsoft.com/office/powerpoint/2010/main" val="827362048"/>
+      </p:ext>
+    </p:extLst>
+  </p:cSld>
+  <p:clrMapOvr>
+    <a:masterClrMapping/>
+  </p:clrMapOvr>
+</p:sld>
+</file>
+
+<file path=ppt/slides/slide32.xml><?xml version="1.0" encoding="utf-8"?>
+<p:sld xmlns:a="http://schemas.openxmlformats.org/drawingml/2006/main" xmlns:r="http://schemas.openxmlformats.org/officeDocument/2006/relationships" xmlns:p="http://schemas.openxmlformats.org/presentationml/2006/main">
+  <p:cSld>
+    <p:spTree>
+      <p:nvGrpSpPr>
+        <p:cNvPr id="1" name=""/>
+        <p:cNvGrpSpPr/>
+        <p:nvPr/>
+      </p:nvGrpSpPr>
+      <p:grpSpPr>
+        <a:xfrm>
+          <a:off x="0" y="0"/>
+          <a:ext cx="0" cy="0"/>
+          <a:chOff x="0" y="0"/>
+          <a:chExt cx="0" cy="0"/>
+        </a:xfrm>
+      </p:grpSpPr>
+      <p:sp>
+        <p:nvSpPr>
+          <p:cNvPr id="2" name="Title 1"/>
+          <p:cNvSpPr>
+            <a:spLocks noGrp="1"/>
+          </p:cNvSpPr>
+          <p:nvPr>
+            <p:ph type="title"/>
+          </p:nvPr>
+        </p:nvSpPr>
+        <p:spPr/>
+        <p:txBody>
+          <a:bodyPr/>
+          <a:lstStyle/>
+          <a:p>
+            <a:r>
+              <a:rPr lang="en-US" dirty="0" smtClean="0"/>
+              <a:t>Completed profiles </a:t>
+            </a:r>
+            <a:endParaRPr lang="en-US" dirty="0"/>
+          </a:p>
+        </p:txBody>
+      </p:sp>
+      <p:sp>
+        <p:nvSpPr>
+          <p:cNvPr id="3" name="Content Placeholder 2"/>
+          <p:cNvSpPr>
+            <a:spLocks noGrp="1"/>
+          </p:cNvSpPr>
+          <p:nvPr>
+            <p:ph idx="1"/>
+          </p:nvPr>
+        </p:nvSpPr>
+        <p:spPr/>
+        <p:txBody>
+          <a:bodyPr>
+            <a:normAutofit fontScale="92500" lnSpcReduction="20000"/>
+          </a:bodyPr>
+          <a:lstStyle/>
+          <a:p>
+            <a:pPr marL="0" indent="0">
+              <a:buNone/>
+            </a:pPr>
+            <a:r>
+              <a:rPr lang="en-US" dirty="0" smtClean="0"/>
+              <a:t>Contain two types of information about data:</a:t>
+            </a:r>
+          </a:p>
+          <a:p>
+            <a:pPr marL="0" indent="0">
+              <a:buNone/>
+            </a:pPr>
+            <a:endParaRPr lang="en-US" dirty="0"/>
+          </a:p>
+          <a:p>
+            <a:pPr marL="514350" indent="-514350">
+              <a:buAutoNum type="arabicPeriod"/>
+            </a:pPr>
+            <a:r>
+              <a:rPr lang="en-US" dirty="0" smtClean="0"/>
+              <a:t>Standardized description </a:t>
+            </a:r>
+            <a:r>
+              <a:rPr lang="en-US" dirty="0"/>
+              <a:t>of a dataset (or series of </a:t>
+            </a:r>
+            <a:r>
+              <a:rPr lang="en-US" dirty="0" smtClean="0"/>
+              <a:t>datasets) </a:t>
+            </a:r>
+          </a:p>
+          <a:p>
+            <a:pPr marL="0" indent="0">
+              <a:buNone/>
+            </a:pPr>
+            <a:endParaRPr lang="en-US" dirty="0" smtClean="0"/>
+          </a:p>
+          <a:p>
+            <a:pPr marL="460375" indent="-460375">
+              <a:buNone/>
+            </a:pPr>
+            <a:r>
+              <a:rPr lang="en-US" dirty="0" smtClean="0"/>
+              <a:t>2</a:t>
+            </a:r>
+            <a:r>
+              <a:rPr lang="en-US" dirty="0"/>
+              <a:t>. Description of a researchers needs surrounding the data, including how and when the data can be shared</a:t>
+            </a:r>
+            <a:r>
+              <a:rPr lang="en-US" dirty="0" smtClean="0"/>
+              <a:t>, the metadata </a:t>
+            </a:r>
+            <a:r>
+              <a:rPr lang="en-US" dirty="0"/>
+              <a:t>and documentation that should be </a:t>
+            </a:r>
+            <a:r>
+              <a:rPr lang="en-US" dirty="0" smtClean="0"/>
+              <a:t>created or captured, </a:t>
+            </a:r>
+            <a:r>
+              <a:rPr lang="en-US" dirty="0"/>
+              <a:t>and details about current preservation practices. </a:t>
+            </a:r>
+          </a:p>
+        </p:txBody>
+      </p:sp>
+    </p:spTree>
+    <p:extLst>
+      <p:ext uri="{BB962C8B-B14F-4D97-AF65-F5344CB8AC3E}">
+        <p14:creationId xmlns:p14="http://schemas.microsoft.com/office/powerpoint/2010/main" val="1239519525"/>
+      </p:ext>
+    </p:extLst>
+  </p:cSld>
+  <p:clrMapOvr>
+    <a:masterClrMapping/>
+  </p:clrMapOvr>
+</p:sld>
+</file>
+
+<file path=ppt/slides/slide33.xml><?xml version="1.0" encoding="utf-8"?>
+<p:sld xmlns:a="http://schemas.openxmlformats.org/drawingml/2006/main" xmlns:r="http://schemas.openxmlformats.org/officeDocument/2006/relationships" xmlns:p="http://schemas.openxmlformats.org/presentationml/2006/main">
+  <p:cSld>
+    <p:spTree>
+      <p:nvGrpSpPr>
+        <p:cNvPr id="1" name=""/>
+        <p:cNvGrpSpPr/>
+        <p:nvPr/>
+      </p:nvGrpSpPr>
+      <p:grpSpPr>
+        <a:xfrm>
+          <a:off x="0" y="0"/>
+          <a:ext cx="0" cy="0"/>
+          <a:chOff x="0" y="0"/>
+          <a:chExt cx="0" cy="0"/>
+        </a:xfrm>
+      </p:grpSpPr>
+      <p:sp>
+        <p:nvSpPr>
+          <p:cNvPr id="2" name="Title 1"/>
+          <p:cNvSpPr>
+            <a:spLocks noGrp="1"/>
+          </p:cNvSpPr>
+          <p:nvPr>
+            <p:ph type="title"/>
+          </p:nvPr>
+        </p:nvSpPr>
+        <p:spPr/>
+        <p:txBody>
+          <a:bodyPr/>
+          <a:lstStyle/>
+          <a:p>
+            <a:r>
+              <a:rPr lang="en-US" dirty="0"/>
+              <a:t>What can profiles </a:t>
+            </a:r>
+            <a:r>
+              <a:rPr lang="en-US" dirty="0" smtClean="0"/>
+              <a:t>do</a:t>
+            </a:r>
+            <a:r>
+              <a:rPr lang="en-US" dirty="0"/>
+              <a:t>?</a:t>
+            </a:r>
+            <a:r>
+              <a:rPr lang="en-US" dirty="0" smtClean="0">
+                <a:effectLst/>
+              </a:rPr>
+              <a:t> </a:t>
+            </a:r>
+            <a:endParaRPr lang="en-US" dirty="0"/>
+          </a:p>
+        </p:txBody>
+      </p:sp>
+      <p:sp>
+        <p:nvSpPr>
+          <p:cNvPr id="3" name="Content Placeholder 2"/>
+          <p:cNvSpPr>
+            <a:spLocks noGrp="1"/>
+          </p:cNvSpPr>
+          <p:nvPr>
+            <p:ph idx="1"/>
+          </p:nvPr>
+        </p:nvSpPr>
+        <p:spPr/>
+        <p:txBody>
+          <a:bodyPr>
+            <a:normAutofit/>
+          </a:bodyPr>
+          <a:lstStyle/>
+          <a:p>
+            <a:pPr marL="0" indent="0">
+              <a:buNone/>
+            </a:pPr>
+            <a:r>
+              <a:rPr lang="en-US" sz="2600" dirty="0" smtClean="0"/>
+              <a:t>Individually: </a:t>
+            </a:r>
+            <a:r>
+              <a:rPr lang="en-US" sz="2600" dirty="0"/>
+              <a:t>provide a structure for a </a:t>
+            </a:r>
+            <a:r>
+              <a:rPr lang="en-US" sz="2600" i="1" dirty="0"/>
+              <a:t>data interview </a:t>
+            </a:r>
+            <a:r>
+              <a:rPr lang="en-US" sz="2600" dirty="0"/>
+              <a:t>between </a:t>
+            </a:r>
+            <a:r>
+              <a:rPr lang="en-US" sz="2600" dirty="0" smtClean="0"/>
+              <a:t>library / archive </a:t>
+            </a:r>
+            <a:r>
+              <a:rPr lang="en-US" sz="2600" dirty="0"/>
+              <a:t>and lab, or within </a:t>
+            </a:r>
+            <a:r>
+              <a:rPr lang="en-US" sz="2600" dirty="0" smtClean="0"/>
+              <a:t>lab.</a:t>
+            </a:r>
+          </a:p>
+          <a:p>
+            <a:pPr marL="0" indent="0">
+              <a:buNone/>
+            </a:pPr>
+            <a:r>
+              <a:rPr lang="en-US" sz="2600" dirty="0"/>
+              <a:t/>
+            </a:r>
+            <a:br>
+              <a:rPr lang="en-US" sz="2600" dirty="0"/>
+            </a:br>
+            <a:r>
+              <a:rPr lang="en-US" sz="2600" dirty="0" smtClean="0"/>
+              <a:t>Institutionally: </a:t>
+            </a:r>
+            <a:r>
+              <a:rPr lang="en-US" sz="2600" dirty="0"/>
+              <a:t>guide management and curation of data in repository setting, </a:t>
+            </a:r>
+            <a:r>
+              <a:rPr lang="en-US" sz="2600" dirty="0" smtClean="0"/>
+              <a:t>provide </a:t>
+            </a:r>
+            <a:r>
+              <a:rPr lang="en-US" sz="2600" dirty="0"/>
+              <a:t>shareable documentation across </a:t>
+            </a:r>
+            <a:r>
+              <a:rPr lang="en-US" sz="2600" dirty="0" smtClean="0"/>
+              <a:t>staff &amp; </a:t>
+            </a:r>
+            <a:r>
+              <a:rPr lang="en-US" sz="2600" dirty="0"/>
+              <a:t>use cases for systems development </a:t>
+            </a:r>
+            <a:endParaRPr lang="en-US" sz="2600" dirty="0" smtClean="0"/>
+          </a:p>
+          <a:p>
+            <a:pPr marL="0" indent="0">
+              <a:buNone/>
+            </a:pPr>
+            <a:endParaRPr lang="en-US" sz="2600" dirty="0" smtClean="0"/>
+          </a:p>
+          <a:p>
+            <a:pPr marL="0" indent="0">
+              <a:buNone/>
+            </a:pPr>
+            <a:r>
+              <a:rPr lang="en-US" sz="2600" dirty="0" smtClean="0"/>
+              <a:t>Globally: guide development of </a:t>
+            </a:r>
+            <a:r>
+              <a:rPr lang="en-US" sz="2600" dirty="0"/>
+              <a:t>generic adaptable research services at new </a:t>
+            </a:r>
+            <a:r>
+              <a:rPr lang="en-US" sz="2600" dirty="0" smtClean="0"/>
+              <a:t>institutions. </a:t>
+            </a:r>
+            <a:endParaRPr lang="en-US" sz="2600" dirty="0"/>
+          </a:p>
+          <a:p>
+            <a:endParaRPr lang="en-US" sz="2600" dirty="0"/>
+          </a:p>
+        </p:txBody>
+      </p:sp>
+    </p:spTree>
+    <p:extLst>
+      <p:ext uri="{BB962C8B-B14F-4D97-AF65-F5344CB8AC3E}">
+        <p14:creationId xmlns:p14="http://schemas.microsoft.com/office/powerpoint/2010/main" val="3235271237"/>
+      </p:ext>
+    </p:extLst>
+  </p:cSld>
+  <p:clrMapOvr>
+    <a:masterClrMapping/>
+  </p:clrMapOvr>
+</p:sld>
+</file>
+
+<file path=ppt/slides/slide34.xml><?xml version="1.0" encoding="utf-8"?>
+<p:sld xmlns:a="http://schemas.openxmlformats.org/drawingml/2006/main" xmlns:r="http://schemas.openxmlformats.org/officeDocument/2006/relationships" xmlns:p="http://schemas.openxmlformats.org/presentationml/2006/main">
+  <p:cSld>
+    <p:spTree>
+      <p:nvGrpSpPr>
+        <p:cNvPr id="1" name=""/>
+        <p:cNvGrpSpPr/>
+        <p:nvPr/>
+      </p:nvGrpSpPr>
+      <p:grpSpPr>
+        <a:xfrm>
+          <a:off x="0" y="0"/>
+          <a:ext cx="0" cy="0"/>
+          <a:chOff x="0" y="0"/>
+          <a:chExt cx="0" cy="0"/>
+        </a:xfrm>
+      </p:grpSpPr>
+      <p:sp>
+        <p:nvSpPr>
+          <p:cNvPr id="2" name="Title 1"/>
+          <p:cNvSpPr>
+            <a:spLocks noGrp="1"/>
+          </p:cNvSpPr>
+          <p:nvPr>
+            <p:ph type="title"/>
+          </p:nvPr>
+        </p:nvSpPr>
+        <p:spPr/>
+        <p:txBody>
+          <a:bodyPr>
+            <a:normAutofit/>
+          </a:bodyPr>
+          <a:lstStyle/>
+          <a:p>
+            <a:r>
+              <a:rPr lang="en-US" dirty="0" smtClean="0"/>
+              <a:t>What shouldn’t profiles do?</a:t>
+            </a:r>
+            <a:endParaRPr lang="en-US" dirty="0"/>
+          </a:p>
+        </p:txBody>
+      </p:sp>
+      <p:sp>
+        <p:nvSpPr>
+          <p:cNvPr id="3" name="Content Placeholder 2"/>
+          <p:cNvSpPr>
+            <a:spLocks noGrp="1"/>
+          </p:cNvSpPr>
+          <p:nvPr>
+            <p:ph idx="1"/>
+          </p:nvPr>
+        </p:nvSpPr>
+        <p:spPr/>
+        <p:txBody>
+          <a:bodyPr>
+            <a:normAutofit/>
+          </a:bodyPr>
+          <a:lstStyle/>
+          <a:p>
+            <a:pPr marL="0" indent="0">
+              <a:buNone/>
+            </a:pPr>
+            <a:r>
+              <a:rPr lang="en-US" dirty="0"/>
+              <a:t>I</a:t>
+            </a:r>
+            <a:r>
+              <a:rPr lang="en-US" dirty="0" smtClean="0"/>
+              <a:t>nventory </a:t>
+            </a:r>
+            <a:r>
+              <a:rPr lang="en-US" dirty="0"/>
+              <a:t>a </a:t>
+            </a:r>
+            <a:r>
+              <a:rPr lang="en-US" dirty="0" smtClean="0"/>
+              <a:t>lab/individual’s holdings</a:t>
+            </a:r>
+            <a:r>
+              <a:rPr lang="en-US" dirty="0"/>
+              <a:t> </a:t>
+            </a:r>
+            <a:r>
+              <a:rPr lang="en-US" dirty="0" smtClean="0"/>
+              <a:t>- profiles provide depth, </a:t>
+            </a:r>
+            <a:r>
+              <a:rPr lang="en-US" dirty="0"/>
+              <a:t>not </a:t>
+            </a:r>
+            <a:r>
+              <a:rPr lang="en-US" dirty="0" smtClean="0"/>
+              <a:t>breadth</a:t>
+            </a:r>
+            <a:endParaRPr lang="en-US" dirty="0"/>
+          </a:p>
+          <a:p>
+            <a:pPr marL="0" indent="0">
+              <a:buNone/>
+            </a:pPr>
+            <a:endParaRPr lang="en-US" dirty="0" smtClean="0"/>
+          </a:p>
+          <a:p>
+            <a:pPr marL="0" indent="0">
+              <a:buNone/>
+            </a:pPr>
+            <a:r>
+              <a:rPr lang="en-US" dirty="0" smtClean="0"/>
+              <a:t>Be interpreted as permanent: needs for a dataset will </a:t>
+            </a:r>
+            <a:r>
+              <a:rPr lang="en-US" dirty="0"/>
+              <a:t>shift, </a:t>
+            </a:r>
+            <a:r>
+              <a:rPr lang="en-US" dirty="0" smtClean="0"/>
+              <a:t>and use </a:t>
+            </a:r>
+            <a:r>
+              <a:rPr lang="en-US" dirty="0"/>
+              <a:t>of a dataset will likely change. </a:t>
+            </a:r>
+            <a:endParaRPr lang="en-US" dirty="0" smtClean="0"/>
+          </a:p>
+          <a:p>
+            <a:pPr marL="0" indent="0">
+              <a:buNone/>
+            </a:pPr>
+            <a:endParaRPr lang="en-US" dirty="0"/>
+          </a:p>
+          <a:p>
+            <a:endParaRPr lang="en-US" dirty="0"/>
+          </a:p>
+        </p:txBody>
+      </p:sp>
+    </p:spTree>
+    <p:extLst>
+      <p:ext uri="{BB962C8B-B14F-4D97-AF65-F5344CB8AC3E}">
+        <p14:creationId xmlns:p14="http://schemas.microsoft.com/office/powerpoint/2010/main" val="3185866192"/>
+      </p:ext>
+    </p:extLst>
+  </p:cSld>
+  <p:clrMapOvr>
+    <a:masterClrMapping/>
+  </p:clrMapOvr>
+</p:sld>
+</file>
+
+<file path=ppt/slides/slide35.xml><?xml version="1.0" encoding="utf-8"?>
+<p:sld xmlns:a="http://schemas.openxmlformats.org/drawingml/2006/main" xmlns:r="http://schemas.openxmlformats.org/officeDocument/2006/relationships" xmlns:p="http://schemas.openxmlformats.org/presentationml/2006/main">
+  <p:cSld>
+    <p:spTree>
+      <p:nvGrpSpPr>
+        <p:cNvPr id="1" name=""/>
+        <p:cNvGrpSpPr/>
+        <p:nvPr/>
+      </p:nvGrpSpPr>
+      <p:grpSpPr>
+        <a:xfrm>
+          <a:off x="0" y="0"/>
+          <a:ext cx="0" cy="0"/>
+          <a:chOff x="0" y="0"/>
+          <a:chExt cx="0" cy="0"/>
+        </a:xfrm>
+      </p:grpSpPr>
+      <p:sp>
+        <p:nvSpPr>
+          <p:cNvPr id="3" name="Content Placeholder 2"/>
+          <p:cNvSpPr>
+            <a:spLocks noGrp="1"/>
+          </p:cNvSpPr>
+          <p:nvPr>
+            <p:ph idx="1"/>
+          </p:nvPr>
+        </p:nvSpPr>
+        <p:spPr/>
+        <p:txBody>
+          <a:bodyPr/>
+          <a:lstStyle/>
+          <a:p>
+            <a:pPr marL="0" indent="0" algn="ctr">
+              <a:buNone/>
+            </a:pPr>
+            <a:r>
+              <a:rPr lang="en-US" dirty="0"/>
+              <a:t>Profiles are snapshots, and should be viewed </a:t>
+            </a:r>
+            <a:r>
+              <a:rPr lang="en-US" dirty="0" smtClean="0"/>
+              <a:t>through narrow </a:t>
+            </a:r>
+            <a:r>
+              <a:rPr lang="en-US" dirty="0"/>
+              <a:t>time windows of relevance. </a:t>
+            </a:r>
+            <a:endParaRPr lang="en-US" dirty="0" smtClean="0"/>
+          </a:p>
+          <a:p>
+            <a:pPr marL="0" indent="0" algn="ctr">
+              <a:buNone/>
+            </a:pPr>
+            <a:endParaRPr lang="en-US" dirty="0"/>
+          </a:p>
+          <a:p>
+            <a:pPr marL="0" indent="0" algn="ctr">
+              <a:buNone/>
+            </a:pPr>
+            <a:r>
+              <a:rPr lang="en-US" dirty="0" smtClean="0"/>
+              <a:t>But </a:t>
+            </a:r>
+            <a:r>
+              <a:rPr lang="en-US" dirty="0"/>
+              <a:t>longitudinally they are very helpful guides.  </a:t>
+            </a:r>
+          </a:p>
+          <a:p>
+            <a:pPr algn="ctr"/>
+            <a:endParaRPr lang="en-US" dirty="0"/>
+          </a:p>
+        </p:txBody>
+      </p:sp>
+    </p:spTree>
+    <p:extLst>
+      <p:ext uri="{BB962C8B-B14F-4D97-AF65-F5344CB8AC3E}">
+        <p14:creationId xmlns:p14="http://schemas.microsoft.com/office/powerpoint/2010/main" val="1503557534"/>
+      </p:ext>
+    </p:extLst>
+  </p:cSld>
+  <p:clrMapOvr>
+    <a:masterClrMapping/>
+  </p:clrMapOvr>
+</p:sld>
+</file>
+
+<file path=ppt/slides/slide36.xml><?xml version="1.0" encoding="utf-8"?>
+<p:sld xmlns:a="http://schemas.openxmlformats.org/drawingml/2006/main" xmlns:r="http://schemas.openxmlformats.org/officeDocument/2006/relationships" xmlns:p="http://schemas.openxmlformats.org/presentationml/2006/main">
+  <p:cSld>
+    <p:spTree>
+      <p:nvGrpSpPr>
+        <p:cNvPr id="1" name=""/>
+        <p:cNvGrpSpPr/>
+        <p:nvPr/>
+      </p:nvGrpSpPr>
+      <p:grpSpPr>
+        <a:xfrm>
+          <a:off x="0" y="0"/>
+          <a:ext cx="0" cy="0"/>
+          <a:chOff x="0" y="0"/>
+          <a:chExt cx="0" cy="0"/>
+        </a:xfrm>
+      </p:grpSpPr>
+      <p:sp>
+        <p:nvSpPr>
+          <p:cNvPr id="2" name="Title 1"/>
+          <p:cNvSpPr>
+            <a:spLocks noGrp="1"/>
+          </p:cNvSpPr>
+          <p:nvPr>
+            <p:ph type="title"/>
+          </p:nvPr>
+        </p:nvSpPr>
+        <p:spPr/>
+        <p:txBody>
+          <a:bodyPr/>
+          <a:lstStyle/>
+          <a:p>
+            <a:r>
+              <a:rPr lang="en-US" dirty="0" smtClean="0"/>
+              <a:t>Why profile data?</a:t>
+            </a:r>
+            <a:endParaRPr lang="en-US" dirty="0"/>
+          </a:p>
+        </p:txBody>
+      </p:sp>
+      <p:sp>
+        <p:nvSpPr>
+          <p:cNvPr id="3" name="Content Placeholder 2"/>
+          <p:cNvSpPr>
+            <a:spLocks noGrp="1"/>
+          </p:cNvSpPr>
+          <p:nvPr>
+            <p:ph idx="1"/>
+          </p:nvPr>
+        </p:nvSpPr>
+        <p:spPr/>
+        <p:txBody>
+          <a:bodyPr/>
+          <a:lstStyle/>
+          <a:p>
+            <a:r>
+              <a:rPr lang="en-US" dirty="0" smtClean="0"/>
+              <a:t>Can help librarians understand disciplinary or workgroup specific differences in data</a:t>
+            </a:r>
+          </a:p>
+          <a:p>
+            <a:r>
+              <a:rPr lang="en-US" dirty="0" smtClean="0"/>
+              <a:t>Can help guide repository policies</a:t>
+            </a:r>
+          </a:p>
+          <a:p>
+            <a:r>
+              <a:rPr lang="en-US" dirty="0" smtClean="0"/>
+              <a:t>Can be used to inform creation of a data management plan</a:t>
+            </a:r>
+          </a:p>
+        </p:txBody>
+      </p:sp>
+    </p:spTree>
+    <p:extLst>
+      <p:ext uri="{BB962C8B-B14F-4D97-AF65-F5344CB8AC3E}">
+        <p14:creationId xmlns:p14="http://schemas.microsoft.com/office/powerpoint/2010/main" val="613213686"/>
+      </p:ext>
+    </p:extLst>
+  </p:cSld>
+  <p:clrMapOvr>
+    <a:masterClrMapping/>
+  </p:clrMapOvr>
+</p:sld>
+</file>
+
+<file path=ppt/slides/slide37.xml><?xml version="1.0" encoding="utf-8"?>
+<p:sld xmlns:a="http://schemas.openxmlformats.org/drawingml/2006/main" xmlns:r="http://schemas.openxmlformats.org/officeDocument/2006/relationships" xmlns:p="http://schemas.openxmlformats.org/presentationml/2006/main">
+  <p:cSld>
+    <p:spTree>
+      <p:nvGrpSpPr>
+        <p:cNvPr id="1" name=""/>
+        <p:cNvGrpSpPr/>
+        <p:nvPr/>
+      </p:nvGrpSpPr>
+      <p:grpSpPr>
+        <a:xfrm>
+          <a:off x="0" y="0"/>
+          <a:ext cx="0" cy="0"/>
+          <a:chOff x="0" y="0"/>
+          <a:chExt cx="0" cy="0"/>
+        </a:xfrm>
+      </p:grpSpPr>
+      <p:sp>
+        <p:nvSpPr>
+          <p:cNvPr id="2" name="Title 1"/>
+          <p:cNvSpPr>
+            <a:spLocks noGrp="1"/>
+          </p:cNvSpPr>
+          <p:nvPr>
+            <p:ph type="title"/>
+          </p:nvPr>
+        </p:nvSpPr>
+        <p:spPr/>
+        <p:txBody>
+          <a:bodyPr/>
+          <a:lstStyle/>
+          <a:p>
+            <a:r>
+              <a:rPr lang="en-US" dirty="0" smtClean="0"/>
+              <a:t>What makes a good profile?</a:t>
+            </a:r>
+            <a:endParaRPr lang="en-US" dirty="0"/>
+          </a:p>
+        </p:txBody>
+      </p:sp>
+      <p:sp>
+        <p:nvSpPr>
+          <p:cNvPr id="3" name="Content Placeholder 2"/>
+          <p:cNvSpPr>
+            <a:spLocks noGrp="1"/>
+          </p:cNvSpPr>
+          <p:nvPr>
+            <p:ph idx="1"/>
+          </p:nvPr>
+        </p:nvSpPr>
+        <p:spPr/>
+        <p:txBody>
+          <a:bodyPr/>
+          <a:lstStyle/>
+          <a:p>
+            <a:r>
+              <a:rPr lang="en-US" dirty="0" smtClean="0"/>
+              <a:t>Selecting </a:t>
+            </a:r>
+            <a:r>
+              <a:rPr lang="en-US" dirty="0"/>
+              <a:t>data that are "typical" and well understood by </a:t>
+            </a:r>
+            <a:r>
+              <a:rPr lang="en-US" dirty="0" smtClean="0"/>
+              <a:t>participant.</a:t>
+            </a:r>
+          </a:p>
+          <a:p>
+            <a:endParaRPr lang="en-US" dirty="0"/>
+          </a:p>
+          <a:p>
+            <a:r>
+              <a:rPr lang="en-US" dirty="0" smtClean="0"/>
+              <a:t>Extensive background work. </a:t>
+            </a:r>
+          </a:p>
+          <a:p>
+            <a:pPr marL="0" indent="0">
+              <a:buNone/>
+            </a:pPr>
+            <a:endParaRPr lang="en-US" dirty="0"/>
+          </a:p>
+          <a:p>
+            <a:r>
+              <a:rPr lang="en-US" dirty="0"/>
+              <a:t>One person operation. </a:t>
+            </a:r>
+          </a:p>
+          <a:p>
+            <a:pPr marL="0" indent="0">
+              <a:buNone/>
+            </a:pPr>
+            <a:endParaRPr lang="en-US" dirty="0"/>
+          </a:p>
+        </p:txBody>
+      </p:sp>
+    </p:spTree>
+    <p:extLst>
+      <p:ext uri="{BB962C8B-B14F-4D97-AF65-F5344CB8AC3E}">
+        <p14:creationId xmlns:p14="http://schemas.microsoft.com/office/powerpoint/2010/main" val="1394430622"/>
+      </p:ext>
+    </p:extLst>
+  </p:cSld>
+  <p:clrMapOvr>
+    <a:masterClrMapping/>
+  </p:clrMapOvr>
+</p:sld>
+</file>
+
+<file path=ppt/slides/slide38.xml><?xml version="1.0" encoding="utf-8"?>
+<p:sld xmlns:a="http://schemas.openxmlformats.org/drawingml/2006/main" xmlns:r="http://schemas.openxmlformats.org/officeDocument/2006/relationships" xmlns:p="http://schemas.openxmlformats.org/presentationml/2006/main">
+  <p:cSld>
+    <p:spTree>
+      <p:nvGrpSpPr>
+        <p:cNvPr id="1" name=""/>
+        <p:cNvGrpSpPr/>
+        <p:nvPr/>
+      </p:nvGrpSpPr>
+      <p:grpSpPr>
+        <a:xfrm>
+          <a:off x="0" y="0"/>
+          <a:ext cx="0" cy="0"/>
+          <a:chOff x="0" y="0"/>
+          <a:chExt cx="0" cy="0"/>
+        </a:xfrm>
+      </p:grpSpPr>
+      <p:sp>
+        <p:nvSpPr>
+          <p:cNvPr id="2" name="Title 1"/>
+          <p:cNvSpPr>
+            <a:spLocks noGrp="1"/>
+          </p:cNvSpPr>
+          <p:nvPr>
+            <p:ph type="title"/>
+          </p:nvPr>
+        </p:nvSpPr>
+        <p:spPr/>
+        <p:txBody>
+          <a:bodyPr/>
+          <a:lstStyle/>
+          <a:p>
+            <a:r>
+              <a:rPr lang="en-US" dirty="0" smtClean="0"/>
+              <a:t>Interviewer’s Manual</a:t>
+            </a:r>
+            <a:endParaRPr lang="en-US" dirty="0"/>
+          </a:p>
+        </p:txBody>
+      </p:sp>
+      <p:sp>
+        <p:nvSpPr>
+          <p:cNvPr id="3" name="Content Placeholder 2"/>
+          <p:cNvSpPr>
+            <a:spLocks noGrp="1"/>
+          </p:cNvSpPr>
+          <p:nvPr>
+            <p:ph idx="1"/>
+          </p:nvPr>
+        </p:nvSpPr>
+        <p:spPr/>
+        <p:txBody>
+          <a:bodyPr/>
+          <a:lstStyle/>
+          <a:p>
+            <a:r>
+              <a:rPr lang="en-US" dirty="0" smtClean="0"/>
+              <a:t>Basic instructions on on how to conduct a data interview, including a very thorough questionnaire (“Ask this…”)</a:t>
+            </a:r>
+          </a:p>
+          <a:p>
+            <a:r>
+              <a:rPr lang="en-US" dirty="0" smtClean="0"/>
+              <a:t>Maps responses to final report template</a:t>
+            </a:r>
+          </a:p>
+          <a:p>
+            <a:r>
+              <a:rPr lang="en-US" dirty="0" smtClean="0"/>
+              <a:t>Provides context for data worksheet</a:t>
+            </a:r>
+            <a:endParaRPr lang="en-US" dirty="0"/>
+          </a:p>
+        </p:txBody>
+      </p:sp>
+    </p:spTree>
+    <p:extLst>
+      <p:ext uri="{BB962C8B-B14F-4D97-AF65-F5344CB8AC3E}">
+        <p14:creationId xmlns:p14="http://schemas.microsoft.com/office/powerpoint/2010/main" val="1936156590"/>
+      </p:ext>
+    </p:extLst>
+  </p:cSld>
+  <p:clrMapOvr>
+    <a:masterClrMapping/>
+  </p:clrMapOvr>
+</p:sld>
+</file>
+
+<file path=ppt/slides/slide39.xml><?xml version="1.0" encoding="utf-8"?>
+<p:sld xmlns:a="http://schemas.openxmlformats.org/drawingml/2006/main" xmlns:r="http://schemas.openxmlformats.org/officeDocument/2006/relationships" xmlns:p="http://schemas.openxmlformats.org/presentationml/2006/main">
+  <p:cSld>
+    <p:spTree>
+      <p:nvGrpSpPr>
+        <p:cNvPr id="1" name=""/>
+        <p:cNvGrpSpPr/>
+        <p:nvPr/>
+      </p:nvGrpSpPr>
+      <p:grpSpPr>
+        <a:xfrm>
+          <a:off x="0" y="0"/>
+          <a:ext cx="0" cy="0"/>
+          <a:chOff x="0" y="0"/>
+          <a:chExt cx="0" cy="0"/>
+        </a:xfrm>
+      </p:grpSpPr>
+      <p:sp>
+        <p:nvSpPr>
+          <p:cNvPr id="2" name="Title 1"/>
+          <p:cNvSpPr>
+            <a:spLocks noGrp="1"/>
+          </p:cNvSpPr>
+          <p:nvPr>
+            <p:ph type="title"/>
+          </p:nvPr>
+        </p:nvSpPr>
+        <p:spPr/>
+        <p:txBody>
+          <a:bodyPr/>
+          <a:lstStyle/>
+          <a:p>
+            <a:r>
+              <a:rPr lang="en-US" dirty="0" smtClean="0"/>
+              <a:t>Interview Worksheet	</a:t>
+            </a:r>
+            <a:endParaRPr lang="en-US" dirty="0"/>
+          </a:p>
+        </p:txBody>
+      </p:sp>
+      <p:sp>
+        <p:nvSpPr>
+          <p:cNvPr id="3" name="Content Placeholder 2"/>
+          <p:cNvSpPr>
+            <a:spLocks noGrp="1"/>
+          </p:cNvSpPr>
+          <p:nvPr>
+            <p:ph idx="1"/>
+          </p:nvPr>
+        </p:nvSpPr>
+        <p:spPr/>
+        <p:txBody>
+          <a:bodyPr/>
+          <a:lstStyle/>
+          <a:p>
+            <a:r>
+              <a:rPr lang="en-US" dirty="0" smtClean="0"/>
+              <a:t>Introduced at beginning of the interview process</a:t>
+            </a:r>
+          </a:p>
+          <a:p>
+            <a:r>
+              <a:rPr lang="en-US" dirty="0" smtClean="0"/>
+              <a:t>Filled out by participant </a:t>
+            </a:r>
+          </a:p>
+          <a:p>
+            <a:r>
+              <a:rPr lang="en-US" dirty="0" smtClean="0"/>
+              <a:t>Acts as prompt for further inquiry</a:t>
+            </a:r>
+          </a:p>
+          <a:p>
+            <a:pPr lvl="1"/>
+            <a:r>
+              <a:rPr lang="en-US" dirty="0" smtClean="0"/>
+              <a:t>Very difficult to do quickly, but very effective</a:t>
+            </a:r>
+          </a:p>
+          <a:p>
+            <a:pPr lvl="1"/>
+            <a:r>
+              <a:rPr lang="en-US" dirty="0" smtClean="0"/>
+              <a:t>Why not beforehand or after?</a:t>
+            </a:r>
+          </a:p>
+          <a:p>
+            <a:pPr lvl="2"/>
+            <a:r>
+              <a:rPr lang="en-US" dirty="0" smtClean="0"/>
+              <a:t>critical incident technique </a:t>
+            </a:r>
+          </a:p>
+        </p:txBody>
+      </p:sp>
+    </p:spTree>
+    <p:extLst>
+      <p:ext uri="{BB962C8B-B14F-4D97-AF65-F5344CB8AC3E}">
+        <p14:creationId xmlns:p14="http://schemas.microsoft.com/office/powerpoint/2010/main" val="1797572344"/>
+      </p:ext>
+    </p:extLst>
+  </p:cSld>
+  <p:clrMapOvr>
+    <a:masterClrMapping/>
+  </p:clrMapOvr>
+</p:sld>
+</file>
+
+<file path=ppt/slides/slide4.xml><?xml version="1.0" encoding="utf-8"?>
+<p:sld xmlns:a="http://schemas.openxmlformats.org/drawingml/2006/main" xmlns:r="http://schemas.openxmlformats.org/officeDocument/2006/relationships" xmlns:p="http://schemas.openxmlformats.org/presentationml/2006/main">
+  <p:cSld>
+    <p:spTree>
+      <p:nvGrpSpPr>
+        <p:cNvPr id="1" name=""/>
+        <p:cNvGrpSpPr/>
+        <p:nvPr/>
+      </p:nvGrpSpPr>
+      <p:grpSpPr>
+        <a:xfrm>
+          <a:off x="0" y="0"/>
+          <a:ext cx="0" cy="0"/>
+          <a:chOff x="0" y="0"/>
+          <a:chExt cx="0" cy="0"/>
+        </a:xfrm>
+      </p:grpSpPr>
+      <p:sp>
+        <p:nvSpPr>
+          <p:cNvPr id="2" name="Title 1"/>
+          <p:cNvSpPr>
+            <a:spLocks noGrp="1"/>
+          </p:cNvSpPr>
+          <p:nvPr>
+            <p:ph type="title"/>
+          </p:nvPr>
+        </p:nvSpPr>
+        <p:spPr/>
+        <p:txBody>
+          <a:bodyPr>
+            <a:normAutofit fontScale="90000"/>
+          </a:bodyPr>
+          <a:lstStyle/>
+          <a:p>
+            <a:r>
+              <a:rPr lang="en-US" dirty="0" smtClean="0"/>
+              <a:t>Why create a DMP – or ask your patrons to create DMPs?</a:t>
+            </a:r>
+            <a:endParaRPr lang="en-US" dirty="0"/>
+          </a:p>
+        </p:txBody>
+      </p:sp>
+      <p:sp>
+        <p:nvSpPr>
+          <p:cNvPr id="3" name="Content Placeholder 2"/>
+          <p:cNvSpPr>
+            <a:spLocks noGrp="1"/>
+          </p:cNvSpPr>
+          <p:nvPr>
+            <p:ph idx="1"/>
+          </p:nvPr>
+        </p:nvSpPr>
+        <p:spPr/>
+        <p:txBody>
+          <a:bodyPr/>
+          <a:lstStyle/>
+          <a:p>
+            <a:r>
+              <a:rPr lang="en-US" dirty="0"/>
+              <a:t>Helps make sure data is </a:t>
+            </a:r>
+            <a:r>
+              <a:rPr lang="en-US" dirty="0" smtClean="0"/>
+              <a:t>managed early </a:t>
+            </a:r>
+            <a:r>
+              <a:rPr lang="en-US" dirty="0"/>
+              <a:t>and often</a:t>
+            </a:r>
+            <a:r>
+              <a:rPr lang="en-US" dirty="0" smtClean="0"/>
+              <a:t>!</a:t>
+            </a:r>
+          </a:p>
+          <a:p>
+            <a:r>
+              <a:rPr lang="en-US" dirty="0" smtClean="0"/>
+              <a:t>Distributes data management responsibility through out the data curation lifecycle</a:t>
+            </a:r>
+          </a:p>
+          <a:p>
+            <a:endParaRPr lang="en-US" dirty="0"/>
+          </a:p>
+          <a:p>
+            <a:endParaRPr lang="en-US" dirty="0" smtClean="0"/>
+          </a:p>
+          <a:p>
+            <a:endParaRPr lang="en-US" dirty="0" smtClean="0"/>
+          </a:p>
+        </p:txBody>
+      </p:sp>
+    </p:spTree>
+    <p:extLst>
+      <p:ext uri="{BB962C8B-B14F-4D97-AF65-F5344CB8AC3E}">
+        <p14:creationId xmlns:p14="http://schemas.microsoft.com/office/powerpoint/2010/main" val="93069042"/>
+      </p:ext>
+    </p:extLst>
+  </p:cSld>
+  <p:clrMapOvr>
+    <a:masterClrMapping/>
+  </p:clrMapOvr>
+</p:sld>
+</file>
+
+<file path=ppt/slides/slide40.xml><?xml version="1.0" encoding="utf-8"?>
+<p:sld xmlns:a="http://schemas.openxmlformats.org/drawingml/2006/main" xmlns:r="http://schemas.openxmlformats.org/officeDocument/2006/relationships" xmlns:p="http://schemas.openxmlformats.org/presentationml/2006/main">
+  <p:cSld>
+    <p:spTree>
+      <p:nvGrpSpPr>
+        <p:cNvPr id="1" name=""/>
+        <p:cNvGrpSpPr/>
+        <p:nvPr/>
+      </p:nvGrpSpPr>
+      <p:grpSpPr>
+        <a:xfrm>
+          <a:off x="0" y="0"/>
+          <a:ext cx="0" cy="0"/>
+          <a:chOff x="0" y="0"/>
+          <a:chExt cx="0" cy="0"/>
+        </a:xfrm>
+      </p:grpSpPr>
+      <p:sp>
+        <p:nvSpPr>
+          <p:cNvPr id="2" name="Title 1"/>
+          <p:cNvSpPr>
+            <a:spLocks noGrp="1"/>
+          </p:cNvSpPr>
+          <p:nvPr>
+            <p:ph type="title"/>
+          </p:nvPr>
+        </p:nvSpPr>
+        <p:spPr/>
+        <p:txBody>
+          <a:bodyPr/>
+          <a:lstStyle/>
+          <a:p>
+            <a:r>
+              <a:rPr lang="en-US" dirty="0" smtClean="0"/>
+              <a:t>Interview</a:t>
+            </a:r>
+            <a:endParaRPr lang="en-US" dirty="0"/>
+          </a:p>
+        </p:txBody>
+      </p:sp>
+      <p:sp>
+        <p:nvSpPr>
+          <p:cNvPr id="3" name="Content Placeholder 2"/>
+          <p:cNvSpPr>
+            <a:spLocks noGrp="1"/>
+          </p:cNvSpPr>
+          <p:nvPr>
+            <p:ph idx="1"/>
+          </p:nvPr>
+        </p:nvSpPr>
+        <p:spPr/>
+        <p:txBody>
+          <a:bodyPr/>
+          <a:lstStyle/>
+          <a:p>
+            <a:r>
+              <a:rPr lang="en-US" dirty="0" smtClean="0"/>
+              <a:t>Should take place on 2 separate dates</a:t>
+            </a:r>
+          </a:p>
+          <a:p>
+            <a:pPr lvl="1"/>
+            <a:r>
+              <a:rPr lang="en-US" dirty="0" smtClean="0"/>
+              <a:t>Interview one – complete worksheet, and first four modules of interview</a:t>
+            </a:r>
+          </a:p>
+          <a:p>
+            <a:pPr lvl="1"/>
+            <a:r>
+              <a:rPr lang="en-US" dirty="0" smtClean="0"/>
+              <a:t>Interview two – develop follow-up questions to worksheet and finish modules. </a:t>
+            </a:r>
+          </a:p>
+          <a:p>
+            <a:pPr marL="457200" lvl="1" indent="0">
+              <a:buNone/>
+            </a:pPr>
+            <a:endParaRPr lang="en-US" dirty="0"/>
+          </a:p>
+          <a:p>
+            <a:r>
+              <a:rPr lang="en-US" dirty="0" smtClean="0"/>
+              <a:t>Modules will map to Profile template</a:t>
+            </a:r>
+          </a:p>
+        </p:txBody>
+      </p:sp>
+    </p:spTree>
+    <p:extLst>
+      <p:ext uri="{BB962C8B-B14F-4D97-AF65-F5344CB8AC3E}">
+        <p14:creationId xmlns:p14="http://schemas.microsoft.com/office/powerpoint/2010/main" val="1533727848"/>
+      </p:ext>
+    </p:extLst>
+  </p:cSld>
+  <p:clrMapOvr>
+    <a:masterClrMapping/>
+  </p:clrMapOvr>
+</p:sld>
+</file>
+
+<file path=ppt/slides/slide41.xml><?xml version="1.0" encoding="utf-8"?>
+<p:sld xmlns:a="http://schemas.openxmlformats.org/drawingml/2006/main" xmlns:r="http://schemas.openxmlformats.org/officeDocument/2006/relationships" xmlns:p="http://schemas.openxmlformats.org/presentationml/2006/main">
+  <p:cSld>
+    <p:spTree>
+      <p:nvGrpSpPr>
+        <p:cNvPr id="1" name=""/>
+        <p:cNvGrpSpPr/>
+        <p:nvPr/>
+      </p:nvGrpSpPr>
+      <p:grpSpPr>
+        <a:xfrm>
+          <a:off x="0" y="0"/>
+          <a:ext cx="0" cy="0"/>
+          <a:chOff x="0" y="0"/>
+          <a:chExt cx="0" cy="0"/>
+        </a:xfrm>
+      </p:grpSpPr>
+      <p:sp>
+        <p:nvSpPr>
+          <p:cNvPr id="2" name="Title 1"/>
+          <p:cNvSpPr>
+            <a:spLocks noGrp="1"/>
+          </p:cNvSpPr>
+          <p:nvPr>
+            <p:ph type="title"/>
+          </p:nvPr>
+        </p:nvSpPr>
+        <p:spPr/>
+        <p:txBody>
+          <a:bodyPr>
+            <a:normAutofit fontScale="90000"/>
+          </a:bodyPr>
+          <a:lstStyle/>
+          <a:p>
+            <a:r>
+              <a:rPr lang="en-US" dirty="0" smtClean="0"/>
+              <a:t>Walkthrough: worksheets and interview guide</a:t>
+            </a:r>
+            <a:endParaRPr lang="en-US" dirty="0"/>
+          </a:p>
+        </p:txBody>
+      </p:sp>
+      <p:sp>
+        <p:nvSpPr>
+          <p:cNvPr id="3" name="Content Placeholder 2"/>
+          <p:cNvSpPr>
+            <a:spLocks noGrp="1"/>
+          </p:cNvSpPr>
+          <p:nvPr>
+            <p:ph idx="1"/>
+          </p:nvPr>
+        </p:nvSpPr>
+        <p:spPr/>
+        <p:txBody>
+          <a:bodyPr/>
+          <a:lstStyle/>
+          <a:p>
+            <a:endParaRPr lang="en-US"/>
+          </a:p>
+        </p:txBody>
+      </p:sp>
+    </p:spTree>
+    <p:extLst>
+      <p:ext uri="{BB962C8B-B14F-4D97-AF65-F5344CB8AC3E}">
+        <p14:creationId xmlns:p14="http://schemas.microsoft.com/office/powerpoint/2010/main" val="823768162"/>
+      </p:ext>
+    </p:extLst>
+  </p:cSld>
+  <p:clrMapOvr>
+    <a:masterClrMapping/>
+  </p:clrMapOvr>
+</p:sld>
+</file>
+
+<file path=ppt/slides/slide42.xml><?xml version="1.0" encoding="utf-8"?>
+<p:sld xmlns:a="http://schemas.openxmlformats.org/drawingml/2006/main" xmlns:r="http://schemas.openxmlformats.org/officeDocument/2006/relationships" xmlns:p="http://schemas.openxmlformats.org/presentationml/2006/main">
+  <p:cSld>
+    <p:spTree>
+      <p:nvGrpSpPr>
+        <p:cNvPr id="1" name=""/>
+        <p:cNvGrpSpPr/>
+        <p:nvPr/>
+      </p:nvGrpSpPr>
+      <p:grpSpPr>
+        <a:xfrm>
+          <a:off x="0" y="0"/>
+          <a:ext cx="0" cy="0"/>
+          <a:chOff x="0" y="0"/>
+          <a:chExt cx="0" cy="0"/>
+        </a:xfrm>
+      </p:grpSpPr>
+      <p:sp>
+        <p:nvSpPr>
           <p:cNvPr id="9" name="TextBox 8"/>
           <p:cNvSpPr txBox="1"/>
           <p:nvPr/>
@@ -4625,9 +7773,29 @@
             </a:pPr>
             <a:r>
               <a:rPr lang="en-US" sz="3200" dirty="0" smtClean="0"/>
-              <a:t>Summary of data curation needs</a:t>
-            </a:r>
-            <a:endParaRPr lang="en-US" sz="3200" dirty="0"/>
+              <a:t>Summary of data curation </a:t>
+            </a:r>
+            <a:r>
+              <a:rPr lang="en-US" sz="3200" dirty="0" smtClean="0"/>
+              <a:t>needs</a:t>
+            </a:r>
+          </a:p>
+          <a:p>
+            <a:endParaRPr lang="en-US" sz="3200" dirty="0" smtClean="0"/>
+          </a:p>
+          <a:p>
+            <a:pPr marL="457200" indent="-457200">
+              <a:buFont typeface="Arial"/>
+              <a:buChar char="•"/>
+            </a:pPr>
+            <a:r>
+              <a:rPr lang="en-US" sz="3200" dirty="0" smtClean="0"/>
+              <a:t>Overview </a:t>
+            </a:r>
+            <a:r>
+              <a:rPr lang="en-US" sz="3200" dirty="0" smtClean="0"/>
+              <a:t>of the research </a:t>
+            </a:r>
           </a:p>
           <a:p>
             <a:pPr marL="457200" indent="-457200">
@@ -4643,7 +7811,7 @@
             </a:pPr>
             <a:r>
               <a:rPr lang="en-US" sz="3200" dirty="0" smtClean="0"/>
-              <a:t>Overview of the research </a:t>
+              <a:t>Data kinds and stages</a:t>
             </a:r>
           </a:p>
           <a:p>
@@ -4660,23 +7828,6 @@
             </a:pPr>
             <a:r>
               <a:rPr lang="en-US" sz="3200" dirty="0" smtClean="0"/>
-              <a:t>Data kinds and stages</a:t>
-            </a:r>
-          </a:p>
-          <a:p>
-            <a:pPr marL="457200" indent="-457200">
-              <a:buFont typeface="Arial"/>
-              <a:buChar char="•"/>
-            </a:pPr>
-            <a:endParaRPr lang="en-US" sz="3200" dirty="0" smtClean="0"/>
-          </a:p>
-          <a:p>
-            <a:pPr marL="457200" indent="-457200">
-              <a:buFont typeface="Arial"/>
-              <a:buChar char="•"/>
-            </a:pPr>
-            <a:r>
-              <a:rPr lang="en-US" sz="3200" dirty="0" smtClean="0"/>
               <a:t>Intellectual property context and information  - owner</a:t>
             </a:r>
             <a:r>
@@ -4765,7 +7916,7 @@
           <a:p>
             <a:fld id="{28B409BD-EC82-CB40-A8E1-30EBF40182A0}" type="slidenum">
               <a:rPr lang="en-US" smtClean="0"/>
-              <a:t>15</a:t>
+              <a:t>42</a:t>
             </a:fld>
             <a:endParaRPr lang="en-US"/>
           </a:p>
@@ -4799,7 +7950,7 @@
 </p:sld>
 </file>
 
-<file path=ppt/slides/slide16.xml><?xml version="1.0" encoding="utf-8"?>
+<file path=ppt/slides/slide43.xml><?xml version="1.0" encoding="utf-8"?>
 <p:sld xmlns:a="http://schemas.openxmlformats.org/drawingml/2006/main" xmlns:r="http://schemas.openxmlformats.org/officeDocument/2006/relationships" xmlns:p="http://schemas.openxmlformats.org/presentationml/2006/main">
   <p:cSld>
     <p:spTree>
@@ -4901,7 +8052,7 @@
 </p:sld>
 </file>
 
-<file path=ppt/slides/slide17.xml><?xml version="1.0" encoding="utf-8"?>
+<file path=ppt/slides/slide44.xml><?xml version="1.0" encoding="utf-8"?>
 <p:sld xmlns:a="http://schemas.openxmlformats.org/drawingml/2006/main" xmlns:r="http://schemas.openxmlformats.org/officeDocument/2006/relationships" xmlns:p="http://schemas.openxmlformats.org/presentationml/2006/main">
   <p:cSld>
     <p:spTree>
@@ -5002,7 +8153,7 @@
 </p:sld>
 </file>
 
-<file path=ppt/slides/slide18.xml><?xml version="1.0" encoding="utf-8"?>
+<file path=ppt/slides/slide45.xml><?xml version="1.0" encoding="utf-8"?>
 <p:sld xmlns:a="http://schemas.openxmlformats.org/drawingml/2006/main" xmlns:r="http://schemas.openxmlformats.org/officeDocument/2006/relationships" xmlns:p="http://schemas.openxmlformats.org/presentationml/2006/main">
   <p:cSld>
     <p:spTree>
@@ -5037,8 +8188,16 @@
           <a:lstStyle/>
           <a:p>
             <a:r>
-              <a:rPr lang="en-US" dirty="0" smtClean="0"/>
-              <a:t>Four Examples of Completed Profiles</a:t>
+              <a:rPr lang="en-US" dirty="0" err="1" smtClean="0"/>
+              <a:t>Walkthough</a:t>
+            </a:r>
+            <a:r>
+              <a:rPr lang="en-US" dirty="0" smtClean="0"/>
+              <a:t>: Four </a:t>
+            </a:r>
+            <a:r>
+              <a:rPr lang="en-US" dirty="0" smtClean="0"/>
+              <a:t>Examples of Completed Profiles</a:t>
             </a:r>
             <a:endParaRPr lang="en-US" dirty="0"/>
           </a:p>
@@ -5071,7 +8230,43 @@
             </a:pPr>
             <a:r>
               <a:rPr lang="en-US" dirty="0" smtClean="0"/>
-              <a:t>Architectural history, seismology, biophysics, sociology / demographics</a:t>
+              <a:t>Architectural </a:t>
+            </a:r>
+            <a:r>
+              <a:rPr lang="en-US" dirty="0" smtClean="0"/>
+              <a:t>history,</a:t>
+            </a:r>
+            <a:endParaRPr lang="en-US" dirty="0"/>
+          </a:p>
+          <a:p>
+            <a:pPr marL="0" indent="0">
+              <a:buNone/>
+            </a:pPr>
+            <a:r>
+              <a:rPr lang="en-US" dirty="0" smtClean="0"/>
+              <a:t>seismology,</a:t>
+            </a:r>
+          </a:p>
+          <a:p>
+            <a:pPr marL="0" indent="0">
+              <a:buNone/>
+            </a:pPr>
+            <a:r>
+              <a:rPr lang="en-US" dirty="0" smtClean="0"/>
+              <a:t>biophysics,</a:t>
+            </a:r>
+          </a:p>
+          <a:p>
+            <a:pPr marL="0" indent="0">
+              <a:buNone/>
+            </a:pPr>
+            <a:r>
+              <a:rPr lang="en-US" dirty="0" smtClean="0"/>
+              <a:t>sociology </a:t>
+            </a:r>
+            <a:r>
+              <a:rPr lang="en-US" dirty="0" smtClean="0"/>
+              <a:t>/ demographics</a:t>
             </a:r>
           </a:p>
           <a:p>
@@ -5079,20 +8274,6 @@
               <a:buNone/>
             </a:pPr>
             <a:endParaRPr lang="en-US" dirty="0"/>
-          </a:p>
-          <a:p>
-            <a:pPr marL="0" indent="0">
-              <a:buNone/>
-            </a:pPr>
-            <a:r>
-              <a:rPr lang="en-US" dirty="0" smtClean="0"/>
-              <a:t>Look at interview worksheet first, then completed profile – think in terms of research design</a:t>
-            </a:r>
-            <a:r>
-              <a:rPr lang="en-US" dirty="0"/>
-              <a:t>:</a:t>
-            </a:r>
-            <a:endParaRPr lang="en-US" dirty="0" smtClean="0"/>
           </a:p>
         </p:txBody>
       </p:sp>
@@ -5139,7 +8320,7 @@
 </p:sld>
 </file>
 
-<file path=ppt/slides/slide19.xml><?xml version="1.0" encoding="utf-8"?>
+<file path=ppt/slides/slide46.xml><?xml version="1.0" encoding="utf-8"?>
 <p:sld xmlns:a="http://schemas.openxmlformats.org/drawingml/2006/main" xmlns:r="http://schemas.openxmlformats.org/officeDocument/2006/relationships" xmlns:p="http://schemas.openxmlformats.org/presentationml/2006/main">
   <p:cSld>
     <p:spTree>
@@ -5168,14 +8349,12 @@
         </p:nvSpPr>
         <p:spPr/>
         <p:txBody>
-          <a:bodyPr>
-            <a:normAutofit fontScale="90000"/>
-          </a:bodyPr>
-          <a:lstStyle/>
-          <a:p>
-            <a:r>
-              <a:rPr lang="en-US" dirty="0" smtClean="0"/>
-              <a:t>Discussion, small groups (15 min)</a:t>
+          <a:bodyPr/>
+          <a:lstStyle/>
+          <a:p>
+            <a:r>
+              <a:rPr lang="en-US" dirty="0" smtClean="0"/>
+              <a:t>Discussion</a:t>
             </a:r>
             <a:endParaRPr lang="en-US" dirty="0"/>
           </a:p>
@@ -5196,86 +8375,31 @@
           <a:bodyPr/>
           <a:lstStyle/>
           <a:p>
-            <a:pPr marL="0" indent="0">
-              <a:buNone/>
-            </a:pPr>
-            <a:r>
-              <a:rPr lang="en-US" dirty="0" smtClean="0"/>
-              <a:t>Pick a plan to review (focus on sections 1, 3, 5)</a:t>
-            </a:r>
-          </a:p>
-          <a:p>
-            <a:pPr marL="0" indent="0">
-              <a:buNone/>
-            </a:pPr>
-            <a:endParaRPr lang="en-US" dirty="0" smtClean="0"/>
-          </a:p>
-          <a:p>
-            <a:pPr marL="0" indent="0">
-              <a:buNone/>
-            </a:pPr>
-            <a:r>
-              <a:rPr lang="en-US" dirty="0" smtClean="0"/>
-              <a:t>What </a:t>
-            </a:r>
-            <a:r>
-              <a:rPr lang="en-US" dirty="0"/>
-              <a:t>seems missing? </a:t>
-            </a:r>
-            <a:endParaRPr lang="en-US" dirty="0" smtClean="0"/>
-          </a:p>
-          <a:p>
-            <a:pPr marL="0" indent="0">
-              <a:buNone/>
-            </a:pPr>
-            <a:r>
-              <a:rPr lang="en-US" dirty="0" smtClean="0"/>
-              <a:t>What </a:t>
-            </a:r>
-            <a:r>
-              <a:rPr lang="en-US" dirty="0"/>
-              <a:t>seems hard, easy, or </a:t>
-            </a:r>
-            <a:r>
-              <a:rPr lang="en-US" dirty="0" smtClean="0"/>
-              <a:t>confusing</a:t>
-            </a:r>
-            <a:r>
-              <a:rPr lang="en-US" dirty="0"/>
-              <a:t>? </a:t>
-            </a:r>
-            <a:endParaRPr lang="en-US" dirty="0" smtClean="0"/>
-          </a:p>
-          <a:p>
-            <a:pPr marL="0" indent="0">
-              <a:buNone/>
-            </a:pPr>
-            <a:r>
-              <a:rPr lang="en-US" dirty="0" smtClean="0"/>
-              <a:t>What </a:t>
-            </a:r>
-            <a:r>
-              <a:rPr lang="en-US" dirty="0"/>
-              <a:t>isn’t on </a:t>
-            </a:r>
-            <a:r>
-              <a:rPr lang="en-US" dirty="0" smtClean="0"/>
-              <a:t>the worksheet that </a:t>
-            </a:r>
-            <a:r>
-              <a:rPr lang="en-US" dirty="0"/>
-              <a:t>we might also </a:t>
-            </a:r>
-            <a:r>
-              <a:rPr lang="en-US" dirty="0" smtClean="0"/>
-              <a:t>want </a:t>
-            </a:r>
-            <a:r>
-              <a:rPr lang="en-US" dirty="0"/>
-              <a:t>to include on questionnaire?</a:t>
-            </a:r>
-          </a:p>
-          <a:p>
+            <a:r>
+              <a:rPr lang="en-US" dirty="0" smtClean="0"/>
+              <a:t>Did the worksheet provide you with enough information to write a DMP?</a:t>
+            </a:r>
+            <a:endParaRPr lang="en-US" dirty="0"/>
+          </a:p>
+          <a:p>
+            <a:r>
+              <a:rPr lang="en-US" dirty="0" smtClean="0"/>
+              <a:t>How would you use this tool in your work?</a:t>
+            </a:r>
+          </a:p>
+          <a:p>
+            <a:r>
+              <a:rPr lang="en-US" dirty="0" smtClean="0"/>
+              <a:t>Would you be interested in creating templates with the </a:t>
+            </a:r>
+            <a:r>
+              <a:rPr lang="en-US" dirty="0" err="1" smtClean="0"/>
+              <a:t>DMPTool</a:t>
+            </a:r>
+            <a:r>
+              <a:rPr lang="en-US" dirty="0" smtClean="0"/>
+              <a:t>?</a:t>
+            </a:r>
             <a:endParaRPr lang="en-US" dirty="0"/>
           </a:p>
         </p:txBody>
@@ -5283,7 +8407,7 @@
     </p:spTree>
     <p:extLst>
       <p:ext uri="{BB962C8B-B14F-4D97-AF65-F5344CB8AC3E}">
-        <p14:creationId xmlns:p14="http://schemas.microsoft.com/office/powerpoint/2010/main" val="3857808539"/>
+        <p14:creationId xmlns:p14="http://schemas.microsoft.com/office/powerpoint/2010/main" val="300988559"/>
       </p:ext>
     </p:extLst>
   </p:cSld>
@@ -5293,7 +8417,7 @@
 </p:sld>
 </file>
 
-<file path=ppt/slides/slide2.xml><?xml version="1.0" encoding="utf-8"?>
+<file path=ppt/slides/slide47.xml><?xml version="1.0" encoding="utf-8"?>
 <p:sld xmlns:a="http://schemas.openxmlformats.org/drawingml/2006/main" xmlns:r="http://schemas.openxmlformats.org/officeDocument/2006/relationships" xmlns:p="http://schemas.openxmlformats.org/presentationml/2006/main">
   <p:cSld>
     <p:spTree>
@@ -5327,7 +8451,7 @@
           <a:p>
             <a:r>
               <a:rPr lang="en-US" dirty="0" smtClean="0"/>
-              <a:t>First:</a:t>
+              <a:t>Resources</a:t>
             </a:r>
             <a:endParaRPr lang="en-US" dirty="0"/>
           </a:p>
@@ -5343,1321 +8467,207 @@
             <p:ph idx="1"/>
           </p:nvPr>
         </p:nvSpPr>
-        <p:spPr/>
-        <p:txBody>
-          <a:bodyPr/>
-          <a:lstStyle/>
-          <a:p>
-            <a:r>
-              <a:rPr lang="en-US" dirty="0" smtClean="0"/>
-              <a:t>Open a web browser</a:t>
-            </a:r>
-          </a:p>
-          <a:p>
-            <a:r>
-              <a:rPr lang="en-US" dirty="0" smtClean="0"/>
-              <a:t>Go to </a:t>
-            </a:r>
-          </a:p>
-          <a:p>
-            <a:pPr marL="0" indent="0" algn="ctr">
-              <a:buNone/>
-            </a:pPr>
-            <a:r>
-              <a:rPr lang="en-US" sz="5400" dirty="0"/>
-              <a:t>http://</a:t>
-            </a:r>
-            <a:r>
-              <a:rPr lang="en-US" sz="5400" dirty="0" err="1"/>
-              <a:t>bit.ly</a:t>
-            </a:r>
-            <a:r>
-              <a:rPr lang="en-US" sz="5400" dirty="0"/>
-              <a:t>/1AIhtz5</a:t>
-            </a:r>
+        <p:spPr>
+          <a:xfrm>
+            <a:off x="457200" y="1600201"/>
+            <a:ext cx="8229600" cy="4182068"/>
+          </a:xfrm>
+        </p:spPr>
+        <p:txBody>
+          <a:bodyPr>
+            <a:normAutofit fontScale="70000" lnSpcReduction="20000"/>
+          </a:bodyPr>
+          <a:lstStyle/>
+          <a:p>
+            <a:r>
+              <a:rPr lang="en-US" dirty="0" err="1" smtClean="0"/>
+              <a:t>DMPTool</a:t>
+            </a:r>
+            <a:endParaRPr lang="en-US" dirty="0" smtClean="0"/>
+          </a:p>
+          <a:p>
+            <a:pPr lvl="1"/>
+            <a:r>
+              <a:rPr lang="en-US" dirty="0"/>
+              <a:t>https://</a:t>
+            </a:r>
+            <a:r>
+              <a:rPr lang="en-US" dirty="0" err="1"/>
+              <a:t>dmptool.org</a:t>
+            </a:r>
+            <a:r>
+              <a:rPr lang="en-US" dirty="0"/>
+              <a:t>/</a:t>
+            </a:r>
+          </a:p>
+          <a:p>
+            <a:r>
+              <a:rPr lang="en-US" dirty="0" err="1" smtClean="0"/>
+              <a:t>DMPOnline</a:t>
+            </a:r>
+            <a:endParaRPr lang="en-US" dirty="0" smtClean="0"/>
+          </a:p>
+          <a:p>
+            <a:pPr lvl="1"/>
+            <a:r>
+              <a:rPr lang="en-US" dirty="0"/>
+              <a:t>https://</a:t>
+            </a:r>
+            <a:r>
+              <a:rPr lang="en-US" dirty="0" err="1"/>
+              <a:t>dmponline.dcc.ac.uk</a:t>
+            </a:r>
+            <a:r>
+              <a:rPr lang="en-US" dirty="0"/>
+              <a:t>/</a:t>
+            </a:r>
+            <a:endParaRPr lang="en-US" dirty="0" smtClean="0"/>
+          </a:p>
+          <a:p>
+            <a:pPr lvl="1"/>
+            <a:r>
+              <a:rPr lang="en-US" dirty="0" smtClean="0"/>
+              <a:t>Screencast of how to use: </a:t>
+            </a:r>
+            <a:r>
+              <a:rPr lang="en-US" dirty="0" smtClean="0">
+                <a:hlinkClick r:id="rId2"/>
+              </a:rPr>
+              <a:t>https</a:t>
+            </a:r>
+            <a:r>
+              <a:rPr lang="en-US" dirty="0">
+                <a:hlinkClick r:id="rId2"/>
+              </a:rPr>
+              <a:t>://dmponline.dcc.ac.uk/assets/index.files/html5video/screencast-a1b336c9c8a8281b6b320bd54c433f18.</a:t>
+            </a:r>
+            <a:r>
+              <a:rPr lang="en-US" dirty="0" smtClean="0">
+                <a:hlinkClick r:id="rId2"/>
+              </a:rPr>
+              <a:t>mp4</a:t>
+            </a:r>
+            <a:endParaRPr lang="en-US" dirty="0" smtClean="0"/>
+          </a:p>
+          <a:p>
+            <a:r>
+              <a:rPr lang="en-US" dirty="0" smtClean="0"/>
+              <a:t>Curation profiles</a:t>
+            </a:r>
+          </a:p>
+          <a:p>
+            <a:pPr lvl="1"/>
+            <a:r>
+              <a:rPr lang="en-US" dirty="0" smtClean="0"/>
+              <a:t>Directory of completed profiles: </a:t>
+            </a:r>
+            <a:r>
+              <a:rPr lang="en-US" dirty="0">
+                <a:hlinkClick r:id="rId3"/>
+              </a:rPr>
+              <a:t>http://docs.lib.purdue.edu/dcp</a:t>
+            </a:r>
+            <a:r>
+              <a:rPr lang="en-US" dirty="0" smtClean="0">
+                <a:hlinkClick r:id="rId3"/>
+              </a:rPr>
+              <a:t>/</a:t>
+            </a:r>
+            <a:endParaRPr lang="en-US" dirty="0" smtClean="0"/>
+          </a:p>
+          <a:p>
+            <a:pPr lvl="1"/>
+            <a:r>
+              <a:rPr lang="en-US" dirty="0" smtClean="0"/>
+              <a:t>Toolkit and </a:t>
+            </a:r>
+            <a:r>
+              <a:rPr lang="en-US" dirty="0"/>
+              <a:t>community site: </a:t>
+            </a:r>
+            <a:r>
+              <a:rPr lang="en-US" dirty="0">
+                <a:hlinkClick r:id="rId4"/>
+              </a:rPr>
+              <a:t>http://datacurationprofiles.org</a:t>
+            </a:r>
+            <a:r>
+              <a:rPr lang="en-US" dirty="0" smtClean="0">
+                <a:hlinkClick r:id="rId4"/>
+              </a:rPr>
+              <a:t>/</a:t>
+            </a:r>
+            <a:endParaRPr lang="en-US" dirty="0" smtClean="0"/>
+          </a:p>
+          <a:p>
+            <a:pPr lvl="1"/>
+            <a:r>
+              <a:rPr lang="en-US" dirty="0" smtClean="0"/>
+              <a:t>Paper: </a:t>
+            </a:r>
+            <a:r>
+              <a:rPr lang="en-US" dirty="0"/>
+              <a:t>Witt, M., Carlson, J., Brandt, D. S., &amp; </a:t>
+            </a:r>
+            <a:r>
+              <a:rPr lang="en-US" dirty="0" err="1"/>
+              <a:t>Cragin</a:t>
+            </a:r>
+            <a:r>
+              <a:rPr lang="en-US" dirty="0"/>
+              <a:t>, M. H. (2009). Constructing data curation profiles. </a:t>
+            </a:r>
+            <a:r>
+              <a:rPr lang="en-US" i="1" dirty="0"/>
+              <a:t>International Journal of Digital Curation</a:t>
+            </a:r>
+            <a:r>
+              <a:rPr lang="en-US" dirty="0"/>
+              <a:t>, </a:t>
+            </a:r>
+            <a:r>
+              <a:rPr lang="en-US" i="1" dirty="0"/>
+              <a:t>4</a:t>
+            </a:r>
+            <a:r>
+              <a:rPr lang="en-US" dirty="0"/>
+              <a:t>(3), 93-103.</a:t>
+            </a:r>
+            <a:r>
+              <a:rPr lang="en-US" dirty="0"/>
+              <a:t> </a:t>
+            </a:r>
+            <a:r>
+              <a:rPr lang="en-US" dirty="0">
+                <a:hlinkClick r:id="rId5"/>
+              </a:rPr>
+              <a:t>http://www.ijdc.net/index.php/ijdc/article/view/</a:t>
+            </a:r>
+            <a:r>
+              <a:rPr lang="en-US" dirty="0" smtClean="0">
+                <a:hlinkClick r:id="rId5"/>
+              </a:rPr>
+              <a:t>137</a:t>
+            </a:r>
+            <a:r>
+              <a:rPr lang="en-US" dirty="0" smtClean="0"/>
+              <a:t> </a:t>
+            </a:r>
+          </a:p>
+          <a:p>
+            <a:pPr lvl="1"/>
+            <a:endParaRPr lang="en-US" dirty="0" smtClean="0"/>
+          </a:p>
+          <a:p>
+            <a:pPr lvl="1"/>
+            <a:endParaRPr lang="en-US" dirty="0"/>
           </a:p>
         </p:txBody>
       </p:sp>
     </p:spTree>
     <p:extLst>
       <p:ext uri="{BB962C8B-B14F-4D97-AF65-F5344CB8AC3E}">
-        <p14:creationId xmlns:p14="http://schemas.microsoft.com/office/powerpoint/2010/main" val="2711732642"/>
-      </p:ext>
-    </p:extLst>
-  </p:cSld>
-  <p:clrMapOvr>
-    <a:masterClrMapping/>
-  </p:clrMapOvr>
-</p:sld>
-</file>
-
-<file path=ppt/slides/slide20.xml><?xml version="1.0" encoding="utf-8"?>
-<p:sld xmlns:a="http://schemas.openxmlformats.org/drawingml/2006/main" xmlns:r="http://schemas.openxmlformats.org/officeDocument/2006/relationships" xmlns:p="http://schemas.openxmlformats.org/presentationml/2006/main">
-  <p:cSld>
-    <p:spTree>
-      <p:nvGrpSpPr>
-        <p:cNvPr id="1" name=""/>
-        <p:cNvGrpSpPr/>
-        <p:nvPr/>
-      </p:nvGrpSpPr>
-      <p:grpSpPr>
-        <a:xfrm>
-          <a:off x="0" y="0"/>
-          <a:ext cx="0" cy="0"/>
-          <a:chOff x="0" y="0"/>
-          <a:chExt cx="0" cy="0"/>
-        </a:xfrm>
-      </p:grpSpPr>
-      <p:sp>
-        <p:nvSpPr>
-          <p:cNvPr id="2" name="Title 1"/>
-          <p:cNvSpPr>
-            <a:spLocks noGrp="1"/>
-          </p:cNvSpPr>
-          <p:nvPr>
-            <p:ph type="title"/>
-          </p:nvPr>
-        </p:nvSpPr>
-        <p:spPr/>
-        <p:txBody>
-          <a:bodyPr/>
-          <a:lstStyle/>
-          <a:p>
-            <a:r>
-              <a:rPr lang="en-US" dirty="0" smtClean="0"/>
-              <a:t>Activity (30 min)</a:t>
-            </a:r>
-            <a:endParaRPr lang="en-US" dirty="0"/>
-          </a:p>
-        </p:txBody>
-      </p:sp>
-      <p:sp>
-        <p:nvSpPr>
-          <p:cNvPr id="3" name="Content Placeholder 2"/>
-          <p:cNvSpPr>
-            <a:spLocks noGrp="1"/>
-          </p:cNvSpPr>
-          <p:nvPr>
-            <p:ph idx="1"/>
-          </p:nvPr>
-        </p:nvSpPr>
-        <p:spPr/>
-        <p:txBody>
-          <a:bodyPr/>
-          <a:lstStyle/>
-          <a:p>
-            <a:r>
-              <a:rPr lang="en-US" dirty="0" smtClean="0"/>
-              <a:t>In lieu of people, we will profile public datasets</a:t>
-            </a:r>
-          </a:p>
-          <a:p>
-            <a:r>
-              <a:rPr lang="en-US" dirty="0" smtClean="0"/>
-              <a:t>Navigate to the “Curation Profiles Data” folder, and open “</a:t>
-            </a:r>
-            <a:r>
-              <a:rPr lang="en-US" dirty="0" err="1" smtClean="0"/>
-              <a:t>datasetWorksheet.doc</a:t>
-            </a:r>
-            <a:r>
-              <a:rPr lang="en-US" dirty="0" smtClean="0"/>
-              <a:t>”</a:t>
-            </a:r>
-          </a:p>
-          <a:p>
-            <a:r>
-              <a:rPr lang="en-US" dirty="0" smtClean="0"/>
-              <a:t>Use this to profile one of the datasets linked in your workbook</a:t>
-            </a:r>
-          </a:p>
-          <a:p>
-            <a:endParaRPr lang="en-US" dirty="0" smtClean="0"/>
-          </a:p>
-        </p:txBody>
-      </p:sp>
-    </p:spTree>
-    <p:extLst>
-      <p:ext uri="{BB962C8B-B14F-4D97-AF65-F5344CB8AC3E}">
-        <p14:creationId xmlns:p14="http://schemas.microsoft.com/office/powerpoint/2010/main" val="2452948532"/>
-      </p:ext>
-    </p:extLst>
-  </p:cSld>
-  <p:clrMapOvr>
-    <a:masterClrMapping/>
-  </p:clrMapOvr>
-</p:sld>
-</file>
-
-<file path=ppt/slides/slide21.xml><?xml version="1.0" encoding="utf-8"?>
-<p:sld xmlns:a="http://schemas.openxmlformats.org/drawingml/2006/main" xmlns:r="http://schemas.openxmlformats.org/officeDocument/2006/relationships" xmlns:p="http://schemas.openxmlformats.org/presentationml/2006/main">
-  <p:cSld>
-    <p:spTree>
-      <p:nvGrpSpPr>
-        <p:cNvPr id="1" name=""/>
-        <p:cNvGrpSpPr/>
-        <p:nvPr/>
-      </p:nvGrpSpPr>
-      <p:grpSpPr>
-        <a:xfrm>
-          <a:off x="0" y="0"/>
-          <a:ext cx="0" cy="0"/>
-          <a:chOff x="0" y="0"/>
-          <a:chExt cx="0" cy="0"/>
-        </a:xfrm>
-      </p:grpSpPr>
-      <p:sp>
-        <p:nvSpPr>
-          <p:cNvPr id="2" name="Title 1"/>
-          <p:cNvSpPr>
-            <a:spLocks noGrp="1"/>
-          </p:cNvSpPr>
-          <p:nvPr>
-            <p:ph type="title"/>
-          </p:nvPr>
-        </p:nvSpPr>
-        <p:spPr/>
-        <p:txBody>
-          <a:bodyPr/>
-          <a:lstStyle/>
-          <a:p>
-            <a:r>
-              <a:rPr lang="en-US" dirty="0" smtClean="0"/>
-              <a:t>Links (if workbook not available)</a:t>
-            </a:r>
-            <a:endParaRPr lang="en-US" dirty="0"/>
-          </a:p>
-        </p:txBody>
-      </p:sp>
-      <p:sp>
-        <p:nvSpPr>
-          <p:cNvPr id="3" name="Content Placeholder 2"/>
-          <p:cNvSpPr>
-            <a:spLocks noGrp="1"/>
-          </p:cNvSpPr>
-          <p:nvPr>
-            <p:ph idx="1"/>
-          </p:nvPr>
-        </p:nvSpPr>
-        <p:spPr/>
-        <p:txBody>
-          <a:bodyPr/>
-          <a:lstStyle/>
-          <a:p>
-            <a:r>
-              <a:rPr lang="en-US" dirty="0" err="1" smtClean="0"/>
-              <a:t>HathiTrust</a:t>
-            </a:r>
-            <a:r>
-              <a:rPr lang="en-US" dirty="0" smtClean="0"/>
-              <a:t> data</a:t>
-            </a:r>
-          </a:p>
-          <a:p>
-            <a:pPr lvl="1"/>
-            <a:r>
-              <a:rPr lang="en-US" dirty="0">
-                <a:hlinkClick r:id="rId2"/>
-              </a:rPr>
-              <a:t>http://bit.ly/</a:t>
-            </a:r>
-            <a:r>
-              <a:rPr lang="en-US" dirty="0" smtClean="0">
-                <a:hlinkClick r:id="rId2"/>
-              </a:rPr>
-              <a:t>1FfscoC</a:t>
-            </a:r>
-            <a:r>
-              <a:rPr lang="en-US" dirty="0" smtClean="0"/>
-              <a:t> for data</a:t>
-            </a:r>
-          </a:p>
-          <a:p>
-            <a:pPr lvl="1"/>
-            <a:r>
-              <a:rPr lang="en-US" dirty="0">
-                <a:hlinkClick r:id="rId3"/>
-              </a:rPr>
-              <a:t>http://bit.ly/</a:t>
-            </a:r>
-            <a:r>
-              <a:rPr lang="en-US" dirty="0" smtClean="0">
-                <a:hlinkClick r:id="rId3"/>
-              </a:rPr>
-              <a:t>1zXuXI3</a:t>
-            </a:r>
-            <a:r>
-              <a:rPr lang="en-US" dirty="0" smtClean="0"/>
-              <a:t> for further reading</a:t>
-            </a:r>
-          </a:p>
-          <a:p>
-            <a:pPr lvl="1"/>
-            <a:endParaRPr lang="en-US" dirty="0"/>
-          </a:p>
-          <a:p>
-            <a:r>
-              <a:rPr lang="en-US" dirty="0" smtClean="0"/>
-              <a:t>HK 2011 population data</a:t>
-            </a:r>
-          </a:p>
-          <a:p>
-            <a:pPr lvl="1"/>
-            <a:r>
-              <a:rPr lang="en-US" dirty="0">
-                <a:hlinkClick r:id="rId4"/>
-              </a:rPr>
-              <a:t>http://bit.ly/</a:t>
-            </a:r>
-            <a:r>
-              <a:rPr lang="en-US" dirty="0" smtClean="0">
-                <a:hlinkClick r:id="rId4"/>
-              </a:rPr>
-              <a:t>1EzHjpg</a:t>
-            </a:r>
-            <a:r>
-              <a:rPr lang="en-US" dirty="0" smtClean="0"/>
-              <a:t> for main tables</a:t>
-            </a:r>
-          </a:p>
-          <a:p>
-            <a:pPr lvl="1"/>
-            <a:r>
-              <a:rPr lang="en-US" dirty="0">
-                <a:hlinkClick r:id="rId5"/>
-              </a:rPr>
-              <a:t>http://bit.ly/</a:t>
-            </a:r>
-            <a:r>
-              <a:rPr lang="en-US" dirty="0" smtClean="0">
-                <a:hlinkClick r:id="rId5"/>
-              </a:rPr>
-              <a:t>1FQ7d9w</a:t>
-            </a:r>
-            <a:r>
-              <a:rPr lang="en-US" dirty="0" smtClean="0"/>
-              <a:t> for district profiles</a:t>
-            </a:r>
-            <a:endParaRPr lang="en-US" dirty="0"/>
-          </a:p>
-        </p:txBody>
-      </p:sp>
-    </p:spTree>
-    <p:extLst>
-      <p:ext uri="{BB962C8B-B14F-4D97-AF65-F5344CB8AC3E}">
-        <p14:creationId xmlns:p14="http://schemas.microsoft.com/office/powerpoint/2010/main" val="1901104161"/>
-      </p:ext>
-    </p:extLst>
-  </p:cSld>
-  <p:clrMapOvr>
-    <a:masterClrMapping/>
-  </p:clrMapOvr>
-</p:sld>
-</file>
-
-<file path=ppt/slides/slide22.xml><?xml version="1.0" encoding="utf-8"?>
-<p:sld xmlns:a="http://schemas.openxmlformats.org/drawingml/2006/main" xmlns:r="http://schemas.openxmlformats.org/officeDocument/2006/relationships" xmlns:p="http://schemas.openxmlformats.org/presentationml/2006/main">
-  <p:cSld>
-    <p:spTree>
-      <p:nvGrpSpPr>
-        <p:cNvPr id="1" name=""/>
-        <p:cNvGrpSpPr/>
-        <p:nvPr/>
-      </p:nvGrpSpPr>
-      <p:grpSpPr>
-        <a:xfrm>
-          <a:off x="0" y="0"/>
-          <a:ext cx="0" cy="0"/>
-          <a:chOff x="0" y="0"/>
-          <a:chExt cx="0" cy="0"/>
-        </a:xfrm>
-      </p:grpSpPr>
-      <p:sp>
-        <p:nvSpPr>
-          <p:cNvPr id="2" name="Title 1"/>
-          <p:cNvSpPr>
-            <a:spLocks noGrp="1"/>
-          </p:cNvSpPr>
-          <p:nvPr>
-            <p:ph type="title"/>
-          </p:nvPr>
-        </p:nvSpPr>
-        <p:spPr/>
-        <p:txBody>
-          <a:bodyPr/>
-          <a:lstStyle/>
-          <a:p>
-            <a:r>
-              <a:rPr lang="en-US" dirty="0" smtClean="0"/>
-              <a:t>Discussion</a:t>
-            </a:r>
-            <a:endParaRPr lang="en-US" dirty="0"/>
-          </a:p>
-        </p:txBody>
-      </p:sp>
-      <p:sp>
-        <p:nvSpPr>
-          <p:cNvPr id="3" name="Content Placeholder 2"/>
-          <p:cNvSpPr>
-            <a:spLocks noGrp="1"/>
-          </p:cNvSpPr>
-          <p:nvPr>
-            <p:ph idx="1"/>
-          </p:nvPr>
-        </p:nvSpPr>
-        <p:spPr/>
-        <p:txBody>
-          <a:bodyPr/>
-          <a:lstStyle/>
-          <a:p>
-            <a:r>
-              <a:rPr lang="en-US" dirty="0" smtClean="0"/>
-              <a:t>If you could interview these </a:t>
-            </a:r>
-            <a:r>
-              <a:rPr lang="en-US" dirty="0" err="1" smtClean="0"/>
-              <a:t>datasets’</a:t>
-            </a:r>
-            <a:r>
-              <a:rPr lang="en-US" dirty="0" smtClean="0"/>
-              <a:t> creators, what </a:t>
-            </a:r>
-            <a:r>
-              <a:rPr lang="en-US" dirty="0"/>
-              <a:t>further questions would you ask?</a:t>
-            </a:r>
-          </a:p>
-          <a:p>
-            <a:r>
-              <a:rPr lang="en-US" dirty="0"/>
-              <a:t>What additional information would you </a:t>
-            </a:r>
-            <a:r>
-              <a:rPr lang="en-US" dirty="0" smtClean="0"/>
-              <a:t>need to create a full profile?</a:t>
-            </a:r>
-            <a:endParaRPr lang="en-US" dirty="0"/>
-          </a:p>
-          <a:p>
-            <a:endParaRPr lang="en-US" dirty="0"/>
-          </a:p>
-        </p:txBody>
-      </p:sp>
-    </p:spTree>
-    <p:extLst>
-      <p:ext uri="{BB962C8B-B14F-4D97-AF65-F5344CB8AC3E}">
-        <p14:creationId xmlns:p14="http://schemas.microsoft.com/office/powerpoint/2010/main" val="3351398477"/>
-      </p:ext>
-    </p:extLst>
-  </p:cSld>
-  <p:clrMapOvr>
-    <a:masterClrMapping/>
-  </p:clrMapOvr>
-</p:sld>
-</file>
-
-<file path=ppt/slides/slide23.xml><?xml version="1.0" encoding="utf-8"?>
-<p:sld xmlns:a="http://schemas.openxmlformats.org/drawingml/2006/main" xmlns:r="http://schemas.openxmlformats.org/officeDocument/2006/relationships" xmlns:p="http://schemas.openxmlformats.org/presentationml/2006/main">
-  <p:cSld>
-    <p:spTree>
-      <p:nvGrpSpPr>
-        <p:cNvPr id="1" name=""/>
-        <p:cNvGrpSpPr/>
-        <p:nvPr/>
-      </p:nvGrpSpPr>
-      <p:grpSpPr>
-        <a:xfrm>
-          <a:off x="0" y="0"/>
-          <a:ext cx="0" cy="0"/>
-          <a:chOff x="0" y="0"/>
-          <a:chExt cx="0" cy="0"/>
-        </a:xfrm>
-      </p:grpSpPr>
-      <p:sp>
-        <p:nvSpPr>
-          <p:cNvPr id="2" name="Title 1"/>
-          <p:cNvSpPr>
-            <a:spLocks noGrp="1"/>
-          </p:cNvSpPr>
-          <p:nvPr>
-            <p:ph type="title"/>
-          </p:nvPr>
-        </p:nvSpPr>
-        <p:spPr/>
-        <p:txBody>
-          <a:bodyPr/>
-          <a:lstStyle/>
-          <a:p>
-            <a:endParaRPr lang="en-US"/>
-          </a:p>
-        </p:txBody>
-      </p:sp>
-      <p:sp>
-        <p:nvSpPr>
-          <p:cNvPr id="3" name="Content Placeholder 2"/>
-          <p:cNvSpPr>
-            <a:spLocks noGrp="1"/>
-          </p:cNvSpPr>
-          <p:nvPr>
-            <p:ph idx="1"/>
-          </p:nvPr>
-        </p:nvSpPr>
-        <p:spPr/>
-        <p:txBody>
-          <a:bodyPr/>
-          <a:lstStyle/>
-          <a:p>
-            <a:endParaRPr lang="en-US" dirty="0"/>
-          </a:p>
-          <a:p>
-            <a:r>
-              <a:rPr lang="en-US" dirty="0" smtClean="0"/>
-              <a:t>Developed by California Digital Libraries</a:t>
-            </a:r>
-          </a:p>
-          <a:p>
-            <a:r>
-              <a:rPr lang="en-US" dirty="0" err="1" smtClean="0"/>
-              <a:t>Templating</a:t>
-            </a:r>
-            <a:r>
-              <a:rPr lang="en-US" dirty="0" smtClean="0"/>
-              <a:t> tool to help librarians and researchers create data management plans</a:t>
-            </a:r>
-          </a:p>
-          <a:p>
-            <a:pPr marL="0" indent="0">
-              <a:buNone/>
-            </a:pPr>
-            <a:endParaRPr lang="en-US" dirty="0"/>
-          </a:p>
-        </p:txBody>
-      </p:sp>
-      <p:pic>
-        <p:nvPicPr>
-          <p:cNvPr id="4" name="Picture 3" descr="images.jpg"/>
-          <p:cNvPicPr>
-            <a:picLocks noChangeAspect="1"/>
-          </p:cNvPicPr>
-          <p:nvPr/>
-        </p:nvPicPr>
-        <p:blipFill>
-          <a:blip r:embed="rId2">
-            <a:extLst>
-              <a:ext uri="{28A0092B-C50C-407E-A947-70E740481C1C}">
-                <a14:useLocalDpi xmlns:a14="http://schemas.microsoft.com/office/drawing/2010/main" val="0"/>
-              </a:ext>
-            </a:extLst>
-          </a:blip>
-          <a:stretch>
-            <a:fillRect/>
-          </a:stretch>
-        </p:blipFill>
-        <p:spPr>
-          <a:xfrm>
-            <a:off x="1839255" y="262716"/>
-            <a:ext cx="5473700" cy="1485900"/>
-          </a:xfrm>
-          <a:prstGeom prst="rect">
-            <a:avLst/>
-          </a:prstGeom>
-        </p:spPr>
-      </p:pic>
-    </p:spTree>
-    <p:extLst>
-      <p:ext uri="{BB962C8B-B14F-4D97-AF65-F5344CB8AC3E}">
-        <p14:creationId xmlns:p14="http://schemas.microsoft.com/office/powerpoint/2010/main" val="2323156724"/>
-      </p:ext>
-    </p:extLst>
-  </p:cSld>
-  <p:clrMapOvr>
-    <a:masterClrMapping/>
-  </p:clrMapOvr>
-</p:sld>
-</file>
-
-<file path=ppt/slides/slide24.xml><?xml version="1.0" encoding="utf-8"?>
-<p:sld xmlns:a="http://schemas.openxmlformats.org/drawingml/2006/main" xmlns:r="http://schemas.openxmlformats.org/officeDocument/2006/relationships" xmlns:p="http://schemas.openxmlformats.org/presentationml/2006/main">
-  <p:cSld>
-    <p:spTree>
-      <p:nvGrpSpPr>
-        <p:cNvPr id="1" name=""/>
-        <p:cNvGrpSpPr/>
-        <p:nvPr/>
-      </p:nvGrpSpPr>
-      <p:grpSpPr>
-        <a:xfrm>
-          <a:off x="0" y="0"/>
-          <a:ext cx="0" cy="0"/>
-          <a:chOff x="0" y="0"/>
-          <a:chExt cx="0" cy="0"/>
-        </a:xfrm>
-      </p:grpSpPr>
-      <p:sp>
-        <p:nvSpPr>
-          <p:cNvPr id="2" name="Title 1"/>
-          <p:cNvSpPr>
-            <a:spLocks noGrp="1"/>
-          </p:cNvSpPr>
-          <p:nvPr>
-            <p:ph type="title"/>
-          </p:nvPr>
-        </p:nvSpPr>
-        <p:spPr/>
-        <p:txBody>
-          <a:bodyPr/>
-          <a:lstStyle/>
-          <a:p>
-            <a:r>
-              <a:rPr lang="en-US" dirty="0" smtClean="0"/>
-              <a:t>Go to </a:t>
-            </a:r>
-            <a:r>
-              <a:rPr lang="en-US" dirty="0" err="1" smtClean="0"/>
-              <a:t>dmptool.org</a:t>
-            </a:r>
-            <a:r>
-              <a:rPr lang="en-US" dirty="0" smtClean="0"/>
-              <a:t>, click “log in”</a:t>
-            </a:r>
-            <a:endParaRPr lang="en-US" dirty="0"/>
-          </a:p>
-        </p:txBody>
-      </p:sp>
-      <p:sp>
-        <p:nvSpPr>
-          <p:cNvPr id="3" name="Content Placeholder 2"/>
-          <p:cNvSpPr>
-            <a:spLocks noGrp="1"/>
-          </p:cNvSpPr>
-          <p:nvPr>
-            <p:ph idx="1"/>
-          </p:nvPr>
-        </p:nvSpPr>
-        <p:spPr/>
-        <p:txBody>
-          <a:bodyPr/>
-          <a:lstStyle/>
-          <a:p>
-            <a:endParaRPr lang="en-US"/>
-          </a:p>
-        </p:txBody>
-      </p:sp>
-      <p:pic>
-        <p:nvPicPr>
-          <p:cNvPr id="4" name="Picture 3" descr="dmptool1.tiff"/>
-          <p:cNvPicPr>
-            <a:picLocks noChangeAspect="1"/>
-          </p:cNvPicPr>
-          <p:nvPr/>
-        </p:nvPicPr>
-        <p:blipFill>
-          <a:blip r:embed="rId2">
-            <a:extLst>
-              <a:ext uri="{28A0092B-C50C-407E-A947-70E740481C1C}">
-                <a14:useLocalDpi xmlns:a14="http://schemas.microsoft.com/office/drawing/2010/main" val="0"/>
-              </a:ext>
-            </a:extLst>
-          </a:blip>
-          <a:stretch>
-            <a:fillRect/>
-          </a:stretch>
-        </p:blipFill>
-        <p:spPr>
-          <a:xfrm>
-            <a:off x="0" y="1600200"/>
-            <a:ext cx="9144000" cy="4033332"/>
-          </a:xfrm>
-          <a:prstGeom prst="rect">
-            <a:avLst/>
-          </a:prstGeom>
-        </p:spPr>
-      </p:pic>
-    </p:spTree>
-    <p:extLst>
-      <p:ext uri="{BB962C8B-B14F-4D97-AF65-F5344CB8AC3E}">
-        <p14:creationId xmlns:p14="http://schemas.microsoft.com/office/powerpoint/2010/main" val="1514681900"/>
-      </p:ext>
-    </p:extLst>
-  </p:cSld>
-  <p:clrMapOvr>
-    <a:masterClrMapping/>
-  </p:clrMapOvr>
-</p:sld>
-</file>
-
-<file path=ppt/slides/slide25.xml><?xml version="1.0" encoding="utf-8"?>
-<p:sld xmlns:a="http://schemas.openxmlformats.org/drawingml/2006/main" xmlns:r="http://schemas.openxmlformats.org/officeDocument/2006/relationships" xmlns:p="http://schemas.openxmlformats.org/presentationml/2006/main">
-  <p:cSld>
-    <p:spTree>
-      <p:nvGrpSpPr>
-        <p:cNvPr id="1" name=""/>
-        <p:cNvGrpSpPr/>
-        <p:nvPr/>
-      </p:nvGrpSpPr>
-      <p:grpSpPr>
-        <a:xfrm>
-          <a:off x="0" y="0"/>
-          <a:ext cx="0" cy="0"/>
-          <a:chOff x="0" y="0"/>
-          <a:chExt cx="0" cy="0"/>
-        </a:xfrm>
-      </p:grpSpPr>
-      <p:sp>
-        <p:nvSpPr>
-          <p:cNvPr id="2" name="Title 1"/>
-          <p:cNvSpPr>
-            <a:spLocks noGrp="1"/>
-          </p:cNvSpPr>
-          <p:nvPr>
-            <p:ph type="title"/>
-          </p:nvPr>
-        </p:nvSpPr>
-        <p:spPr/>
-        <p:txBody>
-          <a:bodyPr>
-            <a:normAutofit fontScale="90000"/>
-          </a:bodyPr>
-          <a:lstStyle/>
-          <a:p>
-            <a:r>
-              <a:rPr lang="en-US" dirty="0" smtClean="0"/>
-              <a:t>Select “not in list”, create an account</a:t>
-            </a:r>
-            <a:endParaRPr lang="en-US" dirty="0"/>
-          </a:p>
-        </p:txBody>
-      </p:sp>
-      <p:sp>
-        <p:nvSpPr>
-          <p:cNvPr id="3" name="Content Placeholder 2"/>
-          <p:cNvSpPr>
-            <a:spLocks noGrp="1"/>
-          </p:cNvSpPr>
-          <p:nvPr>
-            <p:ph idx="1"/>
-          </p:nvPr>
-        </p:nvSpPr>
-        <p:spPr/>
-        <p:txBody>
-          <a:bodyPr/>
-          <a:lstStyle/>
-          <a:p>
-            <a:endParaRPr lang="en-US"/>
-          </a:p>
-        </p:txBody>
-      </p:sp>
-      <p:pic>
-        <p:nvPicPr>
-          <p:cNvPr id="4" name="Picture 3" descr="dmptool2.tiff"/>
-          <p:cNvPicPr>
-            <a:picLocks noChangeAspect="1"/>
-          </p:cNvPicPr>
-          <p:nvPr/>
-        </p:nvPicPr>
-        <p:blipFill>
-          <a:blip r:embed="rId2">
-            <a:extLst>
-              <a:ext uri="{28A0092B-C50C-407E-A947-70E740481C1C}">
-                <a14:useLocalDpi xmlns:a14="http://schemas.microsoft.com/office/drawing/2010/main" val="0"/>
-              </a:ext>
-            </a:extLst>
-          </a:blip>
-          <a:stretch>
-            <a:fillRect/>
-          </a:stretch>
-        </p:blipFill>
-        <p:spPr>
-          <a:xfrm>
-            <a:off x="0" y="1576781"/>
-            <a:ext cx="9144000" cy="3764652"/>
-          </a:xfrm>
-          <a:prstGeom prst="rect">
-            <a:avLst/>
-          </a:prstGeom>
-        </p:spPr>
-      </p:pic>
-    </p:spTree>
-    <p:extLst>
-      <p:ext uri="{BB962C8B-B14F-4D97-AF65-F5344CB8AC3E}">
-        <p14:creationId xmlns:p14="http://schemas.microsoft.com/office/powerpoint/2010/main" val="2656340633"/>
-      </p:ext>
-    </p:extLst>
-  </p:cSld>
-  <p:clrMapOvr>
-    <a:masterClrMapping/>
-  </p:clrMapOvr>
-</p:sld>
-</file>
-
-<file path=ppt/slides/slide26.xml><?xml version="1.0" encoding="utf-8"?>
-<p:sld xmlns:a="http://schemas.openxmlformats.org/drawingml/2006/main" xmlns:r="http://schemas.openxmlformats.org/officeDocument/2006/relationships" xmlns:p="http://schemas.openxmlformats.org/presentationml/2006/main">
-  <p:cSld>
-    <p:spTree>
-      <p:nvGrpSpPr>
-        <p:cNvPr id="1" name=""/>
-        <p:cNvGrpSpPr/>
-        <p:nvPr/>
-      </p:nvGrpSpPr>
-      <p:grpSpPr>
-        <a:xfrm>
-          <a:off x="0" y="0"/>
-          <a:ext cx="0" cy="0"/>
-          <a:chOff x="0" y="0"/>
-          <a:chExt cx="0" cy="0"/>
-        </a:xfrm>
-      </p:grpSpPr>
-      <p:sp>
-        <p:nvSpPr>
-          <p:cNvPr id="2" name="Title 1"/>
-          <p:cNvSpPr>
-            <a:spLocks noGrp="1"/>
-          </p:cNvSpPr>
-          <p:nvPr>
-            <p:ph type="title"/>
-          </p:nvPr>
-        </p:nvSpPr>
-        <p:spPr/>
-        <p:txBody>
-          <a:bodyPr/>
-          <a:lstStyle/>
-          <a:p>
-            <a:r>
-              <a:rPr lang="en-US" dirty="0" smtClean="0"/>
-              <a:t>Select “Create a New DMP”</a:t>
-            </a:r>
-            <a:endParaRPr lang="en-US" dirty="0"/>
-          </a:p>
-        </p:txBody>
-      </p:sp>
-      <p:sp>
-        <p:nvSpPr>
-          <p:cNvPr id="3" name="Content Placeholder 2"/>
-          <p:cNvSpPr>
-            <a:spLocks noGrp="1"/>
-          </p:cNvSpPr>
-          <p:nvPr>
-            <p:ph idx="1"/>
-          </p:nvPr>
-        </p:nvSpPr>
-        <p:spPr/>
-        <p:txBody>
-          <a:bodyPr/>
-          <a:lstStyle/>
-          <a:p>
-            <a:endParaRPr lang="en-US" dirty="0"/>
-          </a:p>
-        </p:txBody>
-      </p:sp>
-      <p:pic>
-        <p:nvPicPr>
-          <p:cNvPr id="4" name="Picture 3" descr="dmptool3.tiff"/>
-          <p:cNvPicPr>
-            <a:picLocks noChangeAspect="1"/>
-          </p:cNvPicPr>
-          <p:nvPr/>
-        </p:nvPicPr>
-        <p:blipFill>
-          <a:blip r:embed="rId2">
-            <a:extLst>
-              <a:ext uri="{28A0092B-C50C-407E-A947-70E740481C1C}">
-                <a14:useLocalDpi xmlns:a14="http://schemas.microsoft.com/office/drawing/2010/main" val="0"/>
-              </a:ext>
-            </a:extLst>
-          </a:blip>
-          <a:stretch>
-            <a:fillRect/>
-          </a:stretch>
-        </p:blipFill>
-        <p:spPr>
-          <a:xfrm>
-            <a:off x="0" y="1570889"/>
-            <a:ext cx="9144000" cy="4282068"/>
-          </a:xfrm>
-          <a:prstGeom prst="rect">
-            <a:avLst/>
-          </a:prstGeom>
-        </p:spPr>
-      </p:pic>
-    </p:spTree>
-    <p:extLst>
-      <p:ext uri="{BB962C8B-B14F-4D97-AF65-F5344CB8AC3E}">
-        <p14:creationId xmlns:p14="http://schemas.microsoft.com/office/powerpoint/2010/main" val="4024535176"/>
-      </p:ext>
-    </p:extLst>
-  </p:cSld>
-  <p:clrMapOvr>
-    <a:masterClrMapping/>
-  </p:clrMapOvr>
-</p:sld>
-</file>
-
-<file path=ppt/slides/slide27.xml><?xml version="1.0" encoding="utf-8"?>
-<p:sld xmlns:a="http://schemas.openxmlformats.org/drawingml/2006/main" xmlns:r="http://schemas.openxmlformats.org/officeDocument/2006/relationships" xmlns:p="http://schemas.openxmlformats.org/presentationml/2006/main">
-  <p:cSld>
-    <p:spTree>
-      <p:nvGrpSpPr>
-        <p:cNvPr id="1" name=""/>
-        <p:cNvGrpSpPr/>
-        <p:nvPr/>
-      </p:nvGrpSpPr>
-      <p:grpSpPr>
-        <a:xfrm>
-          <a:off x="0" y="0"/>
-          <a:ext cx="0" cy="0"/>
-          <a:chOff x="0" y="0"/>
-          <a:chExt cx="0" cy="0"/>
-        </a:xfrm>
-      </p:grpSpPr>
-      <p:sp>
-        <p:nvSpPr>
-          <p:cNvPr id="2" name="Title 1"/>
-          <p:cNvSpPr>
-            <a:spLocks noGrp="1"/>
-          </p:cNvSpPr>
-          <p:nvPr>
-            <p:ph type="title"/>
-          </p:nvPr>
-        </p:nvSpPr>
-        <p:spPr/>
-        <p:txBody>
-          <a:bodyPr/>
-          <a:lstStyle/>
-          <a:p>
-            <a:r>
-              <a:rPr lang="en-US" dirty="0" smtClean="0"/>
-              <a:t>Exploring the DMP Tool</a:t>
-            </a:r>
-            <a:endParaRPr lang="en-US" dirty="0"/>
-          </a:p>
-        </p:txBody>
-      </p:sp>
-      <p:sp>
-        <p:nvSpPr>
-          <p:cNvPr id="3" name="Content Placeholder 2"/>
-          <p:cNvSpPr>
-            <a:spLocks noGrp="1"/>
-          </p:cNvSpPr>
-          <p:nvPr>
-            <p:ph idx="1"/>
-          </p:nvPr>
-        </p:nvSpPr>
-        <p:spPr/>
-        <p:txBody>
-          <a:bodyPr/>
-          <a:lstStyle/>
-          <a:p>
-            <a:r>
-              <a:rPr lang="en-US" dirty="0" smtClean="0"/>
-              <a:t>Try selecting different templates – what are the differences?  What could be used in your work?</a:t>
-            </a:r>
-          </a:p>
-          <a:p>
-            <a:r>
-              <a:rPr lang="en-US" dirty="0" smtClean="0"/>
-              <a:t>Try copying existing templates – when would these be helpful?</a:t>
-            </a:r>
-            <a:endParaRPr lang="en-US" dirty="0"/>
-          </a:p>
-        </p:txBody>
-      </p:sp>
-    </p:spTree>
-    <p:extLst>
-      <p:ext uri="{BB962C8B-B14F-4D97-AF65-F5344CB8AC3E}">
-        <p14:creationId xmlns:p14="http://schemas.microsoft.com/office/powerpoint/2010/main" val="2160140463"/>
-      </p:ext>
-    </p:extLst>
-  </p:cSld>
-  <p:clrMapOvr>
-    <a:masterClrMapping/>
-  </p:clrMapOvr>
-</p:sld>
-</file>
-
-<file path=ppt/slides/slide28.xml><?xml version="1.0" encoding="utf-8"?>
-<p:sld xmlns:a="http://schemas.openxmlformats.org/drawingml/2006/main" xmlns:r="http://schemas.openxmlformats.org/officeDocument/2006/relationships" xmlns:p="http://schemas.openxmlformats.org/presentationml/2006/main">
-  <p:cSld>
-    <p:spTree>
-      <p:nvGrpSpPr>
-        <p:cNvPr id="1" name=""/>
-        <p:cNvGrpSpPr/>
-        <p:nvPr/>
-      </p:nvGrpSpPr>
-      <p:grpSpPr>
-        <a:xfrm>
-          <a:off x="0" y="0"/>
-          <a:ext cx="0" cy="0"/>
-          <a:chOff x="0" y="0"/>
-          <a:chExt cx="0" cy="0"/>
-        </a:xfrm>
-      </p:grpSpPr>
-      <p:sp>
-        <p:nvSpPr>
-          <p:cNvPr id="2" name="Title 1"/>
-          <p:cNvSpPr>
-            <a:spLocks noGrp="1"/>
-          </p:cNvSpPr>
-          <p:nvPr>
-            <p:ph type="title"/>
-          </p:nvPr>
-        </p:nvSpPr>
-        <p:spPr/>
-        <p:txBody>
-          <a:bodyPr>
-            <a:normAutofit/>
-          </a:bodyPr>
-          <a:lstStyle/>
-          <a:p>
-            <a:r>
-              <a:rPr lang="en-US" dirty="0" smtClean="0"/>
-              <a:t>Activity: Make a DMP</a:t>
-            </a:r>
-            <a:endParaRPr lang="en-US" dirty="0"/>
-          </a:p>
-        </p:txBody>
-      </p:sp>
-      <p:sp>
-        <p:nvSpPr>
-          <p:cNvPr id="3" name="Content Placeholder 2"/>
-          <p:cNvSpPr>
-            <a:spLocks noGrp="1"/>
-          </p:cNvSpPr>
-          <p:nvPr>
-            <p:ph idx="1"/>
-          </p:nvPr>
-        </p:nvSpPr>
-        <p:spPr/>
-        <p:txBody>
-          <a:bodyPr/>
-          <a:lstStyle/>
-          <a:p>
-            <a:r>
-              <a:rPr lang="en-US" dirty="0" smtClean="0"/>
-              <a:t>Using the worksheet from the last activity, make a Data Management Plan using the DMP Tool.</a:t>
-            </a:r>
-          </a:p>
-          <a:p>
-            <a:endParaRPr lang="en-US" dirty="0"/>
-          </a:p>
-        </p:txBody>
-      </p:sp>
-    </p:spTree>
-    <p:extLst>
-      <p:ext uri="{BB962C8B-B14F-4D97-AF65-F5344CB8AC3E}">
-        <p14:creationId xmlns:p14="http://schemas.microsoft.com/office/powerpoint/2010/main" val="2286992972"/>
-      </p:ext>
-    </p:extLst>
-  </p:cSld>
-  <p:clrMapOvr>
-    <a:masterClrMapping/>
-  </p:clrMapOvr>
-</p:sld>
-</file>
-
-<file path=ppt/slides/slide29.xml><?xml version="1.0" encoding="utf-8"?>
-<p:sld xmlns:a="http://schemas.openxmlformats.org/drawingml/2006/main" xmlns:r="http://schemas.openxmlformats.org/officeDocument/2006/relationships" xmlns:p="http://schemas.openxmlformats.org/presentationml/2006/main">
-  <p:cSld>
-    <p:spTree>
-      <p:nvGrpSpPr>
-        <p:cNvPr id="1" name=""/>
-        <p:cNvGrpSpPr/>
-        <p:nvPr/>
-      </p:nvGrpSpPr>
-      <p:grpSpPr>
-        <a:xfrm>
-          <a:off x="0" y="0"/>
-          <a:ext cx="0" cy="0"/>
-          <a:chOff x="0" y="0"/>
-          <a:chExt cx="0" cy="0"/>
-        </a:xfrm>
-      </p:grpSpPr>
-      <p:sp>
-        <p:nvSpPr>
-          <p:cNvPr id="2" name="Title 1"/>
-          <p:cNvSpPr>
-            <a:spLocks noGrp="1"/>
-          </p:cNvSpPr>
-          <p:nvPr>
-            <p:ph type="title"/>
-          </p:nvPr>
-        </p:nvSpPr>
-        <p:spPr/>
-        <p:txBody>
-          <a:bodyPr/>
-          <a:lstStyle/>
-          <a:p>
-            <a:r>
-              <a:rPr lang="en-US" dirty="0" smtClean="0"/>
-              <a:t>Discussion</a:t>
-            </a:r>
-            <a:endParaRPr lang="en-US" dirty="0"/>
-          </a:p>
-        </p:txBody>
-      </p:sp>
-      <p:sp>
-        <p:nvSpPr>
-          <p:cNvPr id="3" name="Content Placeholder 2"/>
-          <p:cNvSpPr>
-            <a:spLocks noGrp="1"/>
-          </p:cNvSpPr>
-          <p:nvPr>
-            <p:ph idx="1"/>
-          </p:nvPr>
-        </p:nvSpPr>
-        <p:spPr/>
-        <p:txBody>
-          <a:bodyPr/>
-          <a:lstStyle/>
-          <a:p>
-            <a:r>
-              <a:rPr lang="en-US" dirty="0" smtClean="0"/>
-              <a:t>Did the worksheet provide you with enough information to write a DMP?</a:t>
-            </a:r>
-            <a:endParaRPr lang="en-US" dirty="0"/>
-          </a:p>
-          <a:p>
-            <a:r>
-              <a:rPr lang="en-US" dirty="0" smtClean="0"/>
-              <a:t>How would you use this tool in your work?</a:t>
-            </a:r>
-          </a:p>
-          <a:p>
-            <a:r>
-              <a:rPr lang="en-US" dirty="0" smtClean="0"/>
-              <a:t>Would you be interested in creating templates with the </a:t>
-            </a:r>
-            <a:r>
-              <a:rPr lang="en-US" dirty="0" err="1" smtClean="0"/>
-              <a:t>DMPTool</a:t>
-            </a:r>
-            <a:r>
-              <a:rPr lang="en-US" dirty="0" smtClean="0"/>
-              <a:t>?</a:t>
-            </a:r>
-            <a:endParaRPr lang="en-US" dirty="0"/>
-          </a:p>
-        </p:txBody>
-      </p:sp>
-    </p:spTree>
-    <p:extLst>
-      <p:ext uri="{BB962C8B-B14F-4D97-AF65-F5344CB8AC3E}">
-        <p14:creationId xmlns:p14="http://schemas.microsoft.com/office/powerpoint/2010/main" val="300988559"/>
-      </p:ext>
-    </p:extLst>
-  </p:cSld>
-  <p:clrMapOvr>
-    <a:masterClrMapping/>
-  </p:clrMapOvr>
-</p:sld>
-</file>
-
-<file path=ppt/slides/slide3.xml><?xml version="1.0" encoding="utf-8"?>
-<p:sld xmlns:a="http://schemas.openxmlformats.org/drawingml/2006/main" xmlns:r="http://schemas.openxmlformats.org/officeDocument/2006/relationships" xmlns:p="http://schemas.openxmlformats.org/presentationml/2006/main">
-  <p:cSld>
-    <p:spTree>
-      <p:nvGrpSpPr>
-        <p:cNvPr id="1" name=""/>
-        <p:cNvGrpSpPr/>
-        <p:nvPr/>
-      </p:nvGrpSpPr>
-      <p:grpSpPr>
-        <a:xfrm>
-          <a:off x="0" y="0"/>
-          <a:ext cx="0" cy="0"/>
-          <a:chOff x="0" y="0"/>
-          <a:chExt cx="0" cy="0"/>
-        </a:xfrm>
-      </p:grpSpPr>
-      <p:sp>
-        <p:nvSpPr>
-          <p:cNvPr id="2" name="Title 1"/>
-          <p:cNvSpPr>
-            <a:spLocks noGrp="1"/>
-          </p:cNvSpPr>
-          <p:nvPr>
-            <p:ph type="title"/>
-          </p:nvPr>
-        </p:nvSpPr>
-        <p:spPr/>
-        <p:txBody>
-          <a:bodyPr/>
-          <a:lstStyle/>
-          <a:p>
-            <a:r>
-              <a:rPr lang="en-US" dirty="0" smtClean="0"/>
-              <a:t>Second:</a:t>
-            </a:r>
-            <a:endParaRPr lang="en-US" dirty="0"/>
-          </a:p>
-        </p:txBody>
-      </p:sp>
-      <p:sp>
-        <p:nvSpPr>
-          <p:cNvPr id="3" name="Content Placeholder 2"/>
-          <p:cNvSpPr>
-            <a:spLocks noGrp="1"/>
-          </p:cNvSpPr>
-          <p:nvPr>
-            <p:ph idx="1"/>
-          </p:nvPr>
-        </p:nvSpPr>
-        <p:spPr/>
-        <p:txBody>
-          <a:bodyPr/>
-          <a:lstStyle/>
-          <a:p>
-            <a:r>
-              <a:rPr lang="en-US" dirty="0" smtClean="0"/>
-              <a:t>Labs:</a:t>
-            </a:r>
-          </a:p>
-          <a:p>
-            <a:pPr lvl="1"/>
-            <a:r>
-              <a:rPr lang="en-US" dirty="0" smtClean="0"/>
-              <a:t>Wed: Curation Profiles and </a:t>
-            </a:r>
-            <a:r>
-              <a:rPr lang="en-US" dirty="0" err="1" smtClean="0"/>
-              <a:t>DMPTool</a:t>
-            </a:r>
-            <a:endParaRPr lang="en-US" dirty="0" smtClean="0"/>
-          </a:p>
-          <a:p>
-            <a:pPr lvl="1"/>
-            <a:r>
-              <a:rPr lang="en-US" dirty="0" smtClean="0"/>
-              <a:t>Thurs: Data Curation with Open Refine</a:t>
-            </a:r>
-          </a:p>
-          <a:p>
-            <a:pPr lvl="1"/>
-            <a:r>
-              <a:rPr lang="en-US" dirty="0" smtClean="0"/>
-              <a:t>Fri: Systems Analysis for Data Curation </a:t>
-            </a:r>
-          </a:p>
-          <a:p>
-            <a:r>
-              <a:rPr lang="en-US" dirty="0" smtClean="0"/>
-              <a:t>We might not finish everything, but there are resources in book/slides to finish on your own</a:t>
-            </a:r>
-          </a:p>
-          <a:p>
-            <a:r>
-              <a:rPr lang="en-US" dirty="0" smtClean="0"/>
-              <a:t>Hoping to show range of data curation work (policy -&gt; outreach -&gt; technical)</a:t>
-            </a:r>
-            <a:endParaRPr lang="en-US" dirty="0"/>
-          </a:p>
-        </p:txBody>
-      </p:sp>
-    </p:spTree>
-    <p:extLst>
-      <p:ext uri="{BB962C8B-B14F-4D97-AF65-F5344CB8AC3E}">
-        <p14:creationId xmlns:p14="http://schemas.microsoft.com/office/powerpoint/2010/main" val="1430639596"/>
-      </p:ext>
-    </p:extLst>
-  </p:cSld>
-  <p:clrMapOvr>
-    <a:masterClrMapping/>
-  </p:clrMapOvr>
-</p:sld>
-</file>
-
-<file path=ppt/slides/slide4.xml><?xml version="1.0" encoding="utf-8"?>
-<p:sld xmlns:a="http://schemas.openxmlformats.org/drawingml/2006/main" xmlns:r="http://schemas.openxmlformats.org/officeDocument/2006/relationships" xmlns:p="http://schemas.openxmlformats.org/presentationml/2006/main">
-  <p:cSld>
-    <p:spTree>
-      <p:nvGrpSpPr>
-        <p:cNvPr id="1" name=""/>
-        <p:cNvGrpSpPr/>
-        <p:nvPr/>
-      </p:nvGrpSpPr>
-      <p:grpSpPr>
-        <a:xfrm>
-          <a:off x="0" y="0"/>
-          <a:ext cx="0" cy="0"/>
-          <a:chOff x="0" y="0"/>
-          <a:chExt cx="0" cy="0"/>
-        </a:xfrm>
-      </p:grpSpPr>
-      <p:sp>
-        <p:nvSpPr>
-          <p:cNvPr id="2" name="Title 1"/>
-          <p:cNvSpPr>
-            <a:spLocks noGrp="1"/>
-          </p:cNvSpPr>
-          <p:nvPr>
-            <p:ph type="title"/>
-          </p:nvPr>
-        </p:nvSpPr>
-        <p:spPr/>
-        <p:txBody>
-          <a:bodyPr/>
-          <a:lstStyle/>
-          <a:p>
-            <a:r>
-              <a:rPr lang="en-US" dirty="0" smtClean="0"/>
-              <a:t>Today’s Agenda</a:t>
-            </a:r>
-            <a:endParaRPr lang="en-US" dirty="0"/>
-          </a:p>
-        </p:txBody>
-      </p:sp>
-      <p:sp>
-        <p:nvSpPr>
-          <p:cNvPr id="3" name="Content Placeholder 2"/>
-          <p:cNvSpPr>
-            <a:spLocks noGrp="1"/>
-          </p:cNvSpPr>
-          <p:nvPr>
-            <p:ph idx="1"/>
-          </p:nvPr>
-        </p:nvSpPr>
-        <p:spPr/>
-        <p:txBody>
-          <a:bodyPr/>
-          <a:lstStyle/>
-          <a:p>
-            <a:r>
-              <a:rPr lang="en-US" dirty="0" smtClean="0"/>
-              <a:t>Curation profiles</a:t>
-            </a:r>
-          </a:p>
-          <a:p>
-            <a:pPr lvl="1"/>
-            <a:r>
-              <a:rPr lang="en-US" dirty="0" smtClean="0"/>
-              <a:t>Review and discuss</a:t>
-            </a:r>
-          </a:p>
-          <a:p>
-            <a:pPr lvl="1"/>
-            <a:r>
-              <a:rPr lang="en-US" dirty="0" smtClean="0"/>
-              <a:t>Use modified worksheet to profile a dataset</a:t>
-            </a:r>
-          </a:p>
-          <a:p>
-            <a:r>
-              <a:rPr lang="en-US" dirty="0" smtClean="0"/>
-              <a:t>DMP Tool</a:t>
-            </a:r>
-          </a:p>
-          <a:p>
-            <a:pPr lvl="1"/>
-            <a:r>
-              <a:rPr lang="en-US" dirty="0" smtClean="0"/>
-              <a:t>Create accounts and explore</a:t>
-            </a:r>
-          </a:p>
-        </p:txBody>
-      </p:sp>
-    </p:spTree>
-    <p:extLst>
-      <p:ext uri="{BB962C8B-B14F-4D97-AF65-F5344CB8AC3E}">
-        <p14:creationId xmlns:p14="http://schemas.microsoft.com/office/powerpoint/2010/main" val="1978152709"/>
+        <p14:creationId xmlns:p14="http://schemas.microsoft.com/office/powerpoint/2010/main" val="2992103861"/>
       </p:ext>
     </p:extLst>
   </p:cSld>
@@ -6684,63 +8694,55 @@
           <a:chExt cx="0" cy="0"/>
         </a:xfrm>
       </p:grpSpPr>
-      <p:sp>
-        <p:nvSpPr>
-          <p:cNvPr id="2" name="Title 1"/>
-          <p:cNvSpPr>
-            <a:spLocks noGrp="1"/>
-          </p:cNvSpPr>
-          <p:nvPr>
-            <p:ph type="title"/>
-          </p:nvPr>
-        </p:nvSpPr>
-        <p:spPr/>
-        <p:txBody>
-          <a:bodyPr/>
-          <a:lstStyle/>
-          <a:p>
-            <a:r>
-              <a:rPr lang="en-US" dirty="0" smtClean="0"/>
-              <a:t>What is a profile?</a:t>
-            </a:r>
-            <a:endParaRPr lang="en-US" dirty="0"/>
-          </a:p>
-        </p:txBody>
-      </p:sp>
-      <p:sp>
-        <p:nvSpPr>
-          <p:cNvPr id="3" name="Content Placeholder 2"/>
-          <p:cNvSpPr>
-            <a:spLocks noGrp="1"/>
-          </p:cNvSpPr>
-          <p:nvPr>
-            <p:ph idx="1"/>
-          </p:nvPr>
-        </p:nvSpPr>
-        <p:spPr/>
-        <p:txBody>
-          <a:bodyPr/>
-          <a:lstStyle/>
-          <a:p>
-            <a:pPr marL="0" indent="0">
-              <a:buNone/>
-            </a:pPr>
-            <a:r>
-              <a:rPr lang="en-US" dirty="0" smtClean="0"/>
-              <a:t>“A Data Curation Profile is a tool that can be used to provide a foundational base of information about a particular set of data that may be curated by an academic library or other institution.”</a:t>
-            </a:r>
-          </a:p>
-          <a:p>
-            <a:pPr marL="0" indent="0">
-              <a:buNone/>
-            </a:pPr>
-            <a:r>
-              <a:rPr lang="en-US" dirty="0"/>
-              <a:t>	</a:t>
-            </a:r>
-            <a:r>
-              <a:rPr lang="en-US" dirty="0" smtClean="0"/>
-              <a:t>(Carlson and Witt, 2010) </a:t>
+      <p:pic>
+        <p:nvPicPr>
+          <p:cNvPr id="7" name="Picture 6"/>
+          <p:cNvPicPr>
+            <a:picLocks noChangeAspect="1"/>
+          </p:cNvPicPr>
+          <p:nvPr/>
+        </p:nvPicPr>
+        <p:blipFill>
+          <a:blip r:embed="rId3"/>
+          <a:stretch>
+            <a:fillRect/>
+          </a:stretch>
+        </p:blipFill>
+        <p:spPr>
+          <a:xfrm>
+            <a:off x="1586961" y="269687"/>
+            <a:ext cx="5970078" cy="5348195"/>
+          </a:xfrm>
+          <a:prstGeom prst="rect">
+            <a:avLst/>
+          </a:prstGeom>
+        </p:spPr>
+      </p:pic>
+      <p:sp>
+        <p:nvSpPr>
+          <p:cNvPr id="2" name="TextBox 1"/>
+          <p:cNvSpPr txBox="1"/>
+          <p:nvPr/>
+        </p:nvSpPr>
+        <p:spPr>
+          <a:xfrm>
+            <a:off x="220133" y="440267"/>
+            <a:ext cx="2015067" cy="1200329"/>
+          </a:xfrm>
+          <a:prstGeom prst="rect">
+            <a:avLst/>
+          </a:prstGeom>
+          <a:noFill/>
+        </p:spPr>
+        <p:txBody>
+          <a:bodyPr wrap="square" rtlCol="0">
+            <a:spAutoFit/>
+          </a:bodyPr>
+          <a:lstStyle/>
+          <a:p>
+            <a:r>
+              <a:rPr lang="en-US" dirty="0" smtClean="0"/>
+              <a:t>Remember: data curation takes place at all stages of the lifecycle! </a:t>
             </a:r>
             <a:endParaRPr lang="en-US" dirty="0"/>
           </a:p>
@@ -6749,7 +8751,7 @@
     </p:spTree>
     <p:extLst>
       <p:ext uri="{BB962C8B-B14F-4D97-AF65-F5344CB8AC3E}">
-        <p14:creationId xmlns:p14="http://schemas.microsoft.com/office/powerpoint/2010/main" val="2444184472"/>
+        <p14:creationId xmlns:p14="http://schemas.microsoft.com/office/powerpoint/2010/main" val="364150805"/>
       </p:ext>
     </p:extLst>
   </p:cSld>
@@ -6776,122 +8778,269 @@
           <a:chExt cx="0" cy="0"/>
         </a:xfrm>
       </p:grpSpPr>
-      <p:sp>
-        <p:nvSpPr>
-          <p:cNvPr id="4" name="Content Placeholder 3"/>
-          <p:cNvSpPr>
-            <a:spLocks noGrp="1"/>
-          </p:cNvSpPr>
-          <p:nvPr>
-            <p:ph idx="1"/>
-          </p:nvPr>
-        </p:nvSpPr>
-        <p:spPr/>
-        <p:txBody>
-          <a:bodyPr>
-            <a:normAutofit fontScale="85000" lnSpcReduction="20000"/>
-          </a:bodyPr>
-          <a:lstStyle/>
-          <a:p>
-            <a:pPr marL="0" indent="0">
-              <a:buNone/>
-            </a:pPr>
-            <a:endParaRPr lang="en-US" dirty="0" smtClean="0"/>
-          </a:p>
-          <a:p>
-            <a:pPr marL="0" indent="0">
-              <a:buNone/>
-            </a:pPr>
-            <a:r>
-              <a:rPr lang="en-US" dirty="0" smtClean="0"/>
-              <a:t>Provides </a:t>
-            </a:r>
-          </a:p>
-          <a:p>
-            <a:pPr lvl="1"/>
-            <a:r>
-              <a:rPr lang="en-US" dirty="0" smtClean="0"/>
-              <a:t>User guide</a:t>
-            </a:r>
-          </a:p>
-          <a:p>
-            <a:pPr lvl="1"/>
-            <a:r>
-              <a:rPr lang="en-US" dirty="0" smtClean="0"/>
-              <a:t>Interviewers manual</a:t>
-            </a:r>
-          </a:p>
-          <a:p>
-            <a:pPr lvl="1"/>
-            <a:r>
-              <a:rPr lang="en-US" dirty="0" smtClean="0"/>
-              <a:t>Interview worksheet for “investigating what data researchers are willing to share, when and with whom, and researchers’ needs and requirements for sharing those data through an IR” (or other archive)</a:t>
-            </a:r>
-          </a:p>
-          <a:p>
-            <a:pPr lvl="1"/>
-            <a:r>
-              <a:rPr lang="en-US" dirty="0" smtClean="0"/>
-              <a:t>Template for generating final report (profile)</a:t>
-            </a:r>
-          </a:p>
-          <a:p>
-            <a:pPr lvl="2"/>
-            <a:r>
-              <a:rPr lang="en-US" dirty="0" smtClean="0"/>
-              <a:t>Offers definitions and general explanations about how to generalize from interview worksheets </a:t>
-            </a:r>
-          </a:p>
-          <a:p>
-            <a:pPr lvl="1"/>
-            <a:endParaRPr lang="en-US" dirty="0" smtClean="0"/>
-          </a:p>
-          <a:p>
-            <a:pPr marL="457200" lvl="1" indent="0">
-              <a:buNone/>
-            </a:pPr>
-            <a:r>
-              <a:rPr lang="en-US" dirty="0" smtClean="0"/>
-              <a:t> </a:t>
-            </a:r>
-            <a:endParaRPr lang="en-US" dirty="0"/>
-          </a:p>
-        </p:txBody>
-      </p:sp>
       <p:pic>
         <p:nvPicPr>
-          <p:cNvPr id="5" name="Picture 4" descr="Screen Shot 2013-02-03 at 5.03.35 PM.png"/>
+          <p:cNvPr id="7" name="Picture 6"/>
           <p:cNvPicPr>
             <a:picLocks noChangeAspect="1"/>
           </p:cNvPicPr>
           <p:nvPr/>
         </p:nvPicPr>
         <p:blipFill>
-          <a:blip r:embed="rId3">
-            <a:extLst>
-              <a:ext uri="{28A0092B-C50C-407E-A947-70E740481C1C}">
-                <a14:useLocalDpi xmlns:a14="http://schemas.microsoft.com/office/drawing/2010/main" val="0"/>
-              </a:ext>
-            </a:extLst>
-          </a:blip>
+          <a:blip r:embed="rId3"/>
           <a:stretch>
             <a:fillRect/>
           </a:stretch>
         </p:blipFill>
         <p:spPr>
           <a:xfrm>
-            <a:off x="457200" y="463777"/>
-            <a:ext cx="8333772" cy="1136423"/>
+            <a:off x="1586961" y="269687"/>
+            <a:ext cx="5970078" cy="5348195"/>
           </a:xfrm>
           <a:prstGeom prst="rect">
             <a:avLst/>
           </a:prstGeom>
         </p:spPr>
       </p:pic>
+      <p:sp>
+        <p:nvSpPr>
+          <p:cNvPr id="2" name="TextBox 1"/>
+          <p:cNvSpPr txBox="1"/>
+          <p:nvPr/>
+        </p:nvSpPr>
+        <p:spPr>
+          <a:xfrm>
+            <a:off x="220133" y="440267"/>
+            <a:ext cx="2015067" cy="1200329"/>
+          </a:xfrm>
+          <a:prstGeom prst="rect">
+            <a:avLst/>
+          </a:prstGeom>
+          <a:noFill/>
+        </p:spPr>
+        <p:txBody>
+          <a:bodyPr wrap="square" rtlCol="0">
+            <a:spAutoFit/>
+          </a:bodyPr>
+          <a:lstStyle/>
+          <a:p>
+            <a:r>
+              <a:rPr lang="en-US" dirty="0" smtClean="0"/>
+              <a:t>Remember: data curation takes place at all stages of the lifecycle! </a:t>
+            </a:r>
+            <a:endParaRPr lang="en-US" dirty="0"/>
+          </a:p>
+        </p:txBody>
+      </p:sp>
+      <p:sp>
+        <p:nvSpPr>
+          <p:cNvPr id="3" name="TextBox 2"/>
+          <p:cNvSpPr txBox="1"/>
+          <p:nvPr/>
+        </p:nvSpPr>
+        <p:spPr>
+          <a:xfrm>
+            <a:off x="7167030" y="2624666"/>
+            <a:ext cx="1710266" cy="2585323"/>
+          </a:xfrm>
+          <a:prstGeom prst="rect">
+            <a:avLst/>
+          </a:prstGeom>
+          <a:noFill/>
+        </p:spPr>
+        <p:txBody>
+          <a:bodyPr wrap="square" rtlCol="0">
+            <a:spAutoFit/>
+          </a:bodyPr>
+          <a:lstStyle/>
+          <a:p>
+            <a:pPr algn="r"/>
+            <a:r>
+              <a:rPr lang="en-US" dirty="0" smtClean="0"/>
+              <a:t>A data management plan helps guide researchers through data management work that can’t happen in a repository</a:t>
+            </a:r>
+            <a:endParaRPr lang="en-US" dirty="0"/>
+          </a:p>
+        </p:txBody>
+      </p:sp>
+      <p:sp>
+        <p:nvSpPr>
+          <p:cNvPr id="5" name="Frame 4"/>
+          <p:cNvSpPr/>
+          <p:nvPr/>
+        </p:nvSpPr>
+        <p:spPr>
+          <a:xfrm>
+            <a:off x="3968750" y="269687"/>
+            <a:ext cx="1693333" cy="661646"/>
+          </a:xfrm>
+          <a:prstGeom prst="frame">
+            <a:avLst/>
+          </a:prstGeom>
+        </p:spPr>
+        <p:style>
+          <a:lnRef idx="1">
+            <a:schemeClr val="accent1"/>
+          </a:lnRef>
+          <a:fillRef idx="3">
+            <a:schemeClr val="accent1"/>
+          </a:fillRef>
+          <a:effectRef idx="2">
+            <a:schemeClr val="accent1"/>
+          </a:effectRef>
+          <a:fontRef idx="minor">
+            <a:schemeClr val="lt1"/>
+          </a:fontRef>
+        </p:style>
+        <p:txBody>
+          <a:bodyPr rtlCol="0" anchor="ctr"/>
+          <a:lstStyle/>
+          <a:p>
+            <a:pPr algn="ctr"/>
+            <a:endParaRPr lang="en-US">
+              <a:solidFill>
+                <a:schemeClr val="tx1"/>
+              </a:solidFill>
+            </a:endParaRPr>
+          </a:p>
+        </p:txBody>
+      </p:sp>
+      <p:sp>
+        <p:nvSpPr>
+          <p:cNvPr id="6" name="Donut 5"/>
+          <p:cNvSpPr/>
+          <p:nvPr/>
+        </p:nvSpPr>
+        <p:spPr>
+          <a:xfrm rot="1905765">
+            <a:off x="4305979" y="1396115"/>
+            <a:ext cx="1522518" cy="719027"/>
+          </a:xfrm>
+          <a:prstGeom prst="donut">
+            <a:avLst>
+              <a:gd name="adj" fmla="val 7025"/>
+            </a:avLst>
+          </a:prstGeom>
+        </p:spPr>
+        <p:style>
+          <a:lnRef idx="1">
+            <a:schemeClr val="accent1"/>
+          </a:lnRef>
+          <a:fillRef idx="3">
+            <a:schemeClr val="accent1"/>
+          </a:fillRef>
+          <a:effectRef idx="2">
+            <a:schemeClr val="accent1"/>
+          </a:effectRef>
+          <a:fontRef idx="minor">
+            <a:schemeClr val="lt1"/>
+          </a:fontRef>
+        </p:style>
+        <p:txBody>
+          <a:bodyPr rtlCol="0" anchor="ctr"/>
+          <a:lstStyle/>
+          <a:p>
+            <a:pPr algn="ctr"/>
+            <a:endParaRPr lang="en-US">
+              <a:solidFill>
+                <a:schemeClr val="tx1"/>
+              </a:solidFill>
+            </a:endParaRPr>
+          </a:p>
+        </p:txBody>
+      </p:sp>
+      <p:sp>
+        <p:nvSpPr>
+          <p:cNvPr id="8" name="Donut 7"/>
+          <p:cNvSpPr/>
+          <p:nvPr/>
+        </p:nvSpPr>
+        <p:spPr>
+          <a:xfrm rot="20734522">
+            <a:off x="2839129" y="1209846"/>
+            <a:ext cx="1522518" cy="719027"/>
+          </a:xfrm>
+          <a:prstGeom prst="donut">
+            <a:avLst>
+              <a:gd name="adj" fmla="val 7025"/>
+            </a:avLst>
+          </a:prstGeom>
+        </p:spPr>
+        <p:style>
+          <a:lnRef idx="1">
+            <a:schemeClr val="accent1"/>
+          </a:lnRef>
+          <a:fillRef idx="3">
+            <a:schemeClr val="accent1"/>
+          </a:fillRef>
+          <a:effectRef idx="2">
+            <a:schemeClr val="accent1"/>
+          </a:effectRef>
+          <a:fontRef idx="minor">
+            <a:schemeClr val="lt1"/>
+          </a:fontRef>
+        </p:style>
+        <p:txBody>
+          <a:bodyPr rtlCol="0" anchor="ctr"/>
+          <a:lstStyle/>
+          <a:p>
+            <a:pPr algn="ctr"/>
+            <a:endParaRPr lang="en-US">
+              <a:solidFill>
+                <a:schemeClr val="tx1"/>
+              </a:solidFill>
+            </a:endParaRPr>
+          </a:p>
+        </p:txBody>
+      </p:sp>
+      <p:sp>
+        <p:nvSpPr>
+          <p:cNvPr id="9" name="Donut 8"/>
+          <p:cNvSpPr/>
+          <p:nvPr/>
+        </p:nvSpPr>
+        <p:spPr>
+          <a:xfrm rot="17282997">
+            <a:off x="1764258" y="2286787"/>
+            <a:ext cx="1674770" cy="683566"/>
+          </a:xfrm>
+          <a:prstGeom prst="donut">
+            <a:avLst>
+              <a:gd name="adj" fmla="val 7025"/>
+            </a:avLst>
+          </a:prstGeom>
+        </p:spPr>
+        <p:style>
+          <a:lnRef idx="1">
+            <a:schemeClr val="accent1"/>
+          </a:lnRef>
+          <a:fillRef idx="3">
+            <a:schemeClr val="accent1"/>
+          </a:fillRef>
+          <a:effectRef idx="2">
+            <a:schemeClr val="accent1"/>
+          </a:effectRef>
+          <a:fontRef idx="minor">
+            <a:schemeClr val="lt1"/>
+          </a:fontRef>
+        </p:style>
+        <p:txBody>
+          <a:bodyPr rtlCol="0" anchor="ctr"/>
+          <a:lstStyle/>
+          <a:p>
+            <a:pPr algn="ctr"/>
+            <a:endParaRPr lang="en-US">
+              <a:solidFill>
+                <a:schemeClr val="tx1"/>
+              </a:solidFill>
+            </a:endParaRPr>
+          </a:p>
+        </p:txBody>
+      </p:sp>
     </p:spTree>
     <p:extLst>
       <p:ext uri="{BB962C8B-B14F-4D97-AF65-F5344CB8AC3E}">
-        <p14:creationId xmlns:p14="http://schemas.microsoft.com/office/powerpoint/2010/main" val="827362048"/>
+        <p14:creationId xmlns:p14="http://schemas.microsoft.com/office/powerpoint/2010/main" val="2647469792"/>
       </p:ext>
     </p:extLst>
   </p:cSld>
@@ -6935,7 +9084,7 @@
           <a:p>
             <a:r>
               <a:rPr lang="en-US" dirty="0" smtClean="0"/>
-              <a:t>Completed profiles </a:t>
+              <a:t>Types of DMPs</a:t>
             </a:r>
             <a:endParaRPr lang="en-US" dirty="0"/>
           </a:p>
@@ -6953,83 +9102,35 @@
         </p:nvSpPr>
         <p:spPr/>
         <p:txBody>
-          <a:bodyPr>
-            <a:normAutofit fontScale="92500" lnSpcReduction="20000"/>
-          </a:bodyPr>
-          <a:lstStyle/>
-          <a:p>
-            <a:pPr marL="0" indent="0">
-              <a:buNone/>
-            </a:pPr>
-            <a:r>
-              <a:rPr lang="en-US" dirty="0" smtClean="0"/>
-              <a:t>Contain two types of information about data:</a:t>
-            </a:r>
-          </a:p>
-          <a:p>
-            <a:pPr marL="0" indent="0">
-              <a:buNone/>
-            </a:pPr>
+          <a:bodyPr/>
+          <a:lstStyle/>
+          <a:p>
+            <a:r>
+              <a:rPr lang="en-US" dirty="0" smtClean="0"/>
+              <a:t>Individual</a:t>
+            </a:r>
+          </a:p>
+          <a:p>
+            <a:pPr lvl="1"/>
+            <a:r>
+              <a:rPr lang="en-US" dirty="0" smtClean="0"/>
+              <a:t>Outlines data management guidelines for an individual researcher, a research laboratory, or office</a:t>
+            </a:r>
+          </a:p>
+          <a:p>
+            <a:pPr lvl="1"/>
+            <a:r>
+              <a:rPr lang="en-US" dirty="0" smtClean="0"/>
+              <a:t>Might focus on establishing good personal data management practices (e.g. file naming conventions, stable file formats)</a:t>
+            </a:r>
             <a:endParaRPr lang="en-US" dirty="0"/>
-          </a:p>
-          <a:p>
-            <a:pPr marL="514350" indent="-514350">
-              <a:buAutoNum type="arabicPeriod"/>
-            </a:pPr>
-            <a:r>
-              <a:rPr lang="en-US" dirty="0" smtClean="0"/>
-              <a:t>Standardized description </a:t>
-            </a:r>
-            <a:r>
-              <a:rPr lang="en-US" dirty="0"/>
-              <a:t>of a dataset (or series of </a:t>
-            </a:r>
-            <a:r>
-              <a:rPr lang="en-US" dirty="0" smtClean="0"/>
-              <a:t>datasets) </a:t>
-            </a:r>
-          </a:p>
-          <a:p>
-            <a:pPr marL="0" indent="0">
-              <a:buNone/>
-            </a:pPr>
-            <a:endParaRPr lang="en-US" dirty="0" smtClean="0"/>
-          </a:p>
-          <a:p>
-            <a:pPr marL="460375" indent="-460375">
-              <a:buNone/>
-            </a:pPr>
-            <a:r>
-              <a:rPr lang="en-US" dirty="0" smtClean="0"/>
-              <a:t>2</a:t>
-            </a:r>
-            <a:r>
-              <a:rPr lang="en-US" dirty="0"/>
-              <a:t>. Description of a researchers needs surrounding the data, including how and when the data can be shared</a:t>
-            </a:r>
-            <a:r>
-              <a:rPr lang="en-US" dirty="0" smtClean="0"/>
-              <a:t>, the metadata </a:t>
-            </a:r>
-            <a:r>
-              <a:rPr lang="en-US" dirty="0"/>
-              <a:t>and documentation that should be </a:t>
-            </a:r>
-            <a:r>
-              <a:rPr lang="en-US" dirty="0" smtClean="0"/>
-              <a:t>created or captured, </a:t>
-            </a:r>
-            <a:r>
-              <a:rPr lang="en-US" dirty="0"/>
-              <a:t>and details about current preservation practices. </a:t>
-            </a:r>
           </a:p>
         </p:txBody>
       </p:sp>
     </p:spTree>
     <p:extLst>
       <p:ext uri="{BB962C8B-B14F-4D97-AF65-F5344CB8AC3E}">
-        <p14:creationId xmlns:p14="http://schemas.microsoft.com/office/powerpoint/2010/main" val="1239519525"/>
+        <p14:creationId xmlns:p14="http://schemas.microsoft.com/office/powerpoint/2010/main" val="2346438143"/>
       </p:ext>
     </p:extLst>
   </p:cSld>
@@ -7072,22 +9173,8 @@
           <a:lstStyle/>
           <a:p>
             <a:r>
-              <a:rPr lang="en-US" dirty="0"/>
-              <a:t>What can profiles </a:t>
-            </a:r>
-            <a:r>
-              <a:rPr lang="en-US" dirty="0" smtClean="0"/>
-              <a:t>do</a:t>
-            </a:r>
-            <a:r>
-              <a:rPr lang="en-US" dirty="0"/>
-              <a:t>?</a:t>
-            </a:r>
-            <a:r>
-              <a:rPr lang="en-US" dirty="0" smtClean="0">
-                <a:effectLst/>
-              </a:rPr>
-              <a:t> </a:t>
+              <a:rPr lang="en-US" dirty="0" smtClean="0"/>
+              <a:t>Types of DMPs</a:t>
             </a:r>
             <a:endParaRPr lang="en-US" dirty="0"/>
           </a:p>
@@ -7105,113 +9192,34 @@
         </p:nvSpPr>
         <p:spPr/>
         <p:txBody>
-          <a:bodyPr>
-            <a:normAutofit/>
-          </a:bodyPr>
-          <a:lstStyle/>
-          <a:p>
-            <a:pPr marL="0" indent="0">
-              <a:buNone/>
-            </a:pPr>
-            <a:r>
-              <a:rPr lang="en-US" sz="2600" dirty="0" smtClean="0"/>
-              <a:t>Individually: </a:t>
-            </a:r>
-            <a:r>
-              <a:rPr lang="en-US" sz="2600" dirty="0"/>
-              <a:t>provide a structure for a </a:t>
-            </a:r>
-            <a:r>
-              <a:rPr lang="en-US" sz="2600" i="1" dirty="0"/>
-              <a:t>data interview </a:t>
-            </a:r>
-            <a:r>
-              <a:rPr lang="en-US" sz="2600" dirty="0"/>
-              <a:t>between </a:t>
-            </a:r>
-            <a:r>
-              <a:rPr lang="en-US" sz="2600" dirty="0" smtClean="0"/>
-              <a:t>library / archive </a:t>
-            </a:r>
-            <a:r>
-              <a:rPr lang="en-US" sz="2600" dirty="0"/>
-              <a:t>and lab, or within </a:t>
-            </a:r>
-            <a:r>
-              <a:rPr lang="en-US" sz="2600" dirty="0" smtClean="0"/>
-              <a:t>lab.</a:t>
-            </a:r>
-          </a:p>
-          <a:p>
-            <a:pPr marL="0" indent="0">
-              <a:buNone/>
-            </a:pPr>
-            <a:r>
-              <a:rPr lang="en-US" sz="2600" dirty="0"/>
-              <a:t/>
-            </a:r>
-            <a:br>
-              <a:rPr lang="en-US" sz="2600" dirty="0"/>
-            </a:br>
-            <a:r>
-              <a:rPr lang="en-US" sz="2600" dirty="0" smtClean="0"/>
-              <a:t>Institutionally: </a:t>
-            </a:r>
-            <a:r>
-              <a:rPr lang="en-US" sz="2600" dirty="0"/>
-              <a:t>guide management and curation of data in repository setting, </a:t>
-            </a:r>
-            <a:r>
-              <a:rPr lang="en-US" sz="2600" dirty="0" smtClean="0"/>
-              <a:t>provide </a:t>
-            </a:r>
-            <a:r>
-              <a:rPr lang="en-US" sz="2600" dirty="0"/>
-              <a:t>shareable documentation across </a:t>
-            </a:r>
-            <a:r>
-              <a:rPr lang="en-US" sz="2600" dirty="0" smtClean="0"/>
-              <a:t>staff &amp; </a:t>
-            </a:r>
-            <a:r>
-              <a:rPr lang="en-US" sz="2600" dirty="0"/>
-              <a:t>use cases for systems development </a:t>
-            </a:r>
-            <a:endParaRPr lang="en-US" sz="2600" dirty="0" smtClean="0"/>
-          </a:p>
-          <a:p>
-            <a:pPr marL="0" indent="0">
-              <a:buNone/>
-            </a:pPr>
-            <a:endParaRPr lang="en-US" sz="2600" dirty="0" smtClean="0"/>
-          </a:p>
-          <a:p>
-            <a:pPr marL="0" indent="0">
-              <a:buNone/>
-            </a:pPr>
-            <a:r>
-              <a:rPr lang="en-US" sz="2600" dirty="0" smtClean="0"/>
-              <a:t>Globally: guide development of </a:t>
-            </a:r>
-            <a:r>
-              <a:rPr lang="en-US" sz="2600" dirty="0"/>
-              <a:t>generic adaptable research services at new </a:t>
-            </a:r>
-            <a:r>
-              <a:rPr lang="en-US" sz="2600" dirty="0" smtClean="0"/>
-              <a:t>institutions. </a:t>
-            </a:r>
-            <a:endParaRPr lang="en-US" sz="2600" dirty="0"/>
-          </a:p>
-          <a:p>
-            <a:endParaRPr lang="en-US" sz="2600" dirty="0"/>
+          <a:bodyPr/>
+          <a:lstStyle/>
+          <a:p>
+            <a:r>
+              <a:rPr lang="en-US" dirty="0" smtClean="0"/>
+              <a:t>Institutional</a:t>
+            </a:r>
+          </a:p>
+          <a:p>
+            <a:pPr lvl="1"/>
+            <a:r>
+              <a:rPr lang="en-US" dirty="0" smtClean="0"/>
+              <a:t>Outlines data management guidelines for a university or a department</a:t>
+            </a:r>
+          </a:p>
+          <a:p>
+            <a:pPr lvl="1"/>
+            <a:r>
+              <a:rPr lang="en-US" dirty="0" smtClean="0"/>
+              <a:t>Policy-driven: policy is set by the institutional repository or library</a:t>
+            </a:r>
           </a:p>
         </p:txBody>
       </p:sp>
     </p:spTree>
     <p:extLst>
       <p:ext uri="{BB962C8B-B14F-4D97-AF65-F5344CB8AC3E}">
-        <p14:creationId xmlns:p14="http://schemas.microsoft.com/office/powerpoint/2010/main" val="3235271237"/>
+        <p14:creationId xmlns:p14="http://schemas.microsoft.com/office/powerpoint/2010/main" val="4279360329"/>
       </p:ext>
     </p:extLst>
   </p:cSld>
@@ -7250,16 +9258,13 @@
         </p:nvSpPr>
         <p:spPr/>
         <p:txBody>
-          <a:bodyPr>
-            <a:normAutofit/>
-          </a:bodyPr>
-          <a:lstStyle/>
-          <a:p>
-            <a:r>
-              <a:rPr lang="en-US" dirty="0" smtClean="0"/>
-              <a:t>What shouldn’t profiles do?</a:t>
-            </a:r>
-            <a:endParaRPr lang="en-US" dirty="0"/>
+          <a:bodyPr/>
+          <a:lstStyle/>
+          <a:p>
+            <a:r>
+              <a:rPr lang="en-US" dirty="0"/>
+              <a:t>Types of DMPs</a:t>
+            </a:r>
           </a:p>
         </p:txBody>
       </p:sp>
@@ -7275,91 +9280,41 @@
         </p:nvSpPr>
         <p:spPr/>
         <p:txBody>
-          <a:bodyPr>
-            <a:normAutofit/>
-          </a:bodyPr>
-          <a:lstStyle/>
-          <a:p>
-            <a:pPr marL="0" indent="0">
-              <a:buNone/>
-            </a:pPr>
-            <a:r>
-              <a:rPr lang="en-US" dirty="0"/>
-              <a:t>I</a:t>
-            </a:r>
-            <a:r>
-              <a:rPr lang="en-US" dirty="0" smtClean="0"/>
-              <a:t>nventory </a:t>
-            </a:r>
-            <a:r>
-              <a:rPr lang="en-US" dirty="0"/>
-              <a:t>a </a:t>
-            </a:r>
-            <a:r>
-              <a:rPr lang="en-US" dirty="0" smtClean="0"/>
-              <a:t>lab/individual’s holdings</a:t>
-            </a:r>
-            <a:r>
-              <a:rPr lang="en-US" dirty="0"/>
-              <a:t> </a:t>
-            </a:r>
-            <a:r>
-              <a:rPr lang="en-US" dirty="0" smtClean="0"/>
-              <a:t>- profiles provide depth, </a:t>
-            </a:r>
-            <a:r>
-              <a:rPr lang="en-US" dirty="0"/>
-              <a:t>not </a:t>
-            </a:r>
-            <a:r>
-              <a:rPr lang="en-US" dirty="0" smtClean="0"/>
-              <a:t>breadth</a:t>
-            </a:r>
-            <a:endParaRPr lang="en-US" dirty="0"/>
-          </a:p>
-          <a:p>
-            <a:pPr marL="0" indent="0">
-              <a:buNone/>
-            </a:pPr>
-            <a:endParaRPr lang="en-US" dirty="0" smtClean="0"/>
-          </a:p>
-          <a:p>
-            <a:pPr marL="0" indent="0">
-              <a:buNone/>
-            </a:pPr>
-            <a:r>
-              <a:rPr lang="en-US" dirty="0" smtClean="0"/>
-              <a:t>Be interpreted as permanent: needs for a dataset will </a:t>
-            </a:r>
-            <a:r>
-              <a:rPr lang="en-US" dirty="0"/>
-              <a:t>shift, </a:t>
-            </a:r>
-            <a:r>
-              <a:rPr lang="en-US" dirty="0" smtClean="0"/>
-              <a:t>and use </a:t>
-            </a:r>
-            <a:r>
-              <a:rPr lang="en-US" dirty="0"/>
-              <a:t>of a dataset will likely change. </a:t>
-            </a:r>
-            <a:endParaRPr lang="en-US" dirty="0" smtClean="0"/>
-          </a:p>
-          <a:p>
-            <a:pPr marL="0" indent="0">
-              <a:buNone/>
-            </a:pPr>
-            <a:endParaRPr lang="en-US" dirty="0"/>
-          </a:p>
-          <a:p>
-            <a:endParaRPr lang="en-US" dirty="0"/>
+          <a:bodyPr/>
+          <a:lstStyle/>
+          <a:p>
+            <a:r>
+              <a:rPr lang="en-US" dirty="0" smtClean="0"/>
+              <a:t>Funding agency</a:t>
+            </a:r>
+          </a:p>
+          <a:p>
+            <a:pPr lvl="1"/>
+            <a:r>
+              <a:rPr lang="en-US" dirty="0" smtClean="0"/>
+              <a:t>Submitted as part of a grant application</a:t>
+            </a:r>
+          </a:p>
+          <a:p>
+            <a:pPr lvl="1"/>
+            <a:r>
+              <a:rPr lang="en-US" dirty="0" smtClean="0"/>
+              <a:t>Increasingly required by US funding agencies and some federal agencies (e.g. the US Geological Survey)</a:t>
+            </a:r>
+          </a:p>
+          <a:p>
+            <a:pPr lvl="1"/>
+            <a:r>
+              <a:rPr lang="en-US" dirty="0" smtClean="0"/>
+              <a:t>Often few clear guidelines in what to include; researchers often need help from library or a template</a:t>
+            </a:r>
           </a:p>
         </p:txBody>
       </p:sp>
     </p:spTree>
     <p:extLst>
       <p:ext uri="{BB962C8B-B14F-4D97-AF65-F5344CB8AC3E}">
-        <p14:creationId xmlns:p14="http://schemas.microsoft.com/office/powerpoint/2010/main" val="3185866192"/>
+        <p14:creationId xmlns:p14="http://schemas.microsoft.com/office/powerpoint/2010/main" val="3138957965"/>
       </p:ext>
     </p:extLst>
   </p:cSld>
